--- a/Slides/PH223_Lecture_18.pptx
+++ b/Slides/PH223_Lecture_18.pptx
@@ -16,27 +16,27 @@
     <p:sldId id="260" r:id="rId7"/>
     <p:sldId id="1088" r:id="rId8"/>
     <p:sldId id="262" r:id="rId9"/>
-    <p:sldId id="263" r:id="rId10"/>
-    <p:sldId id="264" r:id="rId11"/>
-    <p:sldId id="286" r:id="rId12"/>
-    <p:sldId id="265" r:id="rId13"/>
-    <p:sldId id="1089" r:id="rId14"/>
-    <p:sldId id="1087" r:id="rId15"/>
-    <p:sldId id="266" r:id="rId16"/>
-    <p:sldId id="287" r:id="rId17"/>
-    <p:sldId id="267" r:id="rId18"/>
-    <p:sldId id="288" r:id="rId19"/>
-    <p:sldId id="268" r:id="rId20"/>
-    <p:sldId id="269" r:id="rId21"/>
-    <p:sldId id="270" r:id="rId22"/>
-    <p:sldId id="271" r:id="rId23"/>
-    <p:sldId id="272" r:id="rId24"/>
-    <p:sldId id="274" r:id="rId25"/>
-    <p:sldId id="275" r:id="rId26"/>
-    <p:sldId id="276" r:id="rId27"/>
-    <p:sldId id="277" r:id="rId28"/>
-    <p:sldId id="278" r:id="rId29"/>
-    <p:sldId id="279" r:id="rId30"/>
+    <p:sldId id="264" r:id="rId10"/>
+    <p:sldId id="286" r:id="rId11"/>
+    <p:sldId id="265" r:id="rId12"/>
+    <p:sldId id="1089" r:id="rId13"/>
+    <p:sldId id="1087" r:id="rId14"/>
+    <p:sldId id="266" r:id="rId15"/>
+    <p:sldId id="287" r:id="rId16"/>
+    <p:sldId id="267" r:id="rId17"/>
+    <p:sldId id="288" r:id="rId18"/>
+    <p:sldId id="268" r:id="rId19"/>
+    <p:sldId id="269" r:id="rId20"/>
+    <p:sldId id="270" r:id="rId21"/>
+    <p:sldId id="271" r:id="rId22"/>
+    <p:sldId id="272" r:id="rId23"/>
+    <p:sldId id="274" r:id="rId24"/>
+    <p:sldId id="275" r:id="rId25"/>
+    <p:sldId id="276" r:id="rId26"/>
+    <p:sldId id="277" r:id="rId27"/>
+    <p:sldId id="278" r:id="rId28"/>
+    <p:sldId id="279" r:id="rId29"/>
+    <p:sldId id="1091" r:id="rId30"/>
     <p:sldId id="281" r:id="rId31"/>
     <p:sldId id="282" r:id="rId32"/>
     <p:sldId id="283" r:id="rId33"/>
@@ -202,6 +202,108 @@
     </pc:docChg>
   </pc:docChgLst>
   <pc:docChgLst>
+    <pc:chgData name="Lines, Todd" userId="afaf7c3a-e8aa-4568-882a-02ad8f9e19b0" providerId="ADAL" clId="{49CCB938-A5FD-4499-92F2-A708AA5DDB79}"/>
+    <pc:docChg chg="undo custSel addSld delSld modSld">
+      <pc:chgData name="Lines, Todd" userId="afaf7c3a-e8aa-4568-882a-02ad8f9e19b0" providerId="ADAL" clId="{49CCB938-A5FD-4499-92F2-A708AA5DDB79}" dt="2024-10-14T21:09:54.891" v="35" actId="478"/>
+      <pc:docMkLst>
+        <pc:docMk/>
+      </pc:docMkLst>
+      <pc:sldChg chg="del">
+        <pc:chgData name="Lines, Todd" userId="afaf7c3a-e8aa-4568-882a-02ad8f9e19b0" providerId="ADAL" clId="{49CCB938-A5FD-4499-92F2-A708AA5DDB79}" dt="2024-10-14T18:18:31.716" v="0" actId="2696"/>
+        <pc:sldMkLst>
+          <pc:docMk/>
+          <pc:sldMk cId="0" sldId="263"/>
+        </pc:sldMkLst>
+      </pc:sldChg>
+      <pc:sldChg chg="addSp delSp modSp mod">
+        <pc:chgData name="Lines, Todd" userId="afaf7c3a-e8aa-4568-882a-02ad8f9e19b0" providerId="ADAL" clId="{49CCB938-A5FD-4499-92F2-A708AA5DDB79}" dt="2024-10-14T18:24:53.739" v="29" actId="1076"/>
+        <pc:sldMkLst>
+          <pc:docMk/>
+          <pc:sldMk cId="0" sldId="265"/>
+        </pc:sldMkLst>
+        <pc:spChg chg="add mod ord">
+          <ac:chgData name="Lines, Todd" userId="afaf7c3a-e8aa-4568-882a-02ad8f9e19b0" providerId="ADAL" clId="{49CCB938-A5FD-4499-92F2-A708AA5DDB79}" dt="2024-10-14T18:24:53.739" v="29" actId="1076"/>
+          <ac:spMkLst>
+            <pc:docMk/>
+            <pc:sldMk cId="0" sldId="265"/>
+            <ac:spMk id="3" creationId="{942DE97E-4AB4-A8E7-E070-122B89FF78F1}"/>
+          </ac:spMkLst>
+        </pc:spChg>
+        <pc:spChg chg="mod">
+          <ac:chgData name="Lines, Todd" userId="afaf7c3a-e8aa-4568-882a-02ad8f9e19b0" providerId="ADAL" clId="{49CCB938-A5FD-4499-92F2-A708AA5DDB79}" dt="2024-10-14T18:21:45.515" v="11"/>
+          <ac:spMkLst>
+            <pc:docMk/>
+            <pc:sldMk cId="0" sldId="265"/>
+            <ac:spMk id="30724" creationId="{00000000-0000-0000-0000-000000000000}"/>
+          </ac:spMkLst>
+        </pc:spChg>
+        <pc:picChg chg="add mod modCrop">
+          <ac:chgData name="Lines, Todd" userId="afaf7c3a-e8aa-4568-882a-02ad8f9e19b0" providerId="ADAL" clId="{49CCB938-A5FD-4499-92F2-A708AA5DDB79}" dt="2024-10-14T18:24:39.429" v="24" actId="1076"/>
+          <ac:picMkLst>
+            <pc:docMk/>
+            <pc:sldMk cId="0" sldId="265"/>
+            <ac:picMk id="5" creationId="{C2C65C73-B7B1-DCC6-C351-7C7A1CEC3A46}"/>
+          </ac:picMkLst>
+        </pc:picChg>
+        <pc:picChg chg="add del mod">
+          <ac:chgData name="Lines, Todd" userId="afaf7c3a-e8aa-4568-882a-02ad8f9e19b0" providerId="ADAL" clId="{49CCB938-A5FD-4499-92F2-A708AA5DDB79}" dt="2024-10-14T18:21:17.220" v="6" actId="478"/>
+          <ac:picMkLst>
+            <pc:docMk/>
+            <pc:sldMk cId="0" sldId="265"/>
+            <ac:picMk id="1026" creationId="{B6647880-43EE-2A27-F297-03F99E58C9E4}"/>
+          </ac:picMkLst>
+        </pc:picChg>
+        <pc:picChg chg="add del mod">
+          <ac:chgData name="Lines, Todd" userId="afaf7c3a-e8aa-4568-882a-02ad8f9e19b0" providerId="ADAL" clId="{49CCB938-A5FD-4499-92F2-A708AA5DDB79}" dt="2024-10-14T18:23:57.753" v="14" actId="478"/>
+          <ac:picMkLst>
+            <pc:docMk/>
+            <pc:sldMk cId="0" sldId="265"/>
+            <ac:picMk id="1028" creationId="{85FA0EC3-30B1-86C5-90D8-B9CCF8850BF3}"/>
+          </ac:picMkLst>
+        </pc:picChg>
+        <pc:picChg chg="del">
+          <ac:chgData name="Lines, Todd" userId="afaf7c3a-e8aa-4568-882a-02ad8f9e19b0" providerId="ADAL" clId="{49CCB938-A5FD-4499-92F2-A708AA5DDB79}" dt="2024-10-14T18:20:49.149" v="1" actId="478"/>
+          <ac:picMkLst>
+            <pc:docMk/>
+            <pc:sldMk cId="0" sldId="265"/>
+            <ac:picMk id="30722" creationId="{00000000-0000-0000-0000-000000000000}"/>
+          </ac:picMkLst>
+        </pc:picChg>
+      </pc:sldChg>
+      <pc:sldChg chg="addSp delSp modSp new mod">
+        <pc:chgData name="Lines, Todd" userId="afaf7c3a-e8aa-4568-882a-02ad8f9e19b0" providerId="ADAL" clId="{49CCB938-A5FD-4499-92F2-A708AA5DDB79}" dt="2024-10-14T21:09:54.891" v="35" actId="478"/>
+        <pc:sldMkLst>
+          <pc:docMk/>
+          <pc:sldMk cId="3489617987" sldId="1091"/>
+        </pc:sldMkLst>
+        <pc:picChg chg="add">
+          <ac:chgData name="Lines, Todd" userId="afaf7c3a-e8aa-4568-882a-02ad8f9e19b0" providerId="ADAL" clId="{49CCB938-A5FD-4499-92F2-A708AA5DDB79}" dt="2024-10-14T20:43:45.122" v="31" actId="22"/>
+          <ac:picMkLst>
+            <pc:docMk/>
+            <pc:sldMk cId="3489617987" sldId="1091"/>
+            <ac:picMk id="6" creationId="{4B1591D4-05BF-D9AA-7C1C-2C701FA1581B}"/>
+          </ac:picMkLst>
+        </pc:picChg>
+        <pc:picChg chg="del mod">
+          <ac:chgData name="Lines, Todd" userId="afaf7c3a-e8aa-4568-882a-02ad8f9e19b0" providerId="ADAL" clId="{49CCB938-A5FD-4499-92F2-A708AA5DDB79}" dt="2024-10-14T21:02:59.750" v="33" actId="478"/>
+          <ac:picMkLst>
+            <pc:docMk/>
+            <pc:sldMk cId="3489617987" sldId="1091"/>
+            <ac:picMk id="7" creationId="{4F259979-CAFC-C24B-036E-C9778F6B3E20}"/>
+          </ac:picMkLst>
+        </pc:picChg>
+        <pc:picChg chg="del mod">
+          <ac:chgData name="Lines, Todd" userId="afaf7c3a-e8aa-4568-882a-02ad8f9e19b0" providerId="ADAL" clId="{49CCB938-A5FD-4499-92F2-A708AA5DDB79}" dt="2024-10-14T21:09:54.891" v="35" actId="478"/>
+          <ac:picMkLst>
+            <pc:docMk/>
+            <pc:sldMk cId="3489617987" sldId="1091"/>
+            <ac:picMk id="8" creationId="{EE3B717E-5C40-1EAA-C29C-20B0C13F421D}"/>
+          </ac:picMkLst>
+        </pc:picChg>
+      </pc:sldChg>
+    </pc:docChg>
+  </pc:docChgLst>
+  <pc:docChgLst>
     <pc:chgData name="Lines, Todd" userId="afaf7c3a-e8aa-4568-882a-02ad8f9e19b0" providerId="ADAL" clId="{10053ABE-EF34-450B-A909-1083A532E041}"/>
     <pc:docChg chg="addSld modSld sldOrd">
       <pc:chgData name="Lines, Todd" userId="afaf7c3a-e8aa-4568-882a-02ad8f9e19b0" providerId="ADAL" clId="{10053ABE-EF34-450B-A909-1083A532E041}" dt="2023-10-10T02:34:00.157" v="6"/>
@@ -324,7 +426,7 @@
             <a:fld id="{8A977141-E80A-4924-B68E-B85276B8724E}" type="datetimeFigureOut">
               <a:rPr lang="en-US" smtClean="0"/>
               <a:pPr/>
-              <a:t>5/20/2024</a:t>
+              <a:t>10/14/2024</a:t>
             </a:fld>
             <a:endParaRPr lang="en-US"/>
           </a:p>
@@ -710,103 +812,6 @@
       </p:grpSpPr>
       <p:sp>
         <p:nvSpPr>
-          <p:cNvPr id="76802" name="Rectangle 7"/>
-          <p:cNvSpPr>
-            <a:spLocks noGrp="1" noChangeArrowheads="1"/>
-          </p:cNvSpPr>
-          <p:nvPr>
-            <p:ph type="sldNum" sz="quarter" idx="5"/>
-          </p:nvPr>
-        </p:nvSpPr>
-        <p:spPr>
-          <a:noFill/>
-        </p:spPr>
-        <p:txBody>
-          <a:bodyPr/>
-          <a:lstStyle/>
-          <a:p>
-            <a:fld id="{BAFE06D5-8120-4702-8799-49873C1A47AF}" type="slidenum">
-              <a:rPr lang="en-US" smtClean="0"/>
-              <a:pPr/>
-              <a:t>9</a:t>
-            </a:fld>
-            <a:endParaRPr lang="en-US"/>
-          </a:p>
-        </p:txBody>
-      </p:sp>
-      <p:sp>
-        <p:nvSpPr>
-          <p:cNvPr id="76803" name="Rectangle 2"/>
-          <p:cNvSpPr>
-            <a:spLocks noGrp="1" noRot="1" noChangeAspect="1" noChangeArrowheads="1" noTextEdit="1"/>
-          </p:cNvSpPr>
-          <p:nvPr>
-            <p:ph type="sldImg"/>
-          </p:nvPr>
-        </p:nvSpPr>
-        <p:spPr>
-          <a:ln/>
-        </p:spPr>
-      </p:sp>
-      <p:sp>
-        <p:nvSpPr>
-          <p:cNvPr id="76804" name="Rectangle 3"/>
-          <p:cNvSpPr>
-            <a:spLocks noGrp="1" noChangeArrowheads="1"/>
-          </p:cNvSpPr>
-          <p:nvPr>
-            <p:ph type="body" idx="1"/>
-            <p:custDataLst>
-              <p:tags r:id="rId1"/>
-            </p:custDataLst>
-          </p:nvPr>
-        </p:nvSpPr>
-        <p:spPr>
-          <a:noFill/>
-          <a:ln/>
-        </p:spPr>
-        <p:txBody>
-          <a:bodyPr/>
-          <a:lstStyle/>
-          <a:p>
-            <a:r>
-              <a:rPr lang="en-US"/>
-              <a:t>neuro4e-box-11-a(1)-0.jpg</a:t>
-            </a:r>
-            <a:br>
-              <a:rPr lang="en-US"/>
-            </a:br>
-            <a:endParaRPr lang="en-US"/>
-          </a:p>
-        </p:txBody>
-      </p:sp>
-    </p:spTree>
-  </p:cSld>
-  <p:clrMapOvr>
-    <a:masterClrMapping/>
-  </p:clrMapOvr>
-</p:notes>
-</file>
-
-<file path=ppt/notesSlides/notesSlide3.xml><?xml version="1.0" encoding="utf-8"?>
-<p:notes xmlns:a="http://schemas.openxmlformats.org/drawingml/2006/main" xmlns:r="http://schemas.openxmlformats.org/officeDocument/2006/relationships" xmlns:p="http://schemas.openxmlformats.org/presentationml/2006/main">
-  <p:cSld>
-    <p:spTree>
-      <p:nvGrpSpPr>
-        <p:cNvPr id="1" name=""/>
-        <p:cNvGrpSpPr/>
-        <p:nvPr/>
-      </p:nvGrpSpPr>
-      <p:grpSpPr>
-        <a:xfrm>
-          <a:off x="0" y="0"/>
-          <a:ext cx="0" cy="0"/>
-          <a:chOff x="0" y="0"/>
-          <a:chExt cx="0" cy="0"/>
-        </a:xfrm>
-      </p:grpSpPr>
-      <p:sp>
-        <p:nvSpPr>
           <p:cNvPr id="77826" name="Rectangle 7"/>
           <p:cNvSpPr>
             <a:spLocks noGrp="1" noChangeArrowheads="1"/>
@@ -825,7 +830,7 @@
             <a:fld id="{0F9BA69C-0CAC-4F69-8A3E-75C9C4CFA572}" type="slidenum">
               <a:rPr lang="en-US" smtClean="0"/>
               <a:pPr/>
-              <a:t>12</a:t>
+              <a:t>11</a:t>
             </a:fld>
             <a:endParaRPr lang="en-US"/>
           </a:p>
@@ -1065,7 +1070,7 @@
             <a:fld id="{B04593DB-0AFC-4F2B-A4D0-CF7E97484DFF}" type="datetimeFigureOut">
               <a:rPr lang="en-US" smtClean="0"/>
               <a:pPr/>
-              <a:t>5/20/2024</a:t>
+              <a:t>10/14/2024</a:t>
             </a:fld>
             <a:endParaRPr lang="en-US"/>
           </a:p>
@@ -1230,7 +1235,7 @@
             <a:fld id="{B04593DB-0AFC-4F2B-A4D0-CF7E97484DFF}" type="datetimeFigureOut">
               <a:rPr lang="en-US" smtClean="0"/>
               <a:pPr/>
-              <a:t>5/20/2024</a:t>
+              <a:t>10/14/2024</a:t>
             </a:fld>
             <a:endParaRPr lang="en-US"/>
           </a:p>
@@ -1405,7 +1410,7 @@
             <a:fld id="{B04593DB-0AFC-4F2B-A4D0-CF7E97484DFF}" type="datetimeFigureOut">
               <a:rPr lang="en-US" smtClean="0"/>
               <a:pPr/>
-              <a:t>5/20/2024</a:t>
+              <a:t>10/14/2024</a:t>
             </a:fld>
             <a:endParaRPr lang="en-US"/>
           </a:p>
@@ -1797,7 +1802,7 @@
             <a:fld id="{B04593DB-0AFC-4F2B-A4D0-CF7E97484DFF}" type="datetimeFigureOut">
               <a:rPr lang="en-US" smtClean="0"/>
               <a:pPr/>
-              <a:t>5/20/2024</a:t>
+              <a:t>10/14/2024</a:t>
             </a:fld>
             <a:endParaRPr lang="en-US"/>
           </a:p>
@@ -2039,7 +2044,7 @@
             <a:fld id="{B04593DB-0AFC-4F2B-A4D0-CF7E97484DFF}" type="datetimeFigureOut">
               <a:rPr lang="en-US" smtClean="0"/>
               <a:pPr/>
-              <a:t>5/20/2024</a:t>
+              <a:t>10/14/2024</a:t>
             </a:fld>
             <a:endParaRPr lang="en-US"/>
           </a:p>
@@ -2321,7 +2326,7 @@
             <a:fld id="{B04593DB-0AFC-4F2B-A4D0-CF7E97484DFF}" type="datetimeFigureOut">
               <a:rPr lang="en-US" smtClean="0"/>
               <a:pPr/>
-              <a:t>5/20/2024</a:t>
+              <a:t>10/14/2024</a:t>
             </a:fld>
             <a:endParaRPr lang="en-US"/>
           </a:p>
@@ -2737,7 +2742,7 @@
             <a:fld id="{B04593DB-0AFC-4F2B-A4D0-CF7E97484DFF}" type="datetimeFigureOut">
               <a:rPr lang="en-US" smtClean="0"/>
               <a:pPr/>
-              <a:t>5/20/2024</a:t>
+              <a:t>10/14/2024</a:t>
             </a:fld>
             <a:endParaRPr lang="en-US"/>
           </a:p>
@@ -2851,7 +2856,7 @@
             <a:fld id="{B04593DB-0AFC-4F2B-A4D0-CF7E97484DFF}" type="datetimeFigureOut">
               <a:rPr lang="en-US" smtClean="0"/>
               <a:pPr/>
-              <a:t>5/20/2024</a:t>
+              <a:t>10/14/2024</a:t>
             </a:fld>
             <a:endParaRPr lang="en-US"/>
           </a:p>
@@ -2943,7 +2948,7 @@
             <a:fld id="{B04593DB-0AFC-4F2B-A4D0-CF7E97484DFF}" type="datetimeFigureOut">
               <a:rPr lang="en-US" smtClean="0"/>
               <a:pPr/>
-              <a:t>5/20/2024</a:t>
+              <a:t>10/14/2024</a:t>
             </a:fld>
             <a:endParaRPr lang="en-US"/>
           </a:p>
@@ -3215,7 +3220,7 @@
             <a:fld id="{B04593DB-0AFC-4F2B-A4D0-CF7E97484DFF}" type="datetimeFigureOut">
               <a:rPr lang="en-US" smtClean="0"/>
               <a:pPr/>
-              <a:t>5/20/2024</a:t>
+              <a:t>10/14/2024</a:t>
             </a:fld>
             <a:endParaRPr lang="en-US"/>
           </a:p>
@@ -3464,7 +3469,7 @@
             <a:fld id="{B04593DB-0AFC-4F2B-A4D0-CF7E97484DFF}" type="datetimeFigureOut">
               <a:rPr lang="en-US" smtClean="0"/>
               <a:pPr/>
-              <a:t>5/20/2024</a:t>
+              <a:t>10/14/2024</a:t>
             </a:fld>
             <a:endParaRPr lang="en-US"/>
           </a:p>
@@ -3672,7 +3677,7 @@
             <a:fld id="{B04593DB-0AFC-4F2B-A4D0-CF7E97484DFF}" type="datetimeFigureOut">
               <a:rPr lang="en-US" smtClean="0"/>
               <a:pPr/>
-              <a:t>5/20/2024</a:t>
+              <a:t>10/14/2024</a:t>
             </a:fld>
             <a:endParaRPr lang="en-US"/>
           </a:p>
@@ -4276,7 +4281,7 @@
       </p:grpSpPr>
       <p:pic>
         <p:nvPicPr>
-          <p:cNvPr id="8194" name="Picture 2"/>
+          <p:cNvPr id="45058" name="Picture 2"/>
           <p:cNvPicPr>
             <a:picLocks noChangeAspect="1" noChangeArrowheads="1"/>
           </p:cNvPicPr>
@@ -4290,9 +4295,9 @@
           </a:stretch>
         </p:blipFill>
         <p:spPr bwMode="auto">
-          <a:xfrm flipH="1">
-            <a:off x="2819400" y="4709160"/>
-            <a:ext cx="266700" cy="1438275"/>
+          <a:xfrm>
+            <a:off x="2606993" y="4720590"/>
+            <a:ext cx="180975" cy="1714500"/>
           </a:xfrm>
           <a:prstGeom prst="rect">
             <a:avLst/>
@@ -5585,3666 +5590,6 @@
       </p:grpSp>
       <p:sp>
         <p:nvSpPr>
-          <p:cNvPr id="34" name="Oval 33"/>
-          <p:cNvSpPr/>
-          <p:nvPr/>
-        </p:nvSpPr>
-        <p:spPr>
-          <a:xfrm>
-            <a:off x="3293612" y="2463920"/>
-            <a:ext cx="2192788" cy="1442526"/>
-          </a:xfrm>
-          <a:prstGeom prst="ellipse">
-            <a:avLst/>
-          </a:prstGeom>
-          <a:solidFill>
-            <a:schemeClr val="bg1">
-              <a:lumMod val="95000"/>
-            </a:schemeClr>
-          </a:solidFill>
-          <a:ln w="3175">
-            <a:solidFill>
-              <a:schemeClr val="tx1">
-                <a:lumMod val="50000"/>
-                <a:lumOff val="50000"/>
-              </a:schemeClr>
-            </a:solidFill>
-          </a:ln>
-        </p:spPr>
-        <p:style>
-          <a:lnRef idx="2">
-            <a:schemeClr val="accent1">
-              <a:shade val="50000"/>
-            </a:schemeClr>
-          </a:lnRef>
-          <a:fillRef idx="1">
-            <a:schemeClr val="accent1"/>
-          </a:fillRef>
-          <a:effectRef idx="0">
-            <a:schemeClr val="accent1"/>
-          </a:effectRef>
-          <a:fontRef idx="minor">
-            <a:schemeClr val="lt1"/>
-          </a:fontRef>
-        </p:style>
-        <p:txBody>
-          <a:bodyPr rtlCol="0" anchor="ctr"/>
-          <a:lstStyle/>
-          <a:p>
-            <a:pPr algn="ctr"/>
-            <a:endParaRPr lang="en-US"/>
-          </a:p>
-        </p:txBody>
-      </p:sp>
-      <p:sp>
-        <p:nvSpPr>
-          <p:cNvPr id="106" name="Oval 105"/>
-          <p:cNvSpPr/>
-          <p:nvPr/>
-        </p:nvSpPr>
-        <p:spPr>
-          <a:xfrm>
-            <a:off x="3408094" y="2590800"/>
-            <a:ext cx="2002106" cy="1219200"/>
-          </a:xfrm>
-          <a:prstGeom prst="ellipse">
-            <a:avLst/>
-          </a:prstGeom>
-          <a:solidFill>
-            <a:schemeClr val="tx1"/>
-          </a:solidFill>
-          <a:ln>
-            <a:solidFill>
-              <a:schemeClr val="tx1">
-                <a:lumMod val="50000"/>
-                <a:lumOff val="50000"/>
-              </a:schemeClr>
-            </a:solidFill>
-          </a:ln>
-        </p:spPr>
-        <p:style>
-          <a:lnRef idx="2">
-            <a:schemeClr val="accent1">
-              <a:shade val="50000"/>
-            </a:schemeClr>
-          </a:lnRef>
-          <a:fillRef idx="1">
-            <a:schemeClr val="accent1"/>
-          </a:fillRef>
-          <a:effectRef idx="0">
-            <a:schemeClr val="accent1"/>
-          </a:effectRef>
-          <a:fontRef idx="minor">
-            <a:schemeClr val="lt1"/>
-          </a:fontRef>
-        </p:style>
-        <p:txBody>
-          <a:bodyPr rtlCol="0" anchor="ctr"/>
-          <a:lstStyle/>
-          <a:p>
-            <a:pPr algn="ctr"/>
-            <a:endParaRPr lang="en-US"/>
-          </a:p>
-        </p:txBody>
-      </p:sp>
-      <p:sp>
-        <p:nvSpPr>
-          <p:cNvPr id="35" name="Oval 34"/>
-          <p:cNvSpPr/>
-          <p:nvPr/>
-        </p:nvSpPr>
-        <p:spPr>
-          <a:xfrm>
-            <a:off x="3408094" y="2590800"/>
-            <a:ext cx="2002106" cy="1219200"/>
-          </a:xfrm>
-          <a:prstGeom prst="ellipse">
-            <a:avLst/>
-          </a:prstGeom>
-          <a:gradFill flip="none" rotWithShape="1">
-            <a:gsLst>
-              <a:gs pos="0">
-                <a:srgbClr val="CC0000">
-                  <a:shade val="30000"/>
-                  <a:satMod val="115000"/>
-                  <a:alpha val="0"/>
-                </a:srgbClr>
-              </a:gs>
-              <a:gs pos="50000">
-                <a:srgbClr val="CC0000">
-                  <a:shade val="67500"/>
-                  <a:satMod val="115000"/>
-                </a:srgbClr>
-              </a:gs>
-              <a:gs pos="100000">
-                <a:srgbClr val="CC0000">
-                  <a:shade val="100000"/>
-                  <a:satMod val="115000"/>
-                </a:srgbClr>
-              </a:gs>
-            </a:gsLst>
-            <a:lin ang="0" scaled="1"/>
-            <a:tileRect/>
-          </a:gradFill>
-          <a:ln>
-            <a:solidFill>
-              <a:schemeClr val="tx1">
-                <a:lumMod val="50000"/>
-                <a:lumOff val="50000"/>
-              </a:schemeClr>
-            </a:solidFill>
-          </a:ln>
-        </p:spPr>
-        <p:style>
-          <a:lnRef idx="2">
-            <a:schemeClr val="accent1">
-              <a:shade val="50000"/>
-            </a:schemeClr>
-          </a:lnRef>
-          <a:fillRef idx="1">
-            <a:schemeClr val="accent1"/>
-          </a:fillRef>
-          <a:effectRef idx="0">
-            <a:schemeClr val="accent1"/>
-          </a:effectRef>
-          <a:fontRef idx="minor">
-            <a:schemeClr val="lt1"/>
-          </a:fontRef>
-        </p:style>
-        <p:txBody>
-          <a:bodyPr rtlCol="0" anchor="ctr"/>
-          <a:lstStyle/>
-          <a:p>
-            <a:pPr algn="ctr"/>
-            <a:endParaRPr lang="en-US"/>
-          </a:p>
-        </p:txBody>
-      </p:sp>
-      <p:sp>
-        <p:nvSpPr>
-          <p:cNvPr id="36" name="Arc 35"/>
-          <p:cNvSpPr/>
-          <p:nvPr/>
-        </p:nvSpPr>
-        <p:spPr>
-          <a:xfrm>
-            <a:off x="3230302" y="2733971"/>
-            <a:ext cx="884498" cy="863072"/>
-          </a:xfrm>
-          <a:prstGeom prst="arc">
-            <a:avLst>
-              <a:gd name="adj1" fmla="val 6516941"/>
-              <a:gd name="adj2" fmla="val 15325950"/>
-            </a:avLst>
-          </a:prstGeom>
-          <a:gradFill>
-            <a:gsLst>
-              <a:gs pos="0">
-                <a:srgbClr val="B9CDE5"/>
-              </a:gs>
-              <a:gs pos="50000">
-                <a:srgbClr val="969696">
-                  <a:tint val="44500"/>
-                  <a:satMod val="160000"/>
-                </a:srgbClr>
-              </a:gs>
-              <a:gs pos="100000">
-                <a:srgbClr val="969696">
-                  <a:tint val="23500"/>
-                  <a:satMod val="160000"/>
-                </a:srgbClr>
-              </a:gs>
-            </a:gsLst>
-            <a:lin ang="10800000" scaled="1"/>
-          </a:gradFill>
-          <a:ln>
-            <a:solidFill>
-              <a:schemeClr val="bg1">
-                <a:lumMod val="75000"/>
-              </a:schemeClr>
-            </a:solidFill>
-          </a:ln>
-        </p:spPr>
-        <p:style>
-          <a:lnRef idx="1">
-            <a:schemeClr val="accent1"/>
-          </a:lnRef>
-          <a:fillRef idx="0">
-            <a:schemeClr val="accent1"/>
-          </a:fillRef>
-          <a:effectRef idx="0">
-            <a:schemeClr val="accent1"/>
-          </a:effectRef>
-          <a:fontRef idx="minor">
-            <a:schemeClr val="tx1"/>
-          </a:fontRef>
-        </p:style>
-        <p:txBody>
-          <a:bodyPr rtlCol="0" anchor="ctr"/>
-          <a:lstStyle/>
-          <a:p>
-            <a:pPr algn="ctr"/>
-            <a:endParaRPr lang="en-US"/>
-          </a:p>
-        </p:txBody>
-      </p:sp>
-      <p:sp>
-        <p:nvSpPr>
-          <p:cNvPr id="37" name="Oval 36"/>
-          <p:cNvSpPr/>
-          <p:nvPr/>
-        </p:nvSpPr>
-        <p:spPr>
-          <a:xfrm rot="21414298">
-            <a:off x="3470351" y="2912821"/>
-            <a:ext cx="249364" cy="528471"/>
-          </a:xfrm>
-          <a:prstGeom prst="ellipse">
-            <a:avLst/>
-          </a:prstGeom>
-          <a:solidFill>
-            <a:schemeClr val="bg1"/>
-          </a:solidFill>
-          <a:ln w="3175">
-            <a:solidFill>
-              <a:schemeClr val="tx1"/>
-            </a:solidFill>
-          </a:ln>
-        </p:spPr>
-        <p:style>
-          <a:lnRef idx="2">
-            <a:schemeClr val="accent1">
-              <a:shade val="50000"/>
-            </a:schemeClr>
-          </a:lnRef>
-          <a:fillRef idx="1">
-            <a:schemeClr val="accent1"/>
-          </a:fillRef>
-          <a:effectRef idx="0">
-            <a:schemeClr val="accent1"/>
-          </a:effectRef>
-          <a:fontRef idx="minor">
-            <a:schemeClr val="lt1"/>
-          </a:fontRef>
-        </p:style>
-        <p:txBody>
-          <a:bodyPr rtlCol="0" anchor="ctr"/>
-          <a:lstStyle/>
-          <a:p>
-            <a:pPr algn="ctr"/>
-            <a:endParaRPr lang="en-US"/>
-          </a:p>
-        </p:txBody>
-      </p:sp>
-      <p:sp>
-        <p:nvSpPr>
-          <p:cNvPr id="39" name="Oval 38"/>
-          <p:cNvSpPr/>
-          <p:nvPr/>
-        </p:nvSpPr>
-        <p:spPr>
-          <a:xfrm>
-            <a:off x="228601" y="2383855"/>
-            <a:ext cx="1627846" cy="1205045"/>
-          </a:xfrm>
-          <a:prstGeom prst="ellipse">
-            <a:avLst/>
-          </a:prstGeom>
-          <a:gradFill flip="none" rotWithShape="1">
-            <a:gsLst>
-              <a:gs pos="32000">
-                <a:srgbClr val="FFFF00">
-                  <a:tint val="66000"/>
-                  <a:satMod val="160000"/>
-                </a:srgbClr>
-              </a:gs>
-              <a:gs pos="50000">
-                <a:srgbClr val="FFFF00">
-                  <a:tint val="44500"/>
-                  <a:satMod val="160000"/>
-                  <a:alpha val="46000"/>
-                </a:srgbClr>
-              </a:gs>
-              <a:gs pos="100000">
-                <a:srgbClr val="FFFF00">
-                  <a:tint val="23500"/>
-                  <a:satMod val="160000"/>
-                  <a:alpha val="0"/>
-                </a:srgbClr>
-              </a:gs>
-              <a:gs pos="66000">
-                <a:srgbClr val="FFFF00">
-                  <a:tint val="23500"/>
-                  <a:satMod val="160000"/>
-                  <a:alpha val="0"/>
-                </a:srgbClr>
-              </a:gs>
-            </a:gsLst>
-            <a:path path="circle">
-              <a:fillToRect l="50000" t="50000" r="50000" b="50000"/>
-            </a:path>
-            <a:tileRect/>
-          </a:gradFill>
-          <a:ln>
-            <a:noFill/>
-          </a:ln>
-        </p:spPr>
-        <p:style>
-          <a:lnRef idx="2">
-            <a:schemeClr val="accent1">
-              <a:shade val="50000"/>
-            </a:schemeClr>
-          </a:lnRef>
-          <a:fillRef idx="1">
-            <a:schemeClr val="accent1"/>
-          </a:fillRef>
-          <a:effectRef idx="0">
-            <a:schemeClr val="accent1"/>
-          </a:effectRef>
-          <a:fontRef idx="minor">
-            <a:schemeClr val="lt1"/>
-          </a:fontRef>
-        </p:style>
-        <p:txBody>
-          <a:bodyPr rtlCol="0" anchor="ctr"/>
-          <a:lstStyle/>
-          <a:p>
-            <a:pPr algn="ctr"/>
-            <a:endParaRPr lang="en-US"/>
-          </a:p>
-        </p:txBody>
-      </p:sp>
-      <p:grpSp>
-        <p:nvGrpSpPr>
-          <p:cNvPr id="12" name="Group 47"/>
-          <p:cNvGrpSpPr/>
-          <p:nvPr/>
-        </p:nvGrpSpPr>
-        <p:grpSpPr>
-          <a:xfrm>
-            <a:off x="623788" y="2457139"/>
-            <a:ext cx="828037" cy="1496253"/>
-            <a:chOff x="2045756" y="1999283"/>
-            <a:chExt cx="1363850" cy="2696707"/>
-          </a:xfrm>
-        </p:grpSpPr>
-        <p:sp>
-          <p:nvSpPr>
-            <p:cNvPr id="65" name="Flowchart: Terminator 64"/>
-            <p:cNvSpPr/>
-            <p:nvPr/>
-          </p:nvSpPr>
-          <p:spPr>
-            <a:xfrm rot="5400000">
-              <a:off x="2208487" y="3696347"/>
-              <a:ext cx="976396" cy="557939"/>
-            </a:xfrm>
-            <a:prstGeom prst="flowChartTerminator">
-              <a:avLst/>
-            </a:prstGeom>
-            <a:gradFill flip="none" rotWithShape="1">
-              <a:gsLst>
-                <a:gs pos="0">
-                  <a:schemeClr val="accent1">
-                    <a:shade val="30000"/>
-                    <a:satMod val="115000"/>
-                  </a:schemeClr>
-                </a:gs>
-                <a:gs pos="50000">
-                  <a:schemeClr val="accent1">
-                    <a:shade val="67500"/>
-                    <a:satMod val="115000"/>
-                  </a:schemeClr>
-                </a:gs>
-                <a:gs pos="100000">
-                  <a:schemeClr val="accent1">
-                    <a:shade val="100000"/>
-                    <a:satMod val="115000"/>
-                  </a:schemeClr>
-                </a:gs>
-              </a:gsLst>
-              <a:lin ang="10800000" scaled="1"/>
-              <a:tileRect/>
-            </a:gradFill>
-            <a:ln>
-              <a:noFill/>
-            </a:ln>
-          </p:spPr>
-          <p:style>
-            <a:lnRef idx="2">
-              <a:schemeClr val="accent1">
-                <a:shade val="50000"/>
-              </a:schemeClr>
-            </a:lnRef>
-            <a:fillRef idx="1">
-              <a:schemeClr val="accent1"/>
-            </a:fillRef>
-            <a:effectRef idx="0">
-              <a:schemeClr val="accent1"/>
-            </a:effectRef>
-            <a:fontRef idx="minor">
-              <a:schemeClr val="lt1"/>
-            </a:fontRef>
-          </p:style>
-          <p:txBody>
-            <a:bodyPr rtlCol="0" anchor="ctr"/>
-            <a:lstStyle/>
-            <a:p>
-              <a:pPr algn="ctr"/>
-              <a:endParaRPr lang="en-US"/>
-            </a:p>
-          </p:txBody>
-        </p:sp>
-        <p:sp>
-          <p:nvSpPr>
-            <p:cNvPr id="66" name="Trapezoid 65"/>
-            <p:cNvSpPr/>
-            <p:nvPr/>
-          </p:nvSpPr>
-          <p:spPr>
-            <a:xfrm>
-              <a:off x="2340224" y="4355027"/>
-              <a:ext cx="712922" cy="340963"/>
-            </a:xfrm>
-            <a:prstGeom prst="trapezoid">
-              <a:avLst/>
-            </a:prstGeom>
-            <a:gradFill flip="none" rotWithShape="1">
-              <a:gsLst>
-                <a:gs pos="0">
-                  <a:schemeClr val="accent1">
-                    <a:shade val="30000"/>
-                    <a:satMod val="115000"/>
-                  </a:schemeClr>
-                </a:gs>
-                <a:gs pos="50000">
-                  <a:schemeClr val="accent1">
-                    <a:shade val="67500"/>
-                    <a:satMod val="115000"/>
-                  </a:schemeClr>
-                </a:gs>
-                <a:gs pos="100000">
-                  <a:schemeClr val="accent1">
-                    <a:shade val="100000"/>
-                    <a:satMod val="115000"/>
-                  </a:schemeClr>
-                </a:gs>
-              </a:gsLst>
-              <a:lin ang="5400000" scaled="1"/>
-              <a:tileRect/>
-            </a:gradFill>
-            <a:ln>
-              <a:noFill/>
-            </a:ln>
-          </p:spPr>
-          <p:style>
-            <a:lnRef idx="2">
-              <a:schemeClr val="accent1">
-                <a:shade val="50000"/>
-              </a:schemeClr>
-            </a:lnRef>
-            <a:fillRef idx="1">
-              <a:schemeClr val="accent1"/>
-            </a:fillRef>
-            <a:effectRef idx="0">
-              <a:schemeClr val="accent1"/>
-            </a:effectRef>
-            <a:fontRef idx="minor">
-              <a:schemeClr val="lt1"/>
-            </a:fontRef>
-          </p:style>
-          <p:txBody>
-            <a:bodyPr rtlCol="0" anchor="ctr"/>
-            <a:lstStyle/>
-            <a:p>
-              <a:pPr algn="ctr"/>
-              <a:endParaRPr lang="en-US"/>
-            </a:p>
-          </p:txBody>
-        </p:sp>
-        <p:sp>
-          <p:nvSpPr>
-            <p:cNvPr id="67" name="Double Bracket 23"/>
-            <p:cNvSpPr/>
-            <p:nvPr/>
-          </p:nvSpPr>
-          <p:spPr>
-            <a:xfrm flipH="1">
-              <a:off x="2572700" y="3068664"/>
-              <a:ext cx="247973" cy="402956"/>
-            </a:xfrm>
-            <a:prstGeom prst="bracketPair">
-              <a:avLst/>
-            </a:prstGeom>
-          </p:spPr>
-          <p:style>
-            <a:lnRef idx="1">
-              <a:schemeClr val="accent1"/>
-            </a:lnRef>
-            <a:fillRef idx="0">
-              <a:schemeClr val="accent1"/>
-            </a:fillRef>
-            <a:effectRef idx="0">
-              <a:schemeClr val="accent1"/>
-            </a:effectRef>
-            <a:fontRef idx="minor">
-              <a:schemeClr val="tx1"/>
-            </a:fontRef>
-          </p:style>
-          <p:txBody>
-            <a:bodyPr rtlCol="0" anchor="ctr"/>
-            <a:lstStyle/>
-            <a:p>
-              <a:pPr algn="ctr"/>
-              <a:endParaRPr lang="en-US"/>
-            </a:p>
-          </p:txBody>
-        </p:sp>
-        <p:sp>
-          <p:nvSpPr>
-            <p:cNvPr id="68" name="Trapezoid 67"/>
-            <p:cNvSpPr/>
-            <p:nvPr/>
-          </p:nvSpPr>
-          <p:spPr>
-            <a:xfrm>
-              <a:off x="2045756" y="1999283"/>
-              <a:ext cx="1363850" cy="1301857"/>
-            </a:xfrm>
-            <a:prstGeom prst="trapezoid">
-              <a:avLst/>
-            </a:prstGeom>
-            <a:gradFill flip="none" rotWithShape="1">
-              <a:gsLst>
-                <a:gs pos="0">
-                  <a:srgbClr val="FFC000">
-                    <a:tint val="66000"/>
-                    <a:satMod val="160000"/>
-                  </a:srgbClr>
-                </a:gs>
-                <a:gs pos="50000">
-                  <a:srgbClr val="FFC000">
-                    <a:tint val="44500"/>
-                    <a:satMod val="160000"/>
-                  </a:srgbClr>
-                </a:gs>
-                <a:gs pos="100000">
-                  <a:srgbClr val="FFC000">
-                    <a:tint val="23500"/>
-                    <a:satMod val="160000"/>
-                  </a:srgbClr>
-                </a:gs>
-              </a:gsLst>
-              <a:lin ang="2700000" scaled="1"/>
-              <a:tileRect/>
-            </a:gradFill>
-          </p:spPr>
-          <p:style>
-            <a:lnRef idx="2">
-              <a:schemeClr val="accent1">
-                <a:shade val="50000"/>
-              </a:schemeClr>
-            </a:lnRef>
-            <a:fillRef idx="1">
-              <a:schemeClr val="accent1"/>
-            </a:fillRef>
-            <a:effectRef idx="0">
-              <a:schemeClr val="accent1"/>
-            </a:effectRef>
-            <a:fontRef idx="minor">
-              <a:schemeClr val="lt1"/>
-            </a:fontRef>
-          </p:style>
-          <p:txBody>
-            <a:bodyPr rtlCol="0" anchor="ctr"/>
-            <a:lstStyle/>
-            <a:p>
-              <a:pPr algn="ctr"/>
-              <a:endParaRPr lang="en-US"/>
-            </a:p>
-          </p:txBody>
-        </p:sp>
-      </p:grpSp>
-      <p:grpSp>
-        <p:nvGrpSpPr>
-          <p:cNvPr id="13" name="Group 60"/>
-          <p:cNvGrpSpPr/>
-          <p:nvPr/>
-        </p:nvGrpSpPr>
-        <p:grpSpPr>
-          <a:xfrm>
-            <a:off x="4433740" y="3084085"/>
-            <a:ext cx="254050" cy="276835"/>
-            <a:chOff x="4383429" y="1596327"/>
-            <a:chExt cx="638012" cy="836908"/>
-          </a:xfrm>
-        </p:grpSpPr>
-        <p:sp>
-          <p:nvSpPr>
-            <p:cNvPr id="55" name="Oval 15"/>
-            <p:cNvSpPr/>
-            <p:nvPr/>
-          </p:nvSpPr>
-          <p:spPr>
-            <a:xfrm>
-              <a:off x="4383429" y="1764224"/>
-              <a:ext cx="638012" cy="669011"/>
-            </a:xfrm>
-            <a:prstGeom prst="ellipse">
-              <a:avLst/>
-            </a:prstGeom>
-            <a:gradFill flip="none" rotWithShape="1">
-              <a:gsLst>
-                <a:gs pos="32000">
-                  <a:srgbClr val="FFFF00">
-                    <a:tint val="66000"/>
-                    <a:satMod val="160000"/>
-                  </a:srgbClr>
-                </a:gs>
-                <a:gs pos="50000">
-                  <a:srgbClr val="FFFF00">
-                    <a:tint val="44500"/>
-                    <a:satMod val="160000"/>
-                    <a:alpha val="46000"/>
-                  </a:srgbClr>
-                </a:gs>
-                <a:gs pos="100000">
-                  <a:srgbClr val="FFFF00">
-                    <a:tint val="23500"/>
-                    <a:satMod val="160000"/>
-                    <a:alpha val="0"/>
-                  </a:srgbClr>
-                </a:gs>
-                <a:gs pos="66000">
-                  <a:srgbClr val="FFFF00">
-                    <a:tint val="23500"/>
-                    <a:satMod val="160000"/>
-                    <a:alpha val="0"/>
-                  </a:srgbClr>
-                </a:gs>
-              </a:gsLst>
-              <a:path path="circle">
-                <a:fillToRect l="50000" t="50000" r="50000" b="50000"/>
-              </a:path>
-              <a:tileRect/>
-            </a:gradFill>
-            <a:ln>
-              <a:noFill/>
-            </a:ln>
-          </p:spPr>
-          <p:style>
-            <a:lnRef idx="2">
-              <a:schemeClr val="accent1">
-                <a:shade val="50000"/>
-              </a:schemeClr>
-            </a:lnRef>
-            <a:fillRef idx="1">
-              <a:schemeClr val="accent1"/>
-            </a:fillRef>
-            <a:effectRef idx="0">
-              <a:schemeClr val="accent1"/>
-            </a:effectRef>
-            <a:fontRef idx="minor">
-              <a:schemeClr val="lt1"/>
-            </a:fontRef>
-          </p:style>
-          <p:txBody>
-            <a:bodyPr rtlCol="0" anchor="ctr"/>
-            <a:lstStyle/>
-            <a:p>
-              <a:pPr algn="ctr"/>
-              <a:endParaRPr lang="en-US"/>
-            </a:p>
-          </p:txBody>
-        </p:sp>
-        <p:grpSp>
-          <p:nvGrpSpPr>
-            <p:cNvPr id="14" name="Group 55"/>
-            <p:cNvGrpSpPr/>
-            <p:nvPr/>
-          </p:nvGrpSpPr>
-          <p:grpSpPr>
-            <a:xfrm flipV="1">
-              <a:off x="4571994" y="1596327"/>
-              <a:ext cx="291863" cy="663847"/>
-              <a:chOff x="2045756" y="1999283"/>
-              <a:chExt cx="1363850" cy="2696707"/>
-            </a:xfrm>
-          </p:grpSpPr>
-          <p:sp>
-            <p:nvSpPr>
-              <p:cNvPr id="57" name="Flowchart: Terminator 56"/>
-              <p:cNvSpPr/>
-              <p:nvPr/>
-            </p:nvSpPr>
-            <p:spPr>
-              <a:xfrm rot="5400000">
-                <a:off x="2208487" y="3696347"/>
-                <a:ext cx="976396" cy="557939"/>
-              </a:xfrm>
-              <a:prstGeom prst="flowChartTerminator">
-                <a:avLst/>
-              </a:prstGeom>
-              <a:gradFill flip="none" rotWithShape="1">
-                <a:gsLst>
-                  <a:gs pos="0">
-                    <a:schemeClr val="accent1">
-                      <a:shade val="30000"/>
-                      <a:satMod val="115000"/>
-                    </a:schemeClr>
-                  </a:gs>
-                  <a:gs pos="50000">
-                    <a:schemeClr val="accent1">
-                      <a:shade val="67500"/>
-                      <a:satMod val="115000"/>
-                    </a:schemeClr>
-                  </a:gs>
-                  <a:gs pos="100000">
-                    <a:schemeClr val="accent1">
-                      <a:shade val="100000"/>
-                      <a:satMod val="115000"/>
-                    </a:schemeClr>
-                  </a:gs>
-                </a:gsLst>
-                <a:lin ang="10800000" scaled="1"/>
-                <a:tileRect/>
-              </a:gradFill>
-              <a:ln>
-                <a:noFill/>
-              </a:ln>
-            </p:spPr>
-            <p:style>
-              <a:lnRef idx="2">
-                <a:schemeClr val="accent1">
-                  <a:shade val="50000"/>
-                </a:schemeClr>
-              </a:lnRef>
-              <a:fillRef idx="1">
-                <a:schemeClr val="accent1"/>
-              </a:fillRef>
-              <a:effectRef idx="0">
-                <a:schemeClr val="accent1"/>
-              </a:effectRef>
-              <a:fontRef idx="minor">
-                <a:schemeClr val="lt1"/>
-              </a:fontRef>
-            </p:style>
-            <p:txBody>
-              <a:bodyPr rtlCol="0" anchor="ctr"/>
-              <a:lstStyle/>
-              <a:p>
-                <a:pPr algn="ctr"/>
-                <a:endParaRPr lang="en-US"/>
-              </a:p>
-            </p:txBody>
-          </p:sp>
-          <p:sp>
-            <p:nvSpPr>
-              <p:cNvPr id="58" name="Trapezoid 57"/>
-              <p:cNvSpPr/>
-              <p:nvPr/>
-            </p:nvSpPr>
-            <p:spPr>
-              <a:xfrm>
-                <a:off x="2340224" y="4355027"/>
-                <a:ext cx="712922" cy="340963"/>
-              </a:xfrm>
-              <a:prstGeom prst="trapezoid">
-                <a:avLst/>
-              </a:prstGeom>
-              <a:gradFill flip="none" rotWithShape="1">
-                <a:gsLst>
-                  <a:gs pos="0">
-                    <a:schemeClr val="accent1">
-                      <a:shade val="30000"/>
-                      <a:satMod val="115000"/>
-                    </a:schemeClr>
-                  </a:gs>
-                  <a:gs pos="50000">
-                    <a:schemeClr val="accent1">
-                      <a:shade val="67500"/>
-                      <a:satMod val="115000"/>
-                    </a:schemeClr>
-                  </a:gs>
-                  <a:gs pos="100000">
-                    <a:schemeClr val="accent1">
-                      <a:shade val="100000"/>
-                      <a:satMod val="115000"/>
-                    </a:schemeClr>
-                  </a:gs>
-                </a:gsLst>
-                <a:lin ang="5400000" scaled="1"/>
-                <a:tileRect/>
-              </a:gradFill>
-              <a:ln>
-                <a:noFill/>
-              </a:ln>
-            </p:spPr>
-            <p:style>
-              <a:lnRef idx="2">
-                <a:schemeClr val="accent1">
-                  <a:shade val="50000"/>
-                </a:schemeClr>
-              </a:lnRef>
-              <a:fillRef idx="1">
-                <a:schemeClr val="accent1"/>
-              </a:fillRef>
-              <a:effectRef idx="0">
-                <a:schemeClr val="accent1"/>
-              </a:effectRef>
-              <a:fontRef idx="minor">
-                <a:schemeClr val="lt1"/>
-              </a:fontRef>
-            </p:style>
-            <p:txBody>
-              <a:bodyPr rtlCol="0" anchor="ctr"/>
-              <a:lstStyle/>
-              <a:p>
-                <a:pPr algn="ctr"/>
-                <a:endParaRPr lang="en-US"/>
-              </a:p>
-            </p:txBody>
-          </p:sp>
-          <p:sp>
-            <p:nvSpPr>
-              <p:cNvPr id="63" name="Double Bracket 62"/>
-              <p:cNvSpPr/>
-              <p:nvPr/>
-            </p:nvSpPr>
-            <p:spPr>
-              <a:xfrm flipH="1">
-                <a:off x="2572700" y="3068664"/>
-                <a:ext cx="247973" cy="402956"/>
-              </a:xfrm>
-              <a:prstGeom prst="bracketPair">
-                <a:avLst/>
-              </a:prstGeom>
-            </p:spPr>
-            <p:style>
-              <a:lnRef idx="1">
-                <a:schemeClr val="accent1"/>
-              </a:lnRef>
-              <a:fillRef idx="0">
-                <a:schemeClr val="accent1"/>
-              </a:fillRef>
-              <a:effectRef idx="0">
-                <a:schemeClr val="accent1"/>
-              </a:effectRef>
-              <a:fontRef idx="minor">
-                <a:schemeClr val="tx1"/>
-              </a:fontRef>
-            </p:style>
-            <p:txBody>
-              <a:bodyPr rtlCol="0" anchor="ctr"/>
-              <a:lstStyle/>
-              <a:p>
-                <a:pPr algn="ctr"/>
-                <a:endParaRPr lang="en-US"/>
-              </a:p>
-            </p:txBody>
-          </p:sp>
-          <p:sp>
-            <p:nvSpPr>
-              <p:cNvPr id="64" name="Trapezoid 63"/>
-              <p:cNvSpPr/>
-              <p:nvPr/>
-            </p:nvSpPr>
-            <p:spPr>
-              <a:xfrm>
-                <a:off x="2045756" y="1999283"/>
-                <a:ext cx="1363850" cy="1301857"/>
-              </a:xfrm>
-              <a:prstGeom prst="trapezoid">
-                <a:avLst/>
-              </a:prstGeom>
-              <a:gradFill flip="none" rotWithShape="1">
-                <a:gsLst>
-                  <a:gs pos="0">
-                    <a:srgbClr val="FFC000">
-                      <a:tint val="66000"/>
-                      <a:satMod val="160000"/>
-                    </a:srgbClr>
-                  </a:gs>
-                  <a:gs pos="50000">
-                    <a:srgbClr val="FFC000">
-                      <a:tint val="44500"/>
-                      <a:satMod val="160000"/>
-                    </a:srgbClr>
-                  </a:gs>
-                  <a:gs pos="100000">
-                    <a:srgbClr val="FFC000">
-                      <a:tint val="23500"/>
-                      <a:satMod val="160000"/>
-                    </a:srgbClr>
-                  </a:gs>
-                </a:gsLst>
-                <a:lin ang="2700000" scaled="1"/>
-                <a:tileRect/>
-              </a:gradFill>
-            </p:spPr>
-            <p:style>
-              <a:lnRef idx="2">
-                <a:schemeClr val="accent1">
-                  <a:shade val="50000"/>
-                </a:schemeClr>
-              </a:lnRef>
-              <a:fillRef idx="1">
-                <a:schemeClr val="accent1"/>
-              </a:fillRef>
-              <a:effectRef idx="0">
-                <a:schemeClr val="accent1"/>
-              </a:effectRef>
-              <a:fontRef idx="minor">
-                <a:schemeClr val="lt1"/>
-              </a:fontRef>
-            </p:style>
-            <p:txBody>
-              <a:bodyPr rtlCol="0" anchor="ctr"/>
-              <a:lstStyle/>
-              <a:p>
-                <a:pPr algn="ctr"/>
-                <a:endParaRPr lang="en-US"/>
-              </a:p>
-            </p:txBody>
-          </p:sp>
-        </p:grpSp>
-      </p:grpSp>
-      <p:sp>
-        <p:nvSpPr>
-          <p:cNvPr id="100" name="Rectangle 99"/>
-          <p:cNvSpPr/>
-          <p:nvPr/>
-        </p:nvSpPr>
-        <p:spPr>
-          <a:xfrm>
-            <a:off x="5791200" y="2895600"/>
-            <a:ext cx="2941831" cy="369332"/>
-          </a:xfrm>
-          <a:prstGeom prst="rect">
-            <a:avLst/>
-          </a:prstGeom>
-        </p:spPr>
-        <p:txBody>
-          <a:bodyPr wrap="none">
-            <a:spAutoFit/>
-          </a:bodyPr>
-          <a:lstStyle/>
-          <a:p>
-            <a:r>
-              <a:rPr lang="en-US" dirty="0"/>
-              <a:t>Myopia – nearsightedness </a:t>
-            </a:r>
-          </a:p>
-        </p:txBody>
-      </p:sp>
-      <p:sp>
-        <p:nvSpPr>
-          <p:cNvPr id="101" name="Rectangle 100"/>
-          <p:cNvSpPr/>
-          <p:nvPr/>
-        </p:nvSpPr>
-        <p:spPr>
-          <a:xfrm>
-            <a:off x="5791200" y="5410200"/>
-            <a:ext cx="1853713" cy="369332"/>
-          </a:xfrm>
-          <a:prstGeom prst="rect">
-            <a:avLst/>
-          </a:prstGeom>
-        </p:spPr>
-        <p:txBody>
-          <a:bodyPr wrap="none">
-            <a:spAutoFit/>
-          </a:bodyPr>
-          <a:lstStyle/>
-          <a:p>
-            <a:r>
-              <a:rPr lang="en-US" dirty="0"/>
-              <a:t>Corrected myopia</a:t>
-            </a:r>
-          </a:p>
-        </p:txBody>
-      </p:sp>
-      <p:sp>
-        <p:nvSpPr>
-          <p:cNvPr id="102" name="Rectangle 101"/>
-          <p:cNvSpPr/>
-          <p:nvPr/>
-        </p:nvSpPr>
-        <p:spPr>
-          <a:xfrm>
-            <a:off x="5791200" y="1066800"/>
-            <a:ext cx="928459" cy="369332"/>
-          </a:xfrm>
-          <a:prstGeom prst="rect">
-            <a:avLst/>
-          </a:prstGeom>
-        </p:spPr>
-        <p:txBody>
-          <a:bodyPr wrap="none">
-            <a:spAutoFit/>
-          </a:bodyPr>
-          <a:lstStyle/>
-          <a:p>
-            <a:r>
-              <a:rPr lang="en-US" dirty="0"/>
-              <a:t>Normal</a:t>
-            </a:r>
-          </a:p>
-        </p:txBody>
-      </p:sp>
-      <p:sp>
-        <p:nvSpPr>
-          <p:cNvPr id="90" name="Oval 89"/>
-          <p:cNvSpPr/>
-          <p:nvPr/>
-        </p:nvSpPr>
-        <p:spPr>
-          <a:xfrm>
-            <a:off x="3352800" y="4648200"/>
-            <a:ext cx="2192788" cy="1442526"/>
-          </a:xfrm>
-          <a:prstGeom prst="ellipse">
-            <a:avLst/>
-          </a:prstGeom>
-          <a:solidFill>
-            <a:schemeClr val="bg1">
-              <a:lumMod val="95000"/>
-            </a:schemeClr>
-          </a:solidFill>
-          <a:ln w="3175">
-            <a:solidFill>
-              <a:schemeClr val="tx1">
-                <a:lumMod val="50000"/>
-                <a:lumOff val="50000"/>
-              </a:schemeClr>
-            </a:solidFill>
-          </a:ln>
-        </p:spPr>
-        <p:style>
-          <a:lnRef idx="2">
-            <a:schemeClr val="accent1">
-              <a:shade val="50000"/>
-            </a:schemeClr>
-          </a:lnRef>
-          <a:fillRef idx="1">
-            <a:schemeClr val="accent1"/>
-          </a:fillRef>
-          <a:effectRef idx="0">
-            <a:schemeClr val="accent1"/>
-          </a:effectRef>
-          <a:fontRef idx="minor">
-            <a:schemeClr val="lt1"/>
-          </a:fontRef>
-        </p:style>
-        <p:txBody>
-          <a:bodyPr rtlCol="0" anchor="ctr"/>
-          <a:lstStyle/>
-          <a:p>
-            <a:pPr algn="ctr"/>
-            <a:endParaRPr lang="en-US"/>
-          </a:p>
-        </p:txBody>
-      </p:sp>
-      <p:sp>
-        <p:nvSpPr>
-          <p:cNvPr id="95" name="Oval 94"/>
-          <p:cNvSpPr/>
-          <p:nvPr/>
-        </p:nvSpPr>
-        <p:spPr>
-          <a:xfrm>
-            <a:off x="3467282" y="4775080"/>
-            <a:ext cx="2002106" cy="1219200"/>
-          </a:xfrm>
-          <a:prstGeom prst="ellipse">
-            <a:avLst/>
-          </a:prstGeom>
-          <a:solidFill>
-            <a:schemeClr val="tx1"/>
-          </a:solidFill>
-          <a:ln>
-            <a:solidFill>
-              <a:schemeClr val="tx1">
-                <a:lumMod val="50000"/>
-                <a:lumOff val="50000"/>
-              </a:schemeClr>
-            </a:solidFill>
-          </a:ln>
-        </p:spPr>
-        <p:style>
-          <a:lnRef idx="2">
-            <a:schemeClr val="accent1">
-              <a:shade val="50000"/>
-            </a:schemeClr>
-          </a:lnRef>
-          <a:fillRef idx="1">
-            <a:schemeClr val="accent1"/>
-          </a:fillRef>
-          <a:effectRef idx="0">
-            <a:schemeClr val="accent1"/>
-          </a:effectRef>
-          <a:fontRef idx="minor">
-            <a:schemeClr val="lt1"/>
-          </a:fontRef>
-        </p:style>
-        <p:txBody>
-          <a:bodyPr rtlCol="0" anchor="ctr"/>
-          <a:lstStyle/>
-          <a:p>
-            <a:pPr algn="ctr"/>
-            <a:endParaRPr lang="en-US"/>
-          </a:p>
-        </p:txBody>
-      </p:sp>
-      <p:sp>
-        <p:nvSpPr>
-          <p:cNvPr id="107" name="Oval 106"/>
-          <p:cNvSpPr/>
-          <p:nvPr/>
-        </p:nvSpPr>
-        <p:spPr>
-          <a:xfrm>
-            <a:off x="3467282" y="4775080"/>
-            <a:ext cx="2002106" cy="1219200"/>
-          </a:xfrm>
-          <a:prstGeom prst="ellipse">
-            <a:avLst/>
-          </a:prstGeom>
-          <a:gradFill flip="none" rotWithShape="1">
-            <a:gsLst>
-              <a:gs pos="0">
-                <a:srgbClr val="CC0000">
-                  <a:shade val="30000"/>
-                  <a:satMod val="115000"/>
-                  <a:alpha val="0"/>
-                </a:srgbClr>
-              </a:gs>
-              <a:gs pos="50000">
-                <a:srgbClr val="CC0000">
-                  <a:shade val="67500"/>
-                  <a:satMod val="115000"/>
-                </a:srgbClr>
-              </a:gs>
-              <a:gs pos="100000">
-                <a:srgbClr val="CC0000">
-                  <a:shade val="100000"/>
-                  <a:satMod val="115000"/>
-                </a:srgbClr>
-              </a:gs>
-            </a:gsLst>
-            <a:lin ang="0" scaled="1"/>
-            <a:tileRect/>
-          </a:gradFill>
-          <a:ln>
-            <a:solidFill>
-              <a:schemeClr val="tx1">
-                <a:lumMod val="50000"/>
-                <a:lumOff val="50000"/>
-              </a:schemeClr>
-            </a:solidFill>
-          </a:ln>
-        </p:spPr>
-        <p:style>
-          <a:lnRef idx="2">
-            <a:schemeClr val="accent1">
-              <a:shade val="50000"/>
-            </a:schemeClr>
-          </a:lnRef>
-          <a:fillRef idx="1">
-            <a:schemeClr val="accent1"/>
-          </a:fillRef>
-          <a:effectRef idx="0">
-            <a:schemeClr val="accent1"/>
-          </a:effectRef>
-          <a:fontRef idx="minor">
-            <a:schemeClr val="lt1"/>
-          </a:fontRef>
-        </p:style>
-        <p:txBody>
-          <a:bodyPr rtlCol="0" anchor="ctr"/>
-          <a:lstStyle/>
-          <a:p>
-            <a:pPr algn="ctr"/>
-            <a:endParaRPr lang="en-US"/>
-          </a:p>
-        </p:txBody>
-      </p:sp>
-      <p:sp>
-        <p:nvSpPr>
-          <p:cNvPr id="108" name="Arc 107"/>
-          <p:cNvSpPr/>
-          <p:nvPr/>
-        </p:nvSpPr>
-        <p:spPr>
-          <a:xfrm>
-            <a:off x="3289490" y="4918251"/>
-            <a:ext cx="884498" cy="863072"/>
-          </a:xfrm>
-          <a:prstGeom prst="arc">
-            <a:avLst>
-              <a:gd name="adj1" fmla="val 6516941"/>
-              <a:gd name="adj2" fmla="val 15325950"/>
-            </a:avLst>
-          </a:prstGeom>
-          <a:gradFill>
-            <a:gsLst>
-              <a:gs pos="0">
-                <a:srgbClr val="B9CDE5"/>
-              </a:gs>
-              <a:gs pos="50000">
-                <a:srgbClr val="969696">
-                  <a:tint val="44500"/>
-                  <a:satMod val="160000"/>
-                </a:srgbClr>
-              </a:gs>
-              <a:gs pos="100000">
-                <a:srgbClr val="969696">
-                  <a:tint val="23500"/>
-                  <a:satMod val="160000"/>
-                </a:srgbClr>
-              </a:gs>
-            </a:gsLst>
-            <a:lin ang="10800000" scaled="1"/>
-          </a:gradFill>
-          <a:ln>
-            <a:solidFill>
-              <a:schemeClr val="bg1">
-                <a:lumMod val="75000"/>
-              </a:schemeClr>
-            </a:solidFill>
-          </a:ln>
-        </p:spPr>
-        <p:style>
-          <a:lnRef idx="1">
-            <a:schemeClr val="accent1"/>
-          </a:lnRef>
-          <a:fillRef idx="0">
-            <a:schemeClr val="accent1"/>
-          </a:fillRef>
-          <a:effectRef idx="0">
-            <a:schemeClr val="accent1"/>
-          </a:effectRef>
-          <a:fontRef idx="minor">
-            <a:schemeClr val="tx1"/>
-          </a:fontRef>
-        </p:style>
-        <p:txBody>
-          <a:bodyPr rtlCol="0" anchor="ctr"/>
-          <a:lstStyle/>
-          <a:p>
-            <a:pPr algn="ctr"/>
-            <a:endParaRPr lang="en-US"/>
-          </a:p>
-        </p:txBody>
-      </p:sp>
-      <p:sp>
-        <p:nvSpPr>
-          <p:cNvPr id="109" name="Oval 108"/>
-          <p:cNvSpPr/>
-          <p:nvPr/>
-        </p:nvSpPr>
-        <p:spPr>
-          <a:xfrm rot="21414298">
-            <a:off x="3529539" y="5097101"/>
-            <a:ext cx="249364" cy="528471"/>
-          </a:xfrm>
-          <a:prstGeom prst="ellipse">
-            <a:avLst/>
-          </a:prstGeom>
-          <a:solidFill>
-            <a:schemeClr val="bg1"/>
-          </a:solidFill>
-          <a:ln w="3175">
-            <a:solidFill>
-              <a:schemeClr val="tx1"/>
-            </a:solidFill>
-          </a:ln>
-        </p:spPr>
-        <p:style>
-          <a:lnRef idx="2">
-            <a:schemeClr val="accent1">
-              <a:shade val="50000"/>
-            </a:schemeClr>
-          </a:lnRef>
-          <a:fillRef idx="1">
-            <a:schemeClr val="accent1"/>
-          </a:fillRef>
-          <a:effectRef idx="0">
-            <a:schemeClr val="accent1"/>
-          </a:effectRef>
-          <a:fontRef idx="minor">
-            <a:schemeClr val="lt1"/>
-          </a:fontRef>
-        </p:style>
-        <p:txBody>
-          <a:bodyPr rtlCol="0" anchor="ctr"/>
-          <a:lstStyle/>
-          <a:p>
-            <a:pPr algn="ctr"/>
-            <a:endParaRPr lang="en-US"/>
-          </a:p>
-        </p:txBody>
-      </p:sp>
-      <p:sp>
-        <p:nvSpPr>
-          <p:cNvPr id="110" name="Oval 109"/>
-          <p:cNvSpPr/>
-          <p:nvPr/>
-        </p:nvSpPr>
-        <p:spPr>
-          <a:xfrm>
-            <a:off x="287789" y="4568135"/>
-            <a:ext cx="1627846" cy="1205045"/>
-          </a:xfrm>
-          <a:prstGeom prst="ellipse">
-            <a:avLst/>
-          </a:prstGeom>
-          <a:gradFill flip="none" rotWithShape="1">
-            <a:gsLst>
-              <a:gs pos="32000">
-                <a:srgbClr val="FFFF00">
-                  <a:tint val="66000"/>
-                  <a:satMod val="160000"/>
-                </a:srgbClr>
-              </a:gs>
-              <a:gs pos="50000">
-                <a:srgbClr val="FFFF00">
-                  <a:tint val="44500"/>
-                  <a:satMod val="160000"/>
-                  <a:alpha val="46000"/>
-                </a:srgbClr>
-              </a:gs>
-              <a:gs pos="100000">
-                <a:srgbClr val="FFFF00">
-                  <a:tint val="23500"/>
-                  <a:satMod val="160000"/>
-                  <a:alpha val="0"/>
-                </a:srgbClr>
-              </a:gs>
-              <a:gs pos="66000">
-                <a:srgbClr val="FFFF00">
-                  <a:tint val="23500"/>
-                  <a:satMod val="160000"/>
-                  <a:alpha val="0"/>
-                </a:srgbClr>
-              </a:gs>
-            </a:gsLst>
-            <a:path path="circle">
-              <a:fillToRect l="50000" t="50000" r="50000" b="50000"/>
-            </a:path>
-            <a:tileRect/>
-          </a:gradFill>
-          <a:ln>
-            <a:noFill/>
-          </a:ln>
-        </p:spPr>
-        <p:style>
-          <a:lnRef idx="2">
-            <a:schemeClr val="accent1">
-              <a:shade val="50000"/>
-            </a:schemeClr>
-          </a:lnRef>
-          <a:fillRef idx="1">
-            <a:schemeClr val="accent1"/>
-          </a:fillRef>
-          <a:effectRef idx="0">
-            <a:schemeClr val="accent1"/>
-          </a:effectRef>
-          <a:fontRef idx="minor">
-            <a:schemeClr val="lt1"/>
-          </a:fontRef>
-        </p:style>
-        <p:txBody>
-          <a:bodyPr rtlCol="0" anchor="ctr"/>
-          <a:lstStyle/>
-          <a:p>
-            <a:pPr algn="ctr"/>
-            <a:endParaRPr lang="en-US"/>
-          </a:p>
-        </p:txBody>
-      </p:sp>
-      <p:grpSp>
-        <p:nvGrpSpPr>
-          <p:cNvPr id="111" name="Group 47"/>
-          <p:cNvGrpSpPr/>
-          <p:nvPr/>
-        </p:nvGrpSpPr>
-        <p:grpSpPr>
-          <a:xfrm>
-            <a:off x="682976" y="4641419"/>
-            <a:ext cx="828037" cy="1496253"/>
-            <a:chOff x="2045756" y="1999283"/>
-            <a:chExt cx="1363850" cy="2696707"/>
-          </a:xfrm>
-        </p:grpSpPr>
-        <p:sp>
-          <p:nvSpPr>
-            <p:cNvPr id="112" name="Flowchart: Terminator 111"/>
-            <p:cNvSpPr/>
-            <p:nvPr/>
-          </p:nvSpPr>
-          <p:spPr>
-            <a:xfrm rot="5400000">
-              <a:off x="2208487" y="3696347"/>
-              <a:ext cx="976396" cy="557939"/>
-            </a:xfrm>
-            <a:prstGeom prst="flowChartTerminator">
-              <a:avLst/>
-            </a:prstGeom>
-            <a:gradFill flip="none" rotWithShape="1">
-              <a:gsLst>
-                <a:gs pos="0">
-                  <a:schemeClr val="accent1">
-                    <a:shade val="30000"/>
-                    <a:satMod val="115000"/>
-                  </a:schemeClr>
-                </a:gs>
-                <a:gs pos="50000">
-                  <a:schemeClr val="accent1">
-                    <a:shade val="67500"/>
-                    <a:satMod val="115000"/>
-                  </a:schemeClr>
-                </a:gs>
-                <a:gs pos="100000">
-                  <a:schemeClr val="accent1">
-                    <a:shade val="100000"/>
-                    <a:satMod val="115000"/>
-                  </a:schemeClr>
-                </a:gs>
-              </a:gsLst>
-              <a:lin ang="10800000" scaled="1"/>
-              <a:tileRect/>
-            </a:gradFill>
-            <a:ln>
-              <a:noFill/>
-            </a:ln>
-          </p:spPr>
-          <p:style>
-            <a:lnRef idx="2">
-              <a:schemeClr val="accent1">
-                <a:shade val="50000"/>
-              </a:schemeClr>
-            </a:lnRef>
-            <a:fillRef idx="1">
-              <a:schemeClr val="accent1"/>
-            </a:fillRef>
-            <a:effectRef idx="0">
-              <a:schemeClr val="accent1"/>
-            </a:effectRef>
-            <a:fontRef idx="minor">
-              <a:schemeClr val="lt1"/>
-            </a:fontRef>
-          </p:style>
-          <p:txBody>
-            <a:bodyPr rtlCol="0" anchor="ctr"/>
-            <a:lstStyle/>
-            <a:p>
-              <a:pPr algn="ctr"/>
-              <a:endParaRPr lang="en-US"/>
-            </a:p>
-          </p:txBody>
-        </p:sp>
-        <p:sp>
-          <p:nvSpPr>
-            <p:cNvPr id="113" name="Trapezoid 112"/>
-            <p:cNvSpPr/>
-            <p:nvPr/>
-          </p:nvSpPr>
-          <p:spPr>
-            <a:xfrm>
-              <a:off x="2340224" y="4355027"/>
-              <a:ext cx="712922" cy="340963"/>
-            </a:xfrm>
-            <a:prstGeom prst="trapezoid">
-              <a:avLst/>
-            </a:prstGeom>
-            <a:gradFill flip="none" rotWithShape="1">
-              <a:gsLst>
-                <a:gs pos="0">
-                  <a:schemeClr val="accent1">
-                    <a:shade val="30000"/>
-                    <a:satMod val="115000"/>
-                  </a:schemeClr>
-                </a:gs>
-                <a:gs pos="50000">
-                  <a:schemeClr val="accent1">
-                    <a:shade val="67500"/>
-                    <a:satMod val="115000"/>
-                  </a:schemeClr>
-                </a:gs>
-                <a:gs pos="100000">
-                  <a:schemeClr val="accent1">
-                    <a:shade val="100000"/>
-                    <a:satMod val="115000"/>
-                  </a:schemeClr>
-                </a:gs>
-              </a:gsLst>
-              <a:lin ang="5400000" scaled="1"/>
-              <a:tileRect/>
-            </a:gradFill>
-            <a:ln>
-              <a:noFill/>
-            </a:ln>
-          </p:spPr>
-          <p:style>
-            <a:lnRef idx="2">
-              <a:schemeClr val="accent1">
-                <a:shade val="50000"/>
-              </a:schemeClr>
-            </a:lnRef>
-            <a:fillRef idx="1">
-              <a:schemeClr val="accent1"/>
-            </a:fillRef>
-            <a:effectRef idx="0">
-              <a:schemeClr val="accent1"/>
-            </a:effectRef>
-            <a:fontRef idx="minor">
-              <a:schemeClr val="lt1"/>
-            </a:fontRef>
-          </p:style>
-          <p:txBody>
-            <a:bodyPr rtlCol="0" anchor="ctr"/>
-            <a:lstStyle/>
-            <a:p>
-              <a:pPr algn="ctr"/>
-              <a:endParaRPr lang="en-US"/>
-            </a:p>
-          </p:txBody>
-        </p:sp>
-        <p:sp>
-          <p:nvSpPr>
-            <p:cNvPr id="114" name="Double Bracket 23"/>
-            <p:cNvSpPr/>
-            <p:nvPr/>
-          </p:nvSpPr>
-          <p:spPr>
-            <a:xfrm flipH="1">
-              <a:off x="2572700" y="3068664"/>
-              <a:ext cx="247973" cy="402956"/>
-            </a:xfrm>
-            <a:prstGeom prst="bracketPair">
-              <a:avLst/>
-            </a:prstGeom>
-          </p:spPr>
-          <p:style>
-            <a:lnRef idx="1">
-              <a:schemeClr val="accent1"/>
-            </a:lnRef>
-            <a:fillRef idx="0">
-              <a:schemeClr val="accent1"/>
-            </a:fillRef>
-            <a:effectRef idx="0">
-              <a:schemeClr val="accent1"/>
-            </a:effectRef>
-            <a:fontRef idx="minor">
-              <a:schemeClr val="tx1"/>
-            </a:fontRef>
-          </p:style>
-          <p:txBody>
-            <a:bodyPr rtlCol="0" anchor="ctr"/>
-            <a:lstStyle/>
-            <a:p>
-              <a:pPr algn="ctr"/>
-              <a:endParaRPr lang="en-US"/>
-            </a:p>
-          </p:txBody>
-        </p:sp>
-        <p:sp>
-          <p:nvSpPr>
-            <p:cNvPr id="115" name="Trapezoid 114"/>
-            <p:cNvSpPr/>
-            <p:nvPr/>
-          </p:nvSpPr>
-          <p:spPr>
-            <a:xfrm>
-              <a:off x="2045756" y="1999283"/>
-              <a:ext cx="1363850" cy="1301857"/>
-            </a:xfrm>
-            <a:prstGeom prst="trapezoid">
-              <a:avLst/>
-            </a:prstGeom>
-            <a:gradFill flip="none" rotWithShape="1">
-              <a:gsLst>
-                <a:gs pos="0">
-                  <a:srgbClr val="FFC000">
-                    <a:tint val="66000"/>
-                    <a:satMod val="160000"/>
-                  </a:srgbClr>
-                </a:gs>
-                <a:gs pos="50000">
-                  <a:srgbClr val="FFC000">
-                    <a:tint val="44500"/>
-                    <a:satMod val="160000"/>
-                  </a:srgbClr>
-                </a:gs>
-                <a:gs pos="100000">
-                  <a:srgbClr val="FFC000">
-                    <a:tint val="23500"/>
-                    <a:satMod val="160000"/>
-                  </a:srgbClr>
-                </a:gs>
-              </a:gsLst>
-              <a:lin ang="2700000" scaled="1"/>
-              <a:tileRect/>
-            </a:gradFill>
-          </p:spPr>
-          <p:style>
-            <a:lnRef idx="2">
-              <a:schemeClr val="accent1">
-                <a:shade val="50000"/>
-              </a:schemeClr>
-            </a:lnRef>
-            <a:fillRef idx="1">
-              <a:schemeClr val="accent1"/>
-            </a:fillRef>
-            <a:effectRef idx="0">
-              <a:schemeClr val="accent1"/>
-            </a:effectRef>
-            <a:fontRef idx="minor">
-              <a:schemeClr val="lt1"/>
-            </a:fontRef>
-          </p:style>
-          <p:txBody>
-            <a:bodyPr rtlCol="0" anchor="ctr"/>
-            <a:lstStyle/>
-            <a:p>
-              <a:pPr algn="ctr"/>
-              <a:endParaRPr lang="en-US"/>
-            </a:p>
-          </p:txBody>
-        </p:sp>
-      </p:grpSp>
-      <p:grpSp>
-        <p:nvGrpSpPr>
-          <p:cNvPr id="116" name="Group 60"/>
-          <p:cNvGrpSpPr/>
-          <p:nvPr/>
-        </p:nvGrpSpPr>
-        <p:grpSpPr>
-          <a:xfrm>
-            <a:off x="5285408" y="5268365"/>
-            <a:ext cx="254050" cy="276835"/>
-            <a:chOff x="4383429" y="1596327"/>
-            <a:chExt cx="638012" cy="836908"/>
-          </a:xfrm>
-        </p:grpSpPr>
-        <p:sp>
-          <p:nvSpPr>
-            <p:cNvPr id="117" name="Oval 15"/>
-            <p:cNvSpPr/>
-            <p:nvPr/>
-          </p:nvSpPr>
-          <p:spPr>
-            <a:xfrm>
-              <a:off x="4383429" y="1764224"/>
-              <a:ext cx="638012" cy="669011"/>
-            </a:xfrm>
-            <a:prstGeom prst="ellipse">
-              <a:avLst/>
-            </a:prstGeom>
-            <a:gradFill flip="none" rotWithShape="1">
-              <a:gsLst>
-                <a:gs pos="32000">
-                  <a:srgbClr val="FFFF00">
-                    <a:tint val="66000"/>
-                    <a:satMod val="160000"/>
-                  </a:srgbClr>
-                </a:gs>
-                <a:gs pos="50000">
-                  <a:srgbClr val="FFFF00">
-                    <a:tint val="44500"/>
-                    <a:satMod val="160000"/>
-                    <a:alpha val="46000"/>
-                  </a:srgbClr>
-                </a:gs>
-                <a:gs pos="100000">
-                  <a:srgbClr val="FFFF00">
-                    <a:tint val="23500"/>
-                    <a:satMod val="160000"/>
-                    <a:alpha val="0"/>
-                  </a:srgbClr>
-                </a:gs>
-                <a:gs pos="66000">
-                  <a:srgbClr val="FFFF00">
-                    <a:tint val="23500"/>
-                    <a:satMod val="160000"/>
-                    <a:alpha val="0"/>
-                  </a:srgbClr>
-                </a:gs>
-              </a:gsLst>
-              <a:path path="circle">
-                <a:fillToRect l="50000" t="50000" r="50000" b="50000"/>
-              </a:path>
-              <a:tileRect/>
-            </a:gradFill>
-            <a:ln>
-              <a:noFill/>
-            </a:ln>
-          </p:spPr>
-          <p:style>
-            <a:lnRef idx="2">
-              <a:schemeClr val="accent1">
-                <a:shade val="50000"/>
-              </a:schemeClr>
-            </a:lnRef>
-            <a:fillRef idx="1">
-              <a:schemeClr val="accent1"/>
-            </a:fillRef>
-            <a:effectRef idx="0">
-              <a:schemeClr val="accent1"/>
-            </a:effectRef>
-            <a:fontRef idx="minor">
-              <a:schemeClr val="lt1"/>
-            </a:fontRef>
-          </p:style>
-          <p:txBody>
-            <a:bodyPr rtlCol="0" anchor="ctr"/>
-            <a:lstStyle/>
-            <a:p>
-              <a:pPr algn="ctr"/>
-              <a:endParaRPr lang="en-US"/>
-            </a:p>
-          </p:txBody>
-        </p:sp>
-        <p:grpSp>
-          <p:nvGrpSpPr>
-            <p:cNvPr id="118" name="Group 55"/>
-            <p:cNvGrpSpPr/>
-            <p:nvPr/>
-          </p:nvGrpSpPr>
-          <p:grpSpPr>
-            <a:xfrm flipV="1">
-              <a:off x="4571994" y="1596327"/>
-              <a:ext cx="291863" cy="663847"/>
-              <a:chOff x="2045756" y="1999283"/>
-              <a:chExt cx="1363850" cy="2696707"/>
-            </a:xfrm>
-          </p:grpSpPr>
-          <p:sp>
-            <p:nvSpPr>
-              <p:cNvPr id="119" name="Flowchart: Terminator 118"/>
-              <p:cNvSpPr/>
-              <p:nvPr/>
-            </p:nvSpPr>
-            <p:spPr>
-              <a:xfrm rot="5400000">
-                <a:off x="2208487" y="3696347"/>
-                <a:ext cx="976396" cy="557939"/>
-              </a:xfrm>
-              <a:prstGeom prst="flowChartTerminator">
-                <a:avLst/>
-              </a:prstGeom>
-              <a:gradFill flip="none" rotWithShape="1">
-                <a:gsLst>
-                  <a:gs pos="0">
-                    <a:schemeClr val="accent1">
-                      <a:shade val="30000"/>
-                      <a:satMod val="115000"/>
-                    </a:schemeClr>
-                  </a:gs>
-                  <a:gs pos="50000">
-                    <a:schemeClr val="accent1">
-                      <a:shade val="67500"/>
-                      <a:satMod val="115000"/>
-                    </a:schemeClr>
-                  </a:gs>
-                  <a:gs pos="100000">
-                    <a:schemeClr val="accent1">
-                      <a:shade val="100000"/>
-                      <a:satMod val="115000"/>
-                    </a:schemeClr>
-                  </a:gs>
-                </a:gsLst>
-                <a:lin ang="10800000" scaled="1"/>
-                <a:tileRect/>
-              </a:gradFill>
-              <a:ln>
-                <a:noFill/>
-              </a:ln>
-            </p:spPr>
-            <p:style>
-              <a:lnRef idx="2">
-                <a:schemeClr val="accent1">
-                  <a:shade val="50000"/>
-                </a:schemeClr>
-              </a:lnRef>
-              <a:fillRef idx="1">
-                <a:schemeClr val="accent1"/>
-              </a:fillRef>
-              <a:effectRef idx="0">
-                <a:schemeClr val="accent1"/>
-              </a:effectRef>
-              <a:fontRef idx="minor">
-                <a:schemeClr val="lt1"/>
-              </a:fontRef>
-            </p:style>
-            <p:txBody>
-              <a:bodyPr rtlCol="0" anchor="ctr"/>
-              <a:lstStyle/>
-              <a:p>
-                <a:pPr algn="ctr"/>
-                <a:endParaRPr lang="en-US"/>
-              </a:p>
-            </p:txBody>
-          </p:sp>
-          <p:sp>
-            <p:nvSpPr>
-              <p:cNvPr id="120" name="Trapezoid 119"/>
-              <p:cNvSpPr/>
-              <p:nvPr/>
-            </p:nvSpPr>
-            <p:spPr>
-              <a:xfrm>
-                <a:off x="2340224" y="4355027"/>
-                <a:ext cx="712922" cy="340963"/>
-              </a:xfrm>
-              <a:prstGeom prst="trapezoid">
-                <a:avLst/>
-              </a:prstGeom>
-              <a:gradFill flip="none" rotWithShape="1">
-                <a:gsLst>
-                  <a:gs pos="0">
-                    <a:schemeClr val="accent1">
-                      <a:shade val="30000"/>
-                      <a:satMod val="115000"/>
-                    </a:schemeClr>
-                  </a:gs>
-                  <a:gs pos="50000">
-                    <a:schemeClr val="accent1">
-                      <a:shade val="67500"/>
-                      <a:satMod val="115000"/>
-                    </a:schemeClr>
-                  </a:gs>
-                  <a:gs pos="100000">
-                    <a:schemeClr val="accent1">
-                      <a:shade val="100000"/>
-                      <a:satMod val="115000"/>
-                    </a:schemeClr>
-                  </a:gs>
-                </a:gsLst>
-                <a:lin ang="5400000" scaled="1"/>
-                <a:tileRect/>
-              </a:gradFill>
-              <a:ln>
-                <a:noFill/>
-              </a:ln>
-            </p:spPr>
-            <p:style>
-              <a:lnRef idx="2">
-                <a:schemeClr val="accent1">
-                  <a:shade val="50000"/>
-                </a:schemeClr>
-              </a:lnRef>
-              <a:fillRef idx="1">
-                <a:schemeClr val="accent1"/>
-              </a:fillRef>
-              <a:effectRef idx="0">
-                <a:schemeClr val="accent1"/>
-              </a:effectRef>
-              <a:fontRef idx="minor">
-                <a:schemeClr val="lt1"/>
-              </a:fontRef>
-            </p:style>
-            <p:txBody>
-              <a:bodyPr rtlCol="0" anchor="ctr"/>
-              <a:lstStyle/>
-              <a:p>
-                <a:pPr algn="ctr"/>
-                <a:endParaRPr lang="en-US"/>
-              </a:p>
-            </p:txBody>
-          </p:sp>
-          <p:sp>
-            <p:nvSpPr>
-              <p:cNvPr id="121" name="Double Bracket 120"/>
-              <p:cNvSpPr/>
-              <p:nvPr/>
-            </p:nvSpPr>
-            <p:spPr>
-              <a:xfrm flipH="1">
-                <a:off x="2572700" y="3068664"/>
-                <a:ext cx="247973" cy="402956"/>
-              </a:xfrm>
-              <a:prstGeom prst="bracketPair">
-                <a:avLst/>
-              </a:prstGeom>
-            </p:spPr>
-            <p:style>
-              <a:lnRef idx="1">
-                <a:schemeClr val="accent1"/>
-              </a:lnRef>
-              <a:fillRef idx="0">
-                <a:schemeClr val="accent1"/>
-              </a:fillRef>
-              <a:effectRef idx="0">
-                <a:schemeClr val="accent1"/>
-              </a:effectRef>
-              <a:fontRef idx="minor">
-                <a:schemeClr val="tx1"/>
-              </a:fontRef>
-            </p:style>
-            <p:txBody>
-              <a:bodyPr rtlCol="0" anchor="ctr"/>
-              <a:lstStyle/>
-              <a:p>
-                <a:pPr algn="ctr"/>
-                <a:endParaRPr lang="en-US"/>
-              </a:p>
-            </p:txBody>
-          </p:sp>
-          <p:sp>
-            <p:nvSpPr>
-              <p:cNvPr id="122" name="Trapezoid 121"/>
-              <p:cNvSpPr/>
-              <p:nvPr/>
-            </p:nvSpPr>
-            <p:spPr>
-              <a:xfrm>
-                <a:off x="2045756" y="1999283"/>
-                <a:ext cx="1363850" cy="1301857"/>
-              </a:xfrm>
-              <a:prstGeom prst="trapezoid">
-                <a:avLst/>
-              </a:prstGeom>
-              <a:gradFill flip="none" rotWithShape="1">
-                <a:gsLst>
-                  <a:gs pos="0">
-                    <a:srgbClr val="FFC000">
-                      <a:tint val="66000"/>
-                      <a:satMod val="160000"/>
-                    </a:srgbClr>
-                  </a:gs>
-                  <a:gs pos="50000">
-                    <a:srgbClr val="FFC000">
-                      <a:tint val="44500"/>
-                      <a:satMod val="160000"/>
-                    </a:srgbClr>
-                  </a:gs>
-                  <a:gs pos="100000">
-                    <a:srgbClr val="FFC000">
-                      <a:tint val="23500"/>
-                      <a:satMod val="160000"/>
-                    </a:srgbClr>
-                  </a:gs>
-                </a:gsLst>
-                <a:lin ang="2700000" scaled="1"/>
-                <a:tileRect/>
-              </a:gradFill>
-            </p:spPr>
-            <p:style>
-              <a:lnRef idx="2">
-                <a:schemeClr val="accent1">
-                  <a:shade val="50000"/>
-                </a:schemeClr>
-              </a:lnRef>
-              <a:fillRef idx="1">
-                <a:schemeClr val="accent1"/>
-              </a:fillRef>
-              <a:effectRef idx="0">
-                <a:schemeClr val="accent1"/>
-              </a:effectRef>
-              <a:fontRef idx="minor">
-                <a:schemeClr val="lt1"/>
-              </a:fontRef>
-            </p:style>
-            <p:txBody>
-              <a:bodyPr rtlCol="0" anchor="ctr"/>
-              <a:lstStyle/>
-              <a:p>
-                <a:pPr algn="ctr"/>
-                <a:endParaRPr lang="en-US"/>
-              </a:p>
-            </p:txBody>
-          </p:sp>
-        </p:grpSp>
-      </p:grpSp>
-      <p:cxnSp>
-        <p:nvCxnSpPr>
-          <p:cNvPr id="137" name="Straight Connector 136"/>
-          <p:cNvCxnSpPr/>
-          <p:nvPr/>
-        </p:nvCxnSpPr>
-        <p:spPr>
-          <a:xfrm>
-            <a:off x="1280160" y="2499360"/>
-            <a:ext cx="3931920" cy="960120"/>
-          </a:xfrm>
-          <a:prstGeom prst="line">
-            <a:avLst/>
-          </a:prstGeom>
-          <a:ln>
-            <a:solidFill>
-              <a:srgbClr val="FF0000"/>
-            </a:solidFill>
-          </a:ln>
-        </p:spPr>
-        <p:style>
-          <a:lnRef idx="1">
-            <a:schemeClr val="accent1"/>
-          </a:lnRef>
-          <a:fillRef idx="0">
-            <a:schemeClr val="accent1"/>
-          </a:fillRef>
-          <a:effectRef idx="0">
-            <a:schemeClr val="accent1"/>
-          </a:effectRef>
-          <a:fontRef idx="minor">
-            <a:schemeClr val="tx1"/>
-          </a:fontRef>
-        </p:style>
-      </p:cxnSp>
-      <p:cxnSp>
-        <p:nvCxnSpPr>
-          <p:cNvPr id="140" name="Straight Connector 139"/>
-          <p:cNvCxnSpPr/>
-          <p:nvPr/>
-        </p:nvCxnSpPr>
-        <p:spPr>
-          <a:xfrm flipV="1">
-            <a:off x="1280160" y="2865120"/>
-            <a:ext cx="3992880" cy="1082040"/>
-          </a:xfrm>
-          <a:prstGeom prst="line">
-            <a:avLst/>
-          </a:prstGeom>
-          <a:ln>
-            <a:solidFill>
-              <a:srgbClr val="FF0000"/>
-            </a:solidFill>
-          </a:ln>
-        </p:spPr>
-        <p:style>
-          <a:lnRef idx="1">
-            <a:schemeClr val="accent1"/>
-          </a:lnRef>
-          <a:fillRef idx="0">
-            <a:schemeClr val="accent1"/>
-          </a:fillRef>
-          <a:effectRef idx="0">
-            <a:schemeClr val="accent1"/>
-          </a:effectRef>
-          <a:fontRef idx="minor">
-            <a:schemeClr val="tx1"/>
-          </a:fontRef>
-        </p:style>
-      </p:cxnSp>
-      <p:grpSp>
-        <p:nvGrpSpPr>
-          <p:cNvPr id="152" name="Group 151"/>
-          <p:cNvGrpSpPr/>
-          <p:nvPr/>
-        </p:nvGrpSpPr>
-        <p:grpSpPr>
-          <a:xfrm>
-            <a:off x="1325880" y="4632960"/>
-            <a:ext cx="4069080" cy="853440"/>
-            <a:chOff x="1371600" y="4663440"/>
-            <a:chExt cx="4069080" cy="853440"/>
-          </a:xfrm>
-        </p:grpSpPr>
-        <p:cxnSp>
-          <p:nvCxnSpPr>
-            <p:cNvPr id="134" name="Straight Connector 133"/>
-            <p:cNvCxnSpPr/>
-            <p:nvPr/>
-          </p:nvCxnSpPr>
-          <p:spPr>
-            <a:xfrm>
-              <a:off x="2852738" y="5005388"/>
-              <a:ext cx="561022" cy="84772"/>
-            </a:xfrm>
-            <a:prstGeom prst="line">
-              <a:avLst/>
-            </a:prstGeom>
-            <a:ln>
-              <a:solidFill>
-                <a:srgbClr val="FF0000"/>
-              </a:solidFill>
-            </a:ln>
-          </p:spPr>
-          <p:style>
-            <a:lnRef idx="1">
-              <a:schemeClr val="accent1"/>
-            </a:lnRef>
-            <a:fillRef idx="0">
-              <a:schemeClr val="accent1"/>
-            </a:fillRef>
-            <a:effectRef idx="0">
-              <a:schemeClr val="accent1"/>
-            </a:effectRef>
-            <a:fontRef idx="minor">
-              <a:schemeClr val="tx1"/>
-            </a:fontRef>
-          </p:style>
-        </p:cxnSp>
-        <p:cxnSp>
-          <p:nvCxnSpPr>
-            <p:cNvPr id="144" name="Straight Connector 143"/>
-            <p:cNvCxnSpPr/>
-            <p:nvPr/>
-          </p:nvCxnSpPr>
-          <p:spPr>
-            <a:xfrm>
-              <a:off x="1371600" y="4663440"/>
-              <a:ext cx="1508760" cy="350520"/>
-            </a:xfrm>
-            <a:prstGeom prst="line">
-              <a:avLst/>
-            </a:prstGeom>
-            <a:ln>
-              <a:solidFill>
-                <a:srgbClr val="FF0000"/>
-              </a:solidFill>
-            </a:ln>
-          </p:spPr>
-          <p:style>
-            <a:lnRef idx="1">
-              <a:schemeClr val="accent1"/>
-            </a:lnRef>
-            <a:fillRef idx="0">
-              <a:schemeClr val="accent1"/>
-            </a:fillRef>
-            <a:effectRef idx="0">
-              <a:schemeClr val="accent1"/>
-            </a:effectRef>
-            <a:fontRef idx="minor">
-              <a:schemeClr val="tx1"/>
-            </a:fontRef>
-          </p:style>
-        </p:cxnSp>
-        <p:cxnSp>
-          <p:nvCxnSpPr>
-            <p:cNvPr id="148" name="Straight Connector 147"/>
-            <p:cNvCxnSpPr/>
-            <p:nvPr/>
-          </p:nvCxnSpPr>
-          <p:spPr>
-            <a:xfrm>
-              <a:off x="3386138" y="5081588"/>
-              <a:ext cx="2054542" cy="435292"/>
-            </a:xfrm>
-            <a:prstGeom prst="line">
-              <a:avLst/>
-            </a:prstGeom>
-            <a:ln>
-              <a:solidFill>
-                <a:srgbClr val="FF0000"/>
-              </a:solidFill>
-            </a:ln>
-          </p:spPr>
-          <p:style>
-            <a:lnRef idx="1">
-              <a:schemeClr val="accent1"/>
-            </a:lnRef>
-            <a:fillRef idx="0">
-              <a:schemeClr val="accent1"/>
-            </a:fillRef>
-            <a:effectRef idx="0">
-              <a:schemeClr val="accent1"/>
-            </a:effectRef>
-            <a:fontRef idx="minor">
-              <a:schemeClr val="tx1"/>
-            </a:fontRef>
-          </p:style>
-        </p:cxnSp>
-      </p:grpSp>
-      <p:grpSp>
-        <p:nvGrpSpPr>
-          <p:cNvPr id="153" name="Group 152"/>
-          <p:cNvGrpSpPr/>
-          <p:nvPr/>
-        </p:nvGrpSpPr>
-        <p:grpSpPr>
-          <a:xfrm flipV="1">
-            <a:off x="1302068" y="5241608"/>
-            <a:ext cx="4069080" cy="853440"/>
-            <a:chOff x="1371600" y="4663440"/>
-            <a:chExt cx="4069080" cy="853440"/>
-          </a:xfrm>
-        </p:grpSpPr>
-        <p:cxnSp>
-          <p:nvCxnSpPr>
-            <p:cNvPr id="154" name="Straight Connector 153"/>
-            <p:cNvCxnSpPr/>
-            <p:nvPr/>
-          </p:nvCxnSpPr>
-          <p:spPr>
-            <a:xfrm>
-              <a:off x="2852738" y="5005388"/>
-              <a:ext cx="561022" cy="84772"/>
-            </a:xfrm>
-            <a:prstGeom prst="line">
-              <a:avLst/>
-            </a:prstGeom>
-            <a:ln>
-              <a:solidFill>
-                <a:srgbClr val="FF0000"/>
-              </a:solidFill>
-            </a:ln>
-          </p:spPr>
-          <p:style>
-            <a:lnRef idx="1">
-              <a:schemeClr val="accent1"/>
-            </a:lnRef>
-            <a:fillRef idx="0">
-              <a:schemeClr val="accent1"/>
-            </a:fillRef>
-            <a:effectRef idx="0">
-              <a:schemeClr val="accent1"/>
-            </a:effectRef>
-            <a:fontRef idx="minor">
-              <a:schemeClr val="tx1"/>
-            </a:fontRef>
-          </p:style>
-        </p:cxnSp>
-        <p:cxnSp>
-          <p:nvCxnSpPr>
-            <p:cNvPr id="155" name="Straight Connector 154"/>
-            <p:cNvCxnSpPr/>
-            <p:nvPr/>
-          </p:nvCxnSpPr>
-          <p:spPr>
-            <a:xfrm>
-              <a:off x="1371600" y="4663440"/>
-              <a:ext cx="1508760" cy="350520"/>
-            </a:xfrm>
-            <a:prstGeom prst="line">
-              <a:avLst/>
-            </a:prstGeom>
-            <a:ln>
-              <a:solidFill>
-                <a:srgbClr val="FF0000"/>
-              </a:solidFill>
-            </a:ln>
-          </p:spPr>
-          <p:style>
-            <a:lnRef idx="1">
-              <a:schemeClr val="accent1"/>
-            </a:lnRef>
-            <a:fillRef idx="0">
-              <a:schemeClr val="accent1"/>
-            </a:fillRef>
-            <a:effectRef idx="0">
-              <a:schemeClr val="accent1"/>
-            </a:effectRef>
-            <a:fontRef idx="minor">
-              <a:schemeClr val="tx1"/>
-            </a:fontRef>
-          </p:style>
-        </p:cxnSp>
-        <p:cxnSp>
-          <p:nvCxnSpPr>
-            <p:cNvPr id="156" name="Straight Connector 155"/>
-            <p:cNvCxnSpPr/>
-            <p:nvPr/>
-          </p:nvCxnSpPr>
-          <p:spPr>
-            <a:xfrm>
-              <a:off x="3386138" y="5081588"/>
-              <a:ext cx="2054542" cy="435292"/>
-            </a:xfrm>
-            <a:prstGeom prst="line">
-              <a:avLst/>
-            </a:prstGeom>
-            <a:ln>
-              <a:solidFill>
-                <a:srgbClr val="FF0000"/>
-              </a:solidFill>
-            </a:ln>
-          </p:spPr>
-          <p:style>
-            <a:lnRef idx="1">
-              <a:schemeClr val="accent1"/>
-            </a:lnRef>
-            <a:fillRef idx="0">
-              <a:schemeClr val="accent1"/>
-            </a:fillRef>
-            <a:effectRef idx="0">
-              <a:schemeClr val="accent1"/>
-            </a:effectRef>
-            <a:fontRef idx="minor">
-              <a:schemeClr val="tx1"/>
-            </a:fontRef>
-          </p:style>
-        </p:cxnSp>
-      </p:grpSp>
-    </p:spTree>
-  </p:cSld>
-  <p:clrMapOvr>
-    <a:masterClrMapping/>
-  </p:clrMapOvr>
-</p:sld>
-</file>
-
-<file path=ppt/slides/slide11.xml><?xml version="1.0" encoding="utf-8"?>
-<p:sld xmlns:a="http://schemas.openxmlformats.org/drawingml/2006/main" xmlns:r="http://schemas.openxmlformats.org/officeDocument/2006/relationships" xmlns:p="http://schemas.openxmlformats.org/presentationml/2006/main">
-  <p:cSld>
-    <p:spTree>
-      <p:nvGrpSpPr>
-        <p:cNvPr id="1" name=""/>
-        <p:cNvGrpSpPr/>
-        <p:nvPr/>
-      </p:nvGrpSpPr>
-      <p:grpSpPr>
-        <a:xfrm>
-          <a:off x="0" y="0"/>
-          <a:ext cx="0" cy="0"/>
-          <a:chOff x="0" y="0"/>
-          <a:chExt cx="0" cy="0"/>
-        </a:xfrm>
-      </p:grpSpPr>
-      <p:pic>
-        <p:nvPicPr>
-          <p:cNvPr id="45058" name="Picture 2"/>
-          <p:cNvPicPr>
-            <a:picLocks noChangeAspect="1" noChangeArrowheads="1"/>
-          </p:cNvPicPr>
-          <p:nvPr/>
-        </p:nvPicPr>
-        <p:blipFill>
-          <a:blip r:embed="rId2" cstate="print"/>
-          <a:srcRect/>
-          <a:stretch>
-            <a:fillRect/>
-          </a:stretch>
-        </p:blipFill>
-        <p:spPr bwMode="auto">
-          <a:xfrm>
-            <a:off x="2606993" y="4720590"/>
-            <a:ext cx="180975" cy="1714500"/>
-          </a:xfrm>
-          <a:prstGeom prst="rect">
-            <a:avLst/>
-          </a:prstGeom>
-          <a:noFill/>
-          <a:ln w="9525">
-            <a:noFill/>
-            <a:miter lim="800000"/>
-            <a:headEnd/>
-            <a:tailEnd/>
-          </a:ln>
-          <a:effectLst/>
-        </p:spPr>
-      </p:pic>
-      <p:sp>
-        <p:nvSpPr>
-          <p:cNvPr id="3" name="Oval 2"/>
-          <p:cNvSpPr/>
-          <p:nvPr/>
-        </p:nvSpPr>
-        <p:spPr>
-          <a:xfrm>
-            <a:off x="3369812" y="461065"/>
-            <a:ext cx="1430788" cy="1442525"/>
-          </a:xfrm>
-          <a:prstGeom prst="ellipse">
-            <a:avLst/>
-          </a:prstGeom>
-          <a:solidFill>
-            <a:schemeClr val="bg1">
-              <a:lumMod val="95000"/>
-            </a:schemeClr>
-          </a:solidFill>
-          <a:ln w="3175">
-            <a:solidFill>
-              <a:schemeClr val="tx1">
-                <a:lumMod val="50000"/>
-                <a:lumOff val="50000"/>
-              </a:schemeClr>
-            </a:solidFill>
-          </a:ln>
-        </p:spPr>
-        <p:style>
-          <a:lnRef idx="2">
-            <a:schemeClr val="accent1">
-              <a:shade val="50000"/>
-            </a:schemeClr>
-          </a:lnRef>
-          <a:fillRef idx="1">
-            <a:schemeClr val="accent1"/>
-          </a:fillRef>
-          <a:effectRef idx="0">
-            <a:schemeClr val="accent1"/>
-          </a:effectRef>
-          <a:fontRef idx="minor">
-            <a:schemeClr val="lt1"/>
-          </a:fontRef>
-        </p:style>
-        <p:txBody>
-          <a:bodyPr rtlCol="0" anchor="ctr"/>
-          <a:lstStyle/>
-          <a:p>
-            <a:pPr algn="ctr"/>
-            <a:endParaRPr lang="en-US"/>
-          </a:p>
-        </p:txBody>
-      </p:sp>
-      <p:sp>
-        <p:nvSpPr>
-          <p:cNvPr id="105" name="Oval 104"/>
-          <p:cNvSpPr/>
-          <p:nvPr/>
-        </p:nvSpPr>
-        <p:spPr>
-          <a:xfrm>
-            <a:off x="3484294" y="591186"/>
-            <a:ext cx="1240106" cy="1237614"/>
-          </a:xfrm>
-          <a:prstGeom prst="ellipse">
-            <a:avLst/>
-          </a:prstGeom>
-          <a:solidFill>
-            <a:schemeClr val="tx1"/>
-          </a:solidFill>
-          <a:ln>
-            <a:solidFill>
-              <a:schemeClr val="tx1">
-                <a:lumMod val="50000"/>
-                <a:lumOff val="50000"/>
-              </a:schemeClr>
-            </a:solidFill>
-          </a:ln>
-        </p:spPr>
-        <p:style>
-          <a:lnRef idx="2">
-            <a:schemeClr val="accent1">
-              <a:shade val="50000"/>
-            </a:schemeClr>
-          </a:lnRef>
-          <a:fillRef idx="1">
-            <a:schemeClr val="accent1"/>
-          </a:fillRef>
-          <a:effectRef idx="0">
-            <a:schemeClr val="accent1"/>
-          </a:effectRef>
-          <a:fontRef idx="minor">
-            <a:schemeClr val="lt1"/>
-          </a:fontRef>
-        </p:style>
-        <p:txBody>
-          <a:bodyPr rtlCol="0" anchor="ctr"/>
-          <a:lstStyle/>
-          <a:p>
-            <a:pPr algn="ctr"/>
-            <a:endParaRPr lang="en-US"/>
-          </a:p>
-        </p:txBody>
-      </p:sp>
-      <p:sp>
-        <p:nvSpPr>
-          <p:cNvPr id="4" name="Oval 3"/>
-          <p:cNvSpPr/>
-          <p:nvPr/>
-        </p:nvSpPr>
-        <p:spPr>
-          <a:xfrm>
-            <a:off x="3484294" y="576413"/>
-            <a:ext cx="1240106" cy="1237614"/>
-          </a:xfrm>
-          <a:prstGeom prst="ellipse">
-            <a:avLst/>
-          </a:prstGeom>
-          <a:gradFill flip="none" rotWithShape="1">
-            <a:gsLst>
-              <a:gs pos="0">
-                <a:srgbClr val="CC0000">
-                  <a:shade val="30000"/>
-                  <a:satMod val="115000"/>
-                  <a:alpha val="0"/>
-                </a:srgbClr>
-              </a:gs>
-              <a:gs pos="50000">
-                <a:srgbClr val="CC0000">
-                  <a:shade val="67500"/>
-                  <a:satMod val="115000"/>
-                </a:srgbClr>
-              </a:gs>
-              <a:gs pos="100000">
-                <a:srgbClr val="CC0000">
-                  <a:shade val="100000"/>
-                  <a:satMod val="115000"/>
-                </a:srgbClr>
-              </a:gs>
-            </a:gsLst>
-            <a:lin ang="0" scaled="1"/>
-            <a:tileRect/>
-          </a:gradFill>
-          <a:ln>
-            <a:solidFill>
-              <a:schemeClr val="tx1">
-                <a:lumMod val="50000"/>
-                <a:lumOff val="50000"/>
-              </a:schemeClr>
-            </a:solidFill>
-          </a:ln>
-        </p:spPr>
-        <p:style>
-          <a:lnRef idx="2">
-            <a:schemeClr val="accent1">
-              <a:shade val="50000"/>
-            </a:schemeClr>
-          </a:lnRef>
-          <a:fillRef idx="1">
-            <a:schemeClr val="accent1"/>
-          </a:fillRef>
-          <a:effectRef idx="0">
-            <a:schemeClr val="accent1"/>
-          </a:effectRef>
-          <a:fontRef idx="minor">
-            <a:schemeClr val="lt1"/>
-          </a:fontRef>
-        </p:style>
-        <p:txBody>
-          <a:bodyPr rtlCol="0" anchor="ctr"/>
-          <a:lstStyle/>
-          <a:p>
-            <a:pPr algn="ctr"/>
-            <a:endParaRPr lang="en-US"/>
-          </a:p>
-        </p:txBody>
-      </p:sp>
-      <p:sp>
-        <p:nvSpPr>
-          <p:cNvPr id="5" name="Arc 4"/>
-          <p:cNvSpPr/>
-          <p:nvPr/>
-        </p:nvSpPr>
-        <p:spPr>
-          <a:xfrm>
-            <a:off x="3211416" y="731116"/>
-            <a:ext cx="884498" cy="863072"/>
-          </a:xfrm>
-          <a:prstGeom prst="arc">
-            <a:avLst>
-              <a:gd name="adj1" fmla="val 6516941"/>
-              <a:gd name="adj2" fmla="val 15325950"/>
-            </a:avLst>
-          </a:prstGeom>
-          <a:gradFill>
-            <a:gsLst>
-              <a:gs pos="0">
-                <a:srgbClr val="B9CDE5"/>
-              </a:gs>
-              <a:gs pos="50000">
-                <a:srgbClr val="969696">
-                  <a:tint val="44500"/>
-                  <a:satMod val="160000"/>
-                </a:srgbClr>
-              </a:gs>
-              <a:gs pos="100000">
-                <a:srgbClr val="969696">
-                  <a:tint val="23500"/>
-                  <a:satMod val="160000"/>
-                </a:srgbClr>
-              </a:gs>
-            </a:gsLst>
-            <a:lin ang="10800000" scaled="1"/>
-          </a:gradFill>
-          <a:ln>
-            <a:solidFill>
-              <a:schemeClr val="bg1">
-                <a:lumMod val="75000"/>
-              </a:schemeClr>
-            </a:solidFill>
-          </a:ln>
-        </p:spPr>
-        <p:style>
-          <a:lnRef idx="1">
-            <a:schemeClr val="accent1"/>
-          </a:lnRef>
-          <a:fillRef idx="0">
-            <a:schemeClr val="accent1"/>
-          </a:fillRef>
-          <a:effectRef idx="0">
-            <a:schemeClr val="accent1"/>
-          </a:effectRef>
-          <a:fontRef idx="minor">
-            <a:schemeClr val="tx1"/>
-          </a:fontRef>
-        </p:style>
-        <p:txBody>
-          <a:bodyPr rtlCol="0" anchor="ctr"/>
-          <a:lstStyle/>
-          <a:p>
-            <a:pPr algn="ctr"/>
-            <a:endParaRPr lang="en-US"/>
-          </a:p>
-        </p:txBody>
-      </p:sp>
-      <p:sp>
-        <p:nvSpPr>
-          <p:cNvPr id="6" name="Oval 5"/>
-          <p:cNvSpPr/>
-          <p:nvPr/>
-        </p:nvSpPr>
-        <p:spPr>
-          <a:xfrm rot="21414298">
-            <a:off x="3439688" y="909966"/>
-            <a:ext cx="249364" cy="528471"/>
-          </a:xfrm>
-          <a:prstGeom prst="ellipse">
-            <a:avLst/>
-          </a:prstGeom>
-          <a:solidFill>
-            <a:schemeClr val="bg1"/>
-          </a:solidFill>
-          <a:ln w="3175">
-            <a:solidFill>
-              <a:schemeClr val="tx1"/>
-            </a:solidFill>
-          </a:ln>
-        </p:spPr>
-        <p:style>
-          <a:lnRef idx="2">
-            <a:schemeClr val="accent1">
-              <a:shade val="50000"/>
-            </a:schemeClr>
-          </a:lnRef>
-          <a:fillRef idx="1">
-            <a:schemeClr val="accent1"/>
-          </a:fillRef>
-          <a:effectRef idx="0">
-            <a:schemeClr val="accent1"/>
-          </a:effectRef>
-          <a:fontRef idx="minor">
-            <a:schemeClr val="lt1"/>
-          </a:fontRef>
-        </p:style>
-        <p:txBody>
-          <a:bodyPr rtlCol="0" anchor="ctr"/>
-          <a:lstStyle/>
-          <a:p>
-            <a:pPr algn="ctr"/>
-            <a:endParaRPr lang="en-US"/>
-          </a:p>
-        </p:txBody>
-      </p:sp>
-      <p:sp>
-        <p:nvSpPr>
-          <p:cNvPr id="8" name="Oval 7"/>
-          <p:cNvSpPr/>
-          <p:nvPr/>
-        </p:nvSpPr>
-        <p:spPr>
-          <a:xfrm>
-            <a:off x="228601" y="381000"/>
-            <a:ext cx="1627846" cy="1205045"/>
-          </a:xfrm>
-          <a:prstGeom prst="ellipse">
-            <a:avLst/>
-          </a:prstGeom>
-          <a:gradFill flip="none" rotWithShape="1">
-            <a:gsLst>
-              <a:gs pos="32000">
-                <a:srgbClr val="FFFF00">
-                  <a:tint val="66000"/>
-                  <a:satMod val="160000"/>
-                </a:srgbClr>
-              </a:gs>
-              <a:gs pos="50000">
-                <a:srgbClr val="FFFF00">
-                  <a:tint val="44500"/>
-                  <a:satMod val="160000"/>
-                  <a:alpha val="46000"/>
-                </a:srgbClr>
-              </a:gs>
-              <a:gs pos="100000">
-                <a:srgbClr val="FFFF00">
-                  <a:tint val="23500"/>
-                  <a:satMod val="160000"/>
-                  <a:alpha val="0"/>
-                </a:srgbClr>
-              </a:gs>
-              <a:gs pos="66000">
-                <a:srgbClr val="FFFF00">
-                  <a:tint val="23500"/>
-                  <a:satMod val="160000"/>
-                  <a:alpha val="0"/>
-                </a:srgbClr>
-              </a:gs>
-            </a:gsLst>
-            <a:path path="circle">
-              <a:fillToRect l="50000" t="50000" r="50000" b="50000"/>
-            </a:path>
-            <a:tileRect/>
-          </a:gradFill>
-          <a:ln>
-            <a:noFill/>
-          </a:ln>
-        </p:spPr>
-        <p:style>
-          <a:lnRef idx="2">
-            <a:schemeClr val="accent1">
-              <a:shade val="50000"/>
-            </a:schemeClr>
-          </a:lnRef>
-          <a:fillRef idx="1">
-            <a:schemeClr val="accent1"/>
-          </a:fillRef>
-          <a:effectRef idx="0">
-            <a:schemeClr val="accent1"/>
-          </a:effectRef>
-          <a:fontRef idx="minor">
-            <a:schemeClr val="lt1"/>
-          </a:fontRef>
-        </p:style>
-        <p:txBody>
-          <a:bodyPr rtlCol="0" anchor="ctr"/>
-          <a:lstStyle/>
-          <a:p>
-            <a:pPr algn="ctr"/>
-            <a:endParaRPr lang="en-US"/>
-          </a:p>
-        </p:txBody>
-      </p:sp>
-      <p:grpSp>
-        <p:nvGrpSpPr>
-          <p:cNvPr id="2" name="Group 47"/>
-          <p:cNvGrpSpPr/>
-          <p:nvPr/>
-        </p:nvGrpSpPr>
-        <p:grpSpPr>
-          <a:xfrm>
-            <a:off x="623789" y="454283"/>
-            <a:ext cx="828037" cy="1496253"/>
-            <a:chOff x="2045756" y="1999283"/>
-            <a:chExt cx="1363850" cy="2696707"/>
-          </a:xfrm>
-        </p:grpSpPr>
-        <p:sp>
-          <p:nvSpPr>
-            <p:cNvPr id="22" name="Flowchart: Terminator 21"/>
-            <p:cNvSpPr/>
-            <p:nvPr/>
-          </p:nvSpPr>
-          <p:spPr>
-            <a:xfrm rot="5400000">
-              <a:off x="2208487" y="3696347"/>
-              <a:ext cx="976396" cy="557939"/>
-            </a:xfrm>
-            <a:prstGeom prst="flowChartTerminator">
-              <a:avLst/>
-            </a:prstGeom>
-            <a:gradFill flip="none" rotWithShape="1">
-              <a:gsLst>
-                <a:gs pos="0">
-                  <a:schemeClr val="accent1">
-                    <a:shade val="30000"/>
-                    <a:satMod val="115000"/>
-                  </a:schemeClr>
-                </a:gs>
-                <a:gs pos="50000">
-                  <a:schemeClr val="accent1">
-                    <a:shade val="67500"/>
-                    <a:satMod val="115000"/>
-                  </a:schemeClr>
-                </a:gs>
-                <a:gs pos="100000">
-                  <a:schemeClr val="accent1">
-                    <a:shade val="100000"/>
-                    <a:satMod val="115000"/>
-                  </a:schemeClr>
-                </a:gs>
-              </a:gsLst>
-              <a:lin ang="10800000" scaled="1"/>
-              <a:tileRect/>
-            </a:gradFill>
-            <a:ln>
-              <a:noFill/>
-            </a:ln>
-          </p:spPr>
-          <p:style>
-            <a:lnRef idx="2">
-              <a:schemeClr val="accent1">
-                <a:shade val="50000"/>
-              </a:schemeClr>
-            </a:lnRef>
-            <a:fillRef idx="1">
-              <a:schemeClr val="accent1"/>
-            </a:fillRef>
-            <a:effectRef idx="0">
-              <a:schemeClr val="accent1"/>
-            </a:effectRef>
-            <a:fontRef idx="minor">
-              <a:schemeClr val="lt1"/>
-            </a:fontRef>
-          </p:style>
-          <p:txBody>
-            <a:bodyPr rtlCol="0" anchor="ctr"/>
-            <a:lstStyle/>
-            <a:p>
-              <a:pPr algn="ctr"/>
-              <a:endParaRPr lang="en-US"/>
-            </a:p>
-          </p:txBody>
-        </p:sp>
-        <p:sp>
-          <p:nvSpPr>
-            <p:cNvPr id="23" name="Trapezoid 22"/>
-            <p:cNvSpPr/>
-            <p:nvPr/>
-          </p:nvSpPr>
-          <p:spPr>
-            <a:xfrm>
-              <a:off x="2340224" y="4355027"/>
-              <a:ext cx="712922" cy="340963"/>
-            </a:xfrm>
-            <a:prstGeom prst="trapezoid">
-              <a:avLst/>
-            </a:prstGeom>
-            <a:gradFill flip="none" rotWithShape="1">
-              <a:gsLst>
-                <a:gs pos="0">
-                  <a:schemeClr val="accent1">
-                    <a:shade val="30000"/>
-                    <a:satMod val="115000"/>
-                  </a:schemeClr>
-                </a:gs>
-                <a:gs pos="50000">
-                  <a:schemeClr val="accent1">
-                    <a:shade val="67500"/>
-                    <a:satMod val="115000"/>
-                  </a:schemeClr>
-                </a:gs>
-                <a:gs pos="100000">
-                  <a:schemeClr val="accent1">
-                    <a:shade val="100000"/>
-                    <a:satMod val="115000"/>
-                  </a:schemeClr>
-                </a:gs>
-              </a:gsLst>
-              <a:lin ang="5400000" scaled="1"/>
-              <a:tileRect/>
-            </a:gradFill>
-            <a:ln>
-              <a:noFill/>
-            </a:ln>
-          </p:spPr>
-          <p:style>
-            <a:lnRef idx="2">
-              <a:schemeClr val="accent1">
-                <a:shade val="50000"/>
-              </a:schemeClr>
-            </a:lnRef>
-            <a:fillRef idx="1">
-              <a:schemeClr val="accent1"/>
-            </a:fillRef>
-            <a:effectRef idx="0">
-              <a:schemeClr val="accent1"/>
-            </a:effectRef>
-            <a:fontRef idx="minor">
-              <a:schemeClr val="lt1"/>
-            </a:fontRef>
-          </p:style>
-          <p:txBody>
-            <a:bodyPr rtlCol="0" anchor="ctr"/>
-            <a:lstStyle/>
-            <a:p>
-              <a:pPr algn="ctr"/>
-              <a:endParaRPr lang="en-US"/>
-            </a:p>
-          </p:txBody>
-        </p:sp>
-        <p:sp>
-          <p:nvSpPr>
-            <p:cNvPr id="24" name="Double Bracket 23"/>
-            <p:cNvSpPr/>
-            <p:nvPr/>
-          </p:nvSpPr>
-          <p:spPr>
-            <a:xfrm flipH="1">
-              <a:off x="2572700" y="3068664"/>
-              <a:ext cx="247973" cy="402956"/>
-            </a:xfrm>
-            <a:prstGeom prst="bracketPair">
-              <a:avLst/>
-            </a:prstGeom>
-          </p:spPr>
-          <p:style>
-            <a:lnRef idx="1">
-              <a:schemeClr val="accent1"/>
-            </a:lnRef>
-            <a:fillRef idx="0">
-              <a:schemeClr val="accent1"/>
-            </a:fillRef>
-            <a:effectRef idx="0">
-              <a:schemeClr val="accent1"/>
-            </a:effectRef>
-            <a:fontRef idx="minor">
-              <a:schemeClr val="tx1"/>
-            </a:fontRef>
-          </p:style>
-          <p:txBody>
-            <a:bodyPr rtlCol="0" anchor="ctr"/>
-            <a:lstStyle/>
-            <a:p>
-              <a:pPr algn="ctr"/>
-              <a:endParaRPr lang="en-US"/>
-            </a:p>
-          </p:txBody>
-        </p:sp>
-        <p:sp>
-          <p:nvSpPr>
-            <p:cNvPr id="25" name="Trapezoid 24"/>
-            <p:cNvSpPr/>
-            <p:nvPr/>
-          </p:nvSpPr>
-          <p:spPr>
-            <a:xfrm>
-              <a:off x="2045756" y="1999283"/>
-              <a:ext cx="1363850" cy="1301857"/>
-            </a:xfrm>
-            <a:prstGeom prst="trapezoid">
-              <a:avLst/>
-            </a:prstGeom>
-            <a:gradFill flip="none" rotWithShape="1">
-              <a:gsLst>
-                <a:gs pos="0">
-                  <a:srgbClr val="FFC000">
-                    <a:tint val="66000"/>
-                    <a:satMod val="160000"/>
-                  </a:srgbClr>
-                </a:gs>
-                <a:gs pos="50000">
-                  <a:srgbClr val="FFC000">
-                    <a:tint val="44500"/>
-                    <a:satMod val="160000"/>
-                  </a:srgbClr>
-                </a:gs>
-                <a:gs pos="100000">
-                  <a:srgbClr val="FFC000">
-                    <a:tint val="23500"/>
-                    <a:satMod val="160000"/>
-                  </a:srgbClr>
-                </a:gs>
-              </a:gsLst>
-              <a:lin ang="2700000" scaled="1"/>
-              <a:tileRect/>
-            </a:gradFill>
-          </p:spPr>
-          <p:style>
-            <a:lnRef idx="2">
-              <a:schemeClr val="accent1">
-                <a:shade val="50000"/>
-              </a:schemeClr>
-            </a:lnRef>
-            <a:fillRef idx="1">
-              <a:schemeClr val="accent1"/>
-            </a:fillRef>
-            <a:effectRef idx="0">
-              <a:schemeClr val="accent1"/>
-            </a:effectRef>
-            <a:fontRef idx="minor">
-              <a:schemeClr val="lt1"/>
-            </a:fontRef>
-          </p:style>
-          <p:txBody>
-            <a:bodyPr rtlCol="0" anchor="ctr"/>
-            <a:lstStyle/>
-            <a:p>
-              <a:pPr algn="ctr"/>
-              <a:endParaRPr lang="en-US"/>
-            </a:p>
-          </p:txBody>
-        </p:sp>
-      </p:grpSp>
-      <p:grpSp>
-        <p:nvGrpSpPr>
-          <p:cNvPr id="7" name="Group 60"/>
-          <p:cNvGrpSpPr/>
-          <p:nvPr/>
-        </p:nvGrpSpPr>
-        <p:grpSpPr>
-          <a:xfrm>
-            <a:off x="4509939" y="1081231"/>
-            <a:ext cx="254051" cy="276835"/>
-            <a:chOff x="4383429" y="1596327"/>
-            <a:chExt cx="638012" cy="836908"/>
-          </a:xfrm>
-        </p:grpSpPr>
-        <p:sp>
-          <p:nvSpPr>
-            <p:cNvPr id="16" name="Oval 15"/>
-            <p:cNvSpPr/>
-            <p:nvPr/>
-          </p:nvSpPr>
-          <p:spPr>
-            <a:xfrm>
-              <a:off x="4383429" y="1764224"/>
-              <a:ext cx="638012" cy="669011"/>
-            </a:xfrm>
-            <a:prstGeom prst="ellipse">
-              <a:avLst/>
-            </a:prstGeom>
-            <a:gradFill flip="none" rotWithShape="1">
-              <a:gsLst>
-                <a:gs pos="32000">
-                  <a:srgbClr val="FFFF00">
-                    <a:tint val="66000"/>
-                    <a:satMod val="160000"/>
-                  </a:srgbClr>
-                </a:gs>
-                <a:gs pos="50000">
-                  <a:srgbClr val="FFFF00">
-                    <a:tint val="44500"/>
-                    <a:satMod val="160000"/>
-                    <a:alpha val="46000"/>
-                  </a:srgbClr>
-                </a:gs>
-                <a:gs pos="100000">
-                  <a:srgbClr val="FFFF00">
-                    <a:tint val="23500"/>
-                    <a:satMod val="160000"/>
-                    <a:alpha val="0"/>
-                  </a:srgbClr>
-                </a:gs>
-                <a:gs pos="66000">
-                  <a:srgbClr val="FFFF00">
-                    <a:tint val="23500"/>
-                    <a:satMod val="160000"/>
-                    <a:alpha val="0"/>
-                  </a:srgbClr>
-                </a:gs>
-              </a:gsLst>
-              <a:path path="circle">
-                <a:fillToRect l="50000" t="50000" r="50000" b="50000"/>
-              </a:path>
-              <a:tileRect/>
-            </a:gradFill>
-            <a:ln>
-              <a:noFill/>
-            </a:ln>
-          </p:spPr>
-          <p:style>
-            <a:lnRef idx="2">
-              <a:schemeClr val="accent1">
-                <a:shade val="50000"/>
-              </a:schemeClr>
-            </a:lnRef>
-            <a:fillRef idx="1">
-              <a:schemeClr val="accent1"/>
-            </a:fillRef>
-            <a:effectRef idx="0">
-              <a:schemeClr val="accent1"/>
-            </a:effectRef>
-            <a:fontRef idx="minor">
-              <a:schemeClr val="lt1"/>
-            </a:fontRef>
-          </p:style>
-          <p:txBody>
-            <a:bodyPr rtlCol="0" anchor="ctr"/>
-            <a:lstStyle/>
-            <a:p>
-              <a:pPr algn="ctr"/>
-              <a:endParaRPr lang="en-US"/>
-            </a:p>
-          </p:txBody>
-        </p:sp>
-        <p:grpSp>
-          <p:nvGrpSpPr>
-            <p:cNvPr id="9" name="Group 55"/>
-            <p:cNvGrpSpPr/>
-            <p:nvPr/>
-          </p:nvGrpSpPr>
-          <p:grpSpPr>
-            <a:xfrm flipV="1">
-              <a:off x="4571992" y="1596327"/>
-              <a:ext cx="291863" cy="663847"/>
-              <a:chOff x="2045756" y="1999283"/>
-              <a:chExt cx="1363850" cy="2696707"/>
-            </a:xfrm>
-          </p:grpSpPr>
-          <p:sp>
-            <p:nvSpPr>
-              <p:cNvPr id="18" name="Flowchart: Terminator 17"/>
-              <p:cNvSpPr/>
-              <p:nvPr/>
-            </p:nvSpPr>
-            <p:spPr>
-              <a:xfrm rot="5400000">
-                <a:off x="2208487" y="3696347"/>
-                <a:ext cx="976396" cy="557939"/>
-              </a:xfrm>
-              <a:prstGeom prst="flowChartTerminator">
-                <a:avLst/>
-              </a:prstGeom>
-              <a:gradFill flip="none" rotWithShape="1">
-                <a:gsLst>
-                  <a:gs pos="0">
-                    <a:schemeClr val="accent1">
-                      <a:shade val="30000"/>
-                      <a:satMod val="115000"/>
-                    </a:schemeClr>
-                  </a:gs>
-                  <a:gs pos="50000">
-                    <a:schemeClr val="accent1">
-                      <a:shade val="67500"/>
-                      <a:satMod val="115000"/>
-                    </a:schemeClr>
-                  </a:gs>
-                  <a:gs pos="100000">
-                    <a:schemeClr val="accent1">
-                      <a:shade val="100000"/>
-                      <a:satMod val="115000"/>
-                    </a:schemeClr>
-                  </a:gs>
-                </a:gsLst>
-                <a:lin ang="10800000" scaled="1"/>
-                <a:tileRect/>
-              </a:gradFill>
-              <a:ln>
-                <a:noFill/>
-              </a:ln>
-            </p:spPr>
-            <p:style>
-              <a:lnRef idx="2">
-                <a:schemeClr val="accent1">
-                  <a:shade val="50000"/>
-                </a:schemeClr>
-              </a:lnRef>
-              <a:fillRef idx="1">
-                <a:schemeClr val="accent1"/>
-              </a:fillRef>
-              <a:effectRef idx="0">
-                <a:schemeClr val="accent1"/>
-              </a:effectRef>
-              <a:fontRef idx="minor">
-                <a:schemeClr val="lt1"/>
-              </a:fontRef>
-            </p:style>
-            <p:txBody>
-              <a:bodyPr rtlCol="0" anchor="ctr"/>
-              <a:lstStyle/>
-              <a:p>
-                <a:pPr algn="ctr"/>
-                <a:endParaRPr lang="en-US"/>
-              </a:p>
-            </p:txBody>
-          </p:sp>
-          <p:sp>
-            <p:nvSpPr>
-              <p:cNvPr id="19" name="Trapezoid 18"/>
-              <p:cNvSpPr/>
-              <p:nvPr/>
-            </p:nvSpPr>
-            <p:spPr>
-              <a:xfrm>
-                <a:off x="2340224" y="4355027"/>
-                <a:ext cx="712922" cy="340963"/>
-              </a:xfrm>
-              <a:prstGeom prst="trapezoid">
-                <a:avLst/>
-              </a:prstGeom>
-              <a:gradFill flip="none" rotWithShape="1">
-                <a:gsLst>
-                  <a:gs pos="0">
-                    <a:schemeClr val="accent1">
-                      <a:shade val="30000"/>
-                      <a:satMod val="115000"/>
-                    </a:schemeClr>
-                  </a:gs>
-                  <a:gs pos="50000">
-                    <a:schemeClr val="accent1">
-                      <a:shade val="67500"/>
-                      <a:satMod val="115000"/>
-                    </a:schemeClr>
-                  </a:gs>
-                  <a:gs pos="100000">
-                    <a:schemeClr val="accent1">
-                      <a:shade val="100000"/>
-                      <a:satMod val="115000"/>
-                    </a:schemeClr>
-                  </a:gs>
-                </a:gsLst>
-                <a:lin ang="5400000" scaled="1"/>
-                <a:tileRect/>
-              </a:gradFill>
-              <a:ln>
-                <a:noFill/>
-              </a:ln>
-            </p:spPr>
-            <p:style>
-              <a:lnRef idx="2">
-                <a:schemeClr val="accent1">
-                  <a:shade val="50000"/>
-                </a:schemeClr>
-              </a:lnRef>
-              <a:fillRef idx="1">
-                <a:schemeClr val="accent1"/>
-              </a:fillRef>
-              <a:effectRef idx="0">
-                <a:schemeClr val="accent1"/>
-              </a:effectRef>
-              <a:fontRef idx="minor">
-                <a:schemeClr val="lt1"/>
-              </a:fontRef>
-            </p:style>
-            <p:txBody>
-              <a:bodyPr rtlCol="0" anchor="ctr"/>
-              <a:lstStyle/>
-              <a:p>
-                <a:pPr algn="ctr"/>
-                <a:endParaRPr lang="en-US"/>
-              </a:p>
-            </p:txBody>
-          </p:sp>
-          <p:sp>
-            <p:nvSpPr>
-              <p:cNvPr id="20" name="Double Bracket 19"/>
-              <p:cNvSpPr/>
-              <p:nvPr/>
-            </p:nvSpPr>
-            <p:spPr>
-              <a:xfrm flipH="1">
-                <a:off x="2572700" y="3068664"/>
-                <a:ext cx="247973" cy="402956"/>
-              </a:xfrm>
-              <a:prstGeom prst="bracketPair">
-                <a:avLst/>
-              </a:prstGeom>
-            </p:spPr>
-            <p:style>
-              <a:lnRef idx="1">
-                <a:schemeClr val="accent1"/>
-              </a:lnRef>
-              <a:fillRef idx="0">
-                <a:schemeClr val="accent1"/>
-              </a:fillRef>
-              <a:effectRef idx="0">
-                <a:schemeClr val="accent1"/>
-              </a:effectRef>
-              <a:fontRef idx="minor">
-                <a:schemeClr val="tx1"/>
-              </a:fontRef>
-            </p:style>
-            <p:txBody>
-              <a:bodyPr rtlCol="0" anchor="ctr"/>
-              <a:lstStyle/>
-              <a:p>
-                <a:pPr algn="ctr"/>
-                <a:endParaRPr lang="en-US"/>
-              </a:p>
-            </p:txBody>
-          </p:sp>
-          <p:sp>
-            <p:nvSpPr>
-              <p:cNvPr id="21" name="Trapezoid 20"/>
-              <p:cNvSpPr/>
-              <p:nvPr/>
-            </p:nvSpPr>
-            <p:spPr>
-              <a:xfrm>
-                <a:off x="2045756" y="1999283"/>
-                <a:ext cx="1363850" cy="1301857"/>
-              </a:xfrm>
-              <a:prstGeom prst="trapezoid">
-                <a:avLst/>
-              </a:prstGeom>
-              <a:gradFill flip="none" rotWithShape="1">
-                <a:gsLst>
-                  <a:gs pos="0">
-                    <a:srgbClr val="FFC000">
-                      <a:tint val="66000"/>
-                      <a:satMod val="160000"/>
-                    </a:srgbClr>
-                  </a:gs>
-                  <a:gs pos="50000">
-                    <a:srgbClr val="FFC000">
-                      <a:tint val="44500"/>
-                      <a:satMod val="160000"/>
-                    </a:srgbClr>
-                  </a:gs>
-                  <a:gs pos="100000">
-                    <a:srgbClr val="FFC000">
-                      <a:tint val="23500"/>
-                      <a:satMod val="160000"/>
-                    </a:srgbClr>
-                  </a:gs>
-                </a:gsLst>
-                <a:lin ang="2700000" scaled="1"/>
-                <a:tileRect/>
-              </a:gradFill>
-            </p:spPr>
-            <p:style>
-              <a:lnRef idx="2">
-                <a:schemeClr val="accent1">
-                  <a:shade val="50000"/>
-                </a:schemeClr>
-              </a:lnRef>
-              <a:fillRef idx="1">
-                <a:schemeClr val="accent1"/>
-              </a:fillRef>
-              <a:effectRef idx="0">
-                <a:schemeClr val="accent1"/>
-              </a:effectRef>
-              <a:fontRef idx="minor">
-                <a:schemeClr val="lt1"/>
-              </a:fontRef>
-            </p:style>
-            <p:txBody>
-              <a:bodyPr rtlCol="0" anchor="ctr"/>
-              <a:lstStyle/>
-              <a:p>
-                <a:pPr algn="ctr"/>
-                <a:endParaRPr lang="en-US"/>
-              </a:p>
-            </p:txBody>
-          </p:sp>
-        </p:grpSp>
-      </p:grpSp>
-      <p:grpSp>
-        <p:nvGrpSpPr>
-          <p:cNvPr id="10" name="Group 56"/>
-          <p:cNvGrpSpPr/>
-          <p:nvPr/>
-        </p:nvGrpSpPr>
-        <p:grpSpPr>
-          <a:xfrm>
-            <a:off x="1263649" y="456825"/>
-            <a:ext cx="3339643" cy="850690"/>
-            <a:chOff x="1828800" y="1771650"/>
-            <a:chExt cx="5500688" cy="1619250"/>
-          </a:xfrm>
-        </p:grpSpPr>
-        <p:cxnSp>
-          <p:nvCxnSpPr>
-            <p:cNvPr id="27" name="Straight Connector 26"/>
-            <p:cNvCxnSpPr/>
-            <p:nvPr/>
-          </p:nvCxnSpPr>
-          <p:spPr>
-            <a:xfrm>
-              <a:off x="1828800" y="1771650"/>
-              <a:ext cx="3390900" cy="804863"/>
-            </a:xfrm>
-            <a:prstGeom prst="line">
-              <a:avLst/>
-            </a:prstGeom>
-            <a:ln>
-              <a:solidFill>
-                <a:srgbClr val="FF0000"/>
-              </a:solidFill>
-            </a:ln>
-          </p:spPr>
-          <p:style>
-            <a:lnRef idx="1">
-              <a:schemeClr val="accent1"/>
-            </a:lnRef>
-            <a:fillRef idx="0">
-              <a:schemeClr val="accent1"/>
-            </a:fillRef>
-            <a:effectRef idx="0">
-              <a:schemeClr val="accent1"/>
-            </a:effectRef>
-            <a:fontRef idx="minor">
-              <a:schemeClr val="tx1"/>
-            </a:fontRef>
-          </p:style>
-        </p:cxnSp>
-        <p:cxnSp>
-          <p:nvCxnSpPr>
-            <p:cNvPr id="28" name="Straight Connector 27"/>
-            <p:cNvCxnSpPr/>
-            <p:nvPr/>
-          </p:nvCxnSpPr>
-          <p:spPr>
-            <a:xfrm>
-              <a:off x="5226962" y="2579821"/>
-              <a:ext cx="265226" cy="124311"/>
-            </a:xfrm>
-            <a:prstGeom prst="line">
-              <a:avLst/>
-            </a:prstGeom>
-            <a:ln>
-              <a:solidFill>
-                <a:srgbClr val="FF0000"/>
-              </a:solidFill>
-            </a:ln>
-          </p:spPr>
-          <p:style>
-            <a:lnRef idx="1">
-              <a:schemeClr val="accent1"/>
-            </a:lnRef>
-            <a:fillRef idx="0">
-              <a:schemeClr val="accent1"/>
-            </a:fillRef>
-            <a:effectRef idx="0">
-              <a:schemeClr val="accent1"/>
-            </a:effectRef>
-            <a:fontRef idx="minor">
-              <a:schemeClr val="tx1"/>
-            </a:fontRef>
-          </p:style>
-        </p:cxnSp>
-        <p:cxnSp>
-          <p:nvCxnSpPr>
-            <p:cNvPr id="30" name="Straight Connector 29"/>
-            <p:cNvCxnSpPr/>
-            <p:nvPr/>
-          </p:nvCxnSpPr>
-          <p:spPr>
-            <a:xfrm>
-              <a:off x="5505450" y="2709883"/>
-              <a:ext cx="261933" cy="133328"/>
-            </a:xfrm>
-            <a:prstGeom prst="line">
-              <a:avLst/>
-            </a:prstGeom>
-            <a:ln>
-              <a:solidFill>
-                <a:srgbClr val="FF0000"/>
-              </a:solidFill>
-            </a:ln>
-          </p:spPr>
-          <p:style>
-            <a:lnRef idx="1">
-              <a:schemeClr val="accent1"/>
-            </a:lnRef>
-            <a:fillRef idx="0">
-              <a:schemeClr val="accent1"/>
-            </a:fillRef>
-            <a:effectRef idx="0">
-              <a:schemeClr val="accent1"/>
-            </a:effectRef>
-            <a:fontRef idx="minor">
-              <a:schemeClr val="tx1"/>
-            </a:fontRef>
-          </p:style>
-        </p:cxnSp>
-        <p:cxnSp>
-          <p:nvCxnSpPr>
-            <p:cNvPr id="50" name="Straight Connector 49"/>
-            <p:cNvCxnSpPr/>
-            <p:nvPr/>
-          </p:nvCxnSpPr>
-          <p:spPr>
-            <a:xfrm>
-              <a:off x="5772151" y="2852759"/>
-              <a:ext cx="1557337" cy="538141"/>
-            </a:xfrm>
-            <a:prstGeom prst="line">
-              <a:avLst/>
-            </a:prstGeom>
-            <a:ln>
-              <a:solidFill>
-                <a:srgbClr val="FF0000"/>
-              </a:solidFill>
-            </a:ln>
-          </p:spPr>
-          <p:style>
-            <a:lnRef idx="1">
-              <a:schemeClr val="accent1"/>
-            </a:lnRef>
-            <a:fillRef idx="0">
-              <a:schemeClr val="accent1"/>
-            </a:fillRef>
-            <a:effectRef idx="0">
-              <a:schemeClr val="accent1"/>
-            </a:effectRef>
-            <a:fontRef idx="minor">
-              <a:schemeClr val="tx1"/>
-            </a:fontRef>
-          </p:style>
-        </p:cxnSp>
-      </p:grpSp>
-      <p:grpSp>
-        <p:nvGrpSpPr>
-          <p:cNvPr id="11" name="Group 57"/>
-          <p:cNvGrpSpPr/>
-          <p:nvPr/>
-        </p:nvGrpSpPr>
-        <p:grpSpPr>
-          <a:xfrm flipV="1">
-            <a:off x="1278106" y="1062316"/>
-            <a:ext cx="3339643" cy="850690"/>
-            <a:chOff x="1828800" y="1771650"/>
-            <a:chExt cx="5500688" cy="1619250"/>
-          </a:xfrm>
-        </p:grpSpPr>
-        <p:cxnSp>
-          <p:nvCxnSpPr>
-            <p:cNvPr id="59" name="Straight Connector 58"/>
-            <p:cNvCxnSpPr/>
-            <p:nvPr/>
-          </p:nvCxnSpPr>
-          <p:spPr>
-            <a:xfrm>
-              <a:off x="1828800" y="1771650"/>
-              <a:ext cx="3390900" cy="804863"/>
-            </a:xfrm>
-            <a:prstGeom prst="line">
-              <a:avLst/>
-            </a:prstGeom>
-            <a:ln>
-              <a:solidFill>
-                <a:srgbClr val="FF0000"/>
-              </a:solidFill>
-            </a:ln>
-          </p:spPr>
-          <p:style>
-            <a:lnRef idx="1">
-              <a:schemeClr val="accent1"/>
-            </a:lnRef>
-            <a:fillRef idx="0">
-              <a:schemeClr val="accent1"/>
-            </a:fillRef>
-            <a:effectRef idx="0">
-              <a:schemeClr val="accent1"/>
-            </a:effectRef>
-            <a:fontRef idx="minor">
-              <a:schemeClr val="tx1"/>
-            </a:fontRef>
-          </p:style>
-        </p:cxnSp>
-        <p:cxnSp>
-          <p:nvCxnSpPr>
-            <p:cNvPr id="60" name="Straight Connector 59"/>
-            <p:cNvCxnSpPr/>
-            <p:nvPr/>
-          </p:nvCxnSpPr>
-          <p:spPr>
-            <a:xfrm>
-              <a:off x="5226962" y="2579821"/>
-              <a:ext cx="265226" cy="124311"/>
-            </a:xfrm>
-            <a:prstGeom prst="line">
-              <a:avLst/>
-            </a:prstGeom>
-            <a:ln>
-              <a:solidFill>
-                <a:srgbClr val="FF0000"/>
-              </a:solidFill>
-            </a:ln>
-          </p:spPr>
-          <p:style>
-            <a:lnRef idx="1">
-              <a:schemeClr val="accent1"/>
-            </a:lnRef>
-            <a:fillRef idx="0">
-              <a:schemeClr val="accent1"/>
-            </a:fillRef>
-            <a:effectRef idx="0">
-              <a:schemeClr val="accent1"/>
-            </a:effectRef>
-            <a:fontRef idx="minor">
-              <a:schemeClr val="tx1"/>
-            </a:fontRef>
-          </p:style>
-        </p:cxnSp>
-        <p:cxnSp>
-          <p:nvCxnSpPr>
-            <p:cNvPr id="61" name="Straight Connector 60"/>
-            <p:cNvCxnSpPr/>
-            <p:nvPr/>
-          </p:nvCxnSpPr>
-          <p:spPr>
-            <a:xfrm>
-              <a:off x="5505450" y="2709883"/>
-              <a:ext cx="261933" cy="133328"/>
-            </a:xfrm>
-            <a:prstGeom prst="line">
-              <a:avLst/>
-            </a:prstGeom>
-            <a:ln>
-              <a:solidFill>
-                <a:srgbClr val="FF0000"/>
-              </a:solidFill>
-            </a:ln>
-          </p:spPr>
-          <p:style>
-            <a:lnRef idx="1">
-              <a:schemeClr val="accent1"/>
-            </a:lnRef>
-            <a:fillRef idx="0">
-              <a:schemeClr val="accent1"/>
-            </a:fillRef>
-            <a:effectRef idx="0">
-              <a:schemeClr val="accent1"/>
-            </a:effectRef>
-            <a:fontRef idx="minor">
-              <a:schemeClr val="tx1"/>
-            </a:fontRef>
-          </p:style>
-        </p:cxnSp>
-        <p:cxnSp>
-          <p:nvCxnSpPr>
-            <p:cNvPr id="62" name="Straight Connector 61"/>
-            <p:cNvCxnSpPr/>
-            <p:nvPr/>
-          </p:nvCxnSpPr>
-          <p:spPr>
-            <a:xfrm>
-              <a:off x="5772151" y="2852759"/>
-              <a:ext cx="1557337" cy="538141"/>
-            </a:xfrm>
-            <a:prstGeom prst="line">
-              <a:avLst/>
-            </a:prstGeom>
-            <a:ln>
-              <a:solidFill>
-                <a:srgbClr val="FF0000"/>
-              </a:solidFill>
-            </a:ln>
-          </p:spPr>
-          <p:style>
-            <a:lnRef idx="1">
-              <a:schemeClr val="accent1"/>
-            </a:lnRef>
-            <a:fillRef idx="0">
-              <a:schemeClr val="accent1"/>
-            </a:fillRef>
-            <a:effectRef idx="0">
-              <a:schemeClr val="accent1"/>
-            </a:effectRef>
-            <a:fontRef idx="minor">
-              <a:schemeClr val="tx1"/>
-            </a:fontRef>
-          </p:style>
-        </p:cxnSp>
-      </p:grpSp>
-      <p:sp>
-        <p:nvSpPr>
           <p:cNvPr id="70" name="Oval 69"/>
           <p:cNvSpPr/>
           <p:nvPr/>
@@ -11826,6 +8171,203 @@
 </p:sld>
 </file>
 
+<file path=ppt/slides/slide11.xml><?xml version="1.0" encoding="utf-8"?>
+<p:sld xmlns:a="http://schemas.openxmlformats.org/drawingml/2006/main" xmlns:r="http://schemas.openxmlformats.org/officeDocument/2006/relationships" xmlns:p="http://schemas.openxmlformats.org/presentationml/2006/main">
+  <p:cSld>
+    <p:spTree>
+      <p:nvGrpSpPr>
+        <p:cNvPr id="1" name=""/>
+        <p:cNvGrpSpPr/>
+        <p:nvPr/>
+      </p:nvGrpSpPr>
+      <p:grpSpPr>
+        <a:xfrm>
+          <a:off x="0" y="0"/>
+          <a:ext cx="0" cy="0"/>
+          <a:chOff x="0" y="0"/>
+          <a:chExt cx="0" cy="0"/>
+        </a:xfrm>
+      </p:grpSpPr>
+      <p:sp>
+        <p:nvSpPr>
+          <p:cNvPr id="30723" name="Rectangle 2"/>
+          <p:cNvSpPr>
+            <a:spLocks noGrp="1" noChangeArrowheads="1"/>
+          </p:cNvSpPr>
+          <p:nvPr>
+            <p:ph type="title"/>
+          </p:nvPr>
+        </p:nvSpPr>
+        <p:spPr>
+          <a:xfrm>
+            <a:off x="381000" y="228600"/>
+            <a:ext cx="8229600" cy="563563"/>
+          </a:xfrm>
+        </p:spPr>
+        <p:txBody>
+          <a:bodyPr>
+            <a:normAutofit fontScale="90000"/>
+          </a:bodyPr>
+          <a:lstStyle/>
+          <a:p>
+            <a:r>
+              <a:rPr lang="en-US" sz="3200"/>
+              <a:t>Myopia and Other Refractive Errors</a:t>
+            </a:r>
+          </a:p>
+        </p:txBody>
+      </p:sp>
+      <p:sp>
+        <p:nvSpPr>
+          <p:cNvPr id="30724" name="Rectangle 3"/>
+          <p:cNvSpPr>
+            <a:spLocks noGrp="1" noChangeArrowheads="1"/>
+          </p:cNvSpPr>
+          <p:nvPr>
+            <p:ph type="body" idx="1"/>
+          </p:nvPr>
+        </p:nvSpPr>
+        <p:spPr>
+          <a:xfrm>
+            <a:off x="228600" y="1143000"/>
+            <a:ext cx="4191000" cy="5105400"/>
+          </a:xfrm>
+        </p:spPr>
+        <p:txBody>
+          <a:bodyPr>
+            <a:normAutofit lnSpcReduction="10000"/>
+          </a:bodyPr>
+          <a:lstStyle/>
+          <a:p>
+            <a:r>
+              <a:rPr lang="en-US" sz="2400" dirty="0" err="1">
+                <a:solidFill>
+                  <a:srgbClr val="00B050"/>
+                </a:solidFill>
+              </a:rPr>
+              <a:t>Presbyopia</a:t>
+            </a:r>
+            <a:r>
+              <a:rPr lang="en-US" sz="2400" dirty="0"/>
+              <a:t> - degeneration of accommodation</a:t>
+            </a:r>
+          </a:p>
+          <a:p>
+            <a:pPr lvl="1"/>
+            <a:r>
+              <a:rPr lang="en-US" sz="2000" dirty="0"/>
+              <a:t>Lens becomes less flexible with age probably because new cells are being generated but old ones are not being destroyed.</a:t>
+            </a:r>
+          </a:p>
+          <a:p>
+            <a:pPr lvl="1"/>
+            <a:r>
+              <a:rPr lang="en-US" sz="2000" dirty="0"/>
+              <a:t>Near point of vision has increased past 9 inches</a:t>
+            </a:r>
+          </a:p>
+          <a:p>
+            <a:pPr lvl="1"/>
+            <a:r>
+              <a:rPr lang="en-US" sz="2000" dirty="0"/>
+              <a:t>Generally develops after 40 years or in people who do fine, close work.</a:t>
+            </a:r>
+          </a:p>
+          <a:p>
+            <a:pPr lvl="1"/>
+            <a:r>
+              <a:rPr lang="en-US" sz="2000" dirty="0"/>
+              <a:t>What is your near point of vision?</a:t>
+            </a:r>
+          </a:p>
+          <a:p>
+            <a:r>
+              <a:rPr lang="en-US" sz="2400" dirty="0"/>
+              <a:t>Corrected by “reading glasses” or bifocal glasses used only for close work.</a:t>
+            </a:r>
+            <a:endParaRPr lang="en-US" dirty="0"/>
+          </a:p>
+        </p:txBody>
+      </p:sp>
+      <p:pic>
+        <p:nvPicPr>
+          <p:cNvPr id="5" name="Picture 4">
+            <a:extLst>
+              <a:ext uri="{FF2B5EF4-FFF2-40B4-BE49-F238E27FC236}">
+                <a16:creationId xmlns:a16="http://schemas.microsoft.com/office/drawing/2014/main" id="{C2C65C73-B7B1-DCC6-C351-7C7A1CEC3A46}"/>
+              </a:ext>
+            </a:extLst>
+          </p:cNvPr>
+          <p:cNvPicPr>
+            <a:picLocks noChangeAspect="1"/>
+          </p:cNvPicPr>
+          <p:nvPr/>
+        </p:nvPicPr>
+        <p:blipFill>
+          <a:blip r:embed="rId3"/>
+          <a:srcRect l="23529" t="14597" r="45882"/>
+          <a:stretch/>
+        </p:blipFill>
+        <p:spPr>
+          <a:xfrm>
+            <a:off x="4572000" y="813956"/>
+            <a:ext cx="3840480" cy="5763487"/>
+          </a:xfrm>
+          <a:prstGeom prst="rect">
+            <a:avLst/>
+          </a:prstGeom>
+        </p:spPr>
+      </p:pic>
+      <p:sp>
+        <p:nvSpPr>
+          <p:cNvPr id="3" name="TextBox 2">
+            <a:extLst>
+              <a:ext uri="{FF2B5EF4-FFF2-40B4-BE49-F238E27FC236}">
+                <a16:creationId xmlns:a16="http://schemas.microsoft.com/office/drawing/2014/main" id="{942DE97E-4AB4-A8E7-E070-122B89FF78F1}"/>
+              </a:ext>
+            </a:extLst>
+          </p:cNvPr>
+          <p:cNvSpPr txBox="1"/>
+          <p:nvPr/>
+        </p:nvSpPr>
+        <p:spPr>
+          <a:xfrm>
+            <a:off x="4038600" y="6438943"/>
+            <a:ext cx="4572000" cy="276999"/>
+          </a:xfrm>
+          <a:prstGeom prst="rect">
+            <a:avLst/>
+          </a:prstGeom>
+          <a:noFill/>
+        </p:spPr>
+        <p:txBody>
+          <a:bodyPr wrap="square">
+            <a:spAutoFit/>
+          </a:bodyPr>
+          <a:lstStyle/>
+          <a:p>
+            <a:r>
+              <a:rPr lang="en-US" sz="1200" b="0" i="0" dirty="0">
+                <a:solidFill>
+                  <a:srgbClr val="202122"/>
+                </a:solidFill>
+                <a:effectLst/>
+                <a:latin typeface="Arial" panose="020B0604020202020204" pitchFamily="34" charset="0"/>
+              </a:rPr>
+              <a:t>https://www.ncbi.nlm.nih.gov/pmc/articles/PMC1318318/?page=6</a:t>
+            </a:r>
+            <a:endParaRPr lang="en-US" sz="1200" dirty="0"/>
+          </a:p>
+        </p:txBody>
+      </p:sp>
+    </p:spTree>
+  </p:cSld>
+  <p:clrMapOvr>
+    <a:masterClrMapping/>
+  </p:clrMapOvr>
+</p:sld>
+</file>
+
 <file path=ppt/slides/slide12.xml><?xml version="1.0" encoding="utf-8"?>
 <p:sld xmlns:a="http://schemas.openxmlformats.org/drawingml/2006/main" xmlns:r="http://schemas.openxmlformats.org/officeDocument/2006/relationships" xmlns:p="http://schemas.openxmlformats.org/presentationml/2006/main">
   <p:cSld>
@@ -11843,136 +8385,137 @@
           <a:chExt cx="0" cy="0"/>
         </a:xfrm>
       </p:grpSpPr>
-      <p:pic>
-        <p:nvPicPr>
-          <p:cNvPr id="30722" name="Picture 4" descr="neuro4e-box-11-a(2)-0"/>
-          <p:cNvPicPr>
-            <a:picLocks noChangeAspect="1" noChangeArrowheads="1"/>
-          </p:cNvPicPr>
-          <p:nvPr/>
-        </p:nvPicPr>
-        <p:blipFill>
-          <a:blip r:embed="rId3" cstate="print"/>
-          <a:srcRect/>
-          <a:stretch>
-            <a:fillRect/>
-          </a:stretch>
-        </p:blipFill>
-        <p:spPr bwMode="auto">
-          <a:xfrm>
-            <a:off x="4495800" y="2133600"/>
-            <a:ext cx="4271963" cy="3209925"/>
-          </a:xfrm>
-          <a:prstGeom prst="rect">
-            <a:avLst/>
-          </a:prstGeom>
-          <a:noFill/>
-          <a:ln w="9525">
-            <a:noFill/>
-            <a:miter lim="800000"/>
-            <a:headEnd/>
-            <a:tailEnd/>
-          </a:ln>
-        </p:spPr>
-      </p:pic>
-      <p:sp>
-        <p:nvSpPr>
-          <p:cNvPr id="30723" name="Rectangle 2"/>
+      <p:sp>
+        <p:nvSpPr>
+          <p:cNvPr id="3" name="Title 2"/>
           <p:cNvSpPr>
-            <a:spLocks noGrp="1" noChangeArrowheads="1"/>
+            <a:spLocks noGrp="1"/>
           </p:cNvSpPr>
           <p:nvPr>
             <p:ph type="title"/>
           </p:nvPr>
         </p:nvSpPr>
-        <p:spPr>
-          <a:xfrm>
-            <a:off x="381000" y="228600"/>
-            <a:ext cx="8229600" cy="563563"/>
-          </a:xfrm>
-        </p:spPr>
-        <p:txBody>
-          <a:bodyPr>
-            <a:normAutofit fontScale="90000"/>
-          </a:bodyPr>
+        <p:spPr/>
+        <p:txBody>
+          <a:bodyPr/>
           <a:lstStyle/>
           <a:p>
             <a:r>
-              <a:rPr lang="en-US" sz="3200"/>
-              <a:t>Myopia and Other Refractive Errors</a:t>
-            </a:r>
-          </a:p>
-        </p:txBody>
-      </p:sp>
-      <p:sp>
-        <p:nvSpPr>
-          <p:cNvPr id="30724" name="Rectangle 3"/>
+              <a:rPr lang="en-US" dirty="0"/>
+              <a:t>Question 223.18.4</a:t>
+            </a:r>
+          </a:p>
+        </p:txBody>
+      </p:sp>
+      <p:sp>
+        <p:nvSpPr>
+          <p:cNvPr id="4" name="Content Placeholder 3"/>
           <p:cNvSpPr>
-            <a:spLocks noGrp="1" noChangeArrowheads="1"/>
+            <a:spLocks noGrp="1"/>
           </p:cNvSpPr>
           <p:nvPr>
-            <p:ph type="body" idx="1"/>
+            <p:ph idx="1"/>
           </p:nvPr>
         </p:nvSpPr>
-        <p:spPr>
-          <a:xfrm>
-            <a:off x="228600" y="1143000"/>
-            <a:ext cx="4191000" cy="5105400"/>
-          </a:xfrm>
-        </p:spPr>
-        <p:txBody>
-          <a:bodyPr>
-            <a:normAutofit lnSpcReduction="10000"/>
-          </a:bodyPr>
+        <p:spPr/>
+        <p:txBody>
+          <a:bodyPr/>
           <a:lstStyle/>
           <a:p>
-            <a:r>
-              <a:rPr lang="en-US" sz="2400" dirty="0" err="1">
-                <a:solidFill>
-                  <a:srgbClr val="00B050"/>
-                </a:solidFill>
-              </a:rPr>
-              <a:t>Presbyopia</a:t>
-            </a:r>
-            <a:r>
-              <a:rPr lang="en-US" sz="2400" dirty="0"/>
-              <a:t> - degeneration of accommodation</a:t>
-            </a:r>
-          </a:p>
-          <a:p>
-            <a:pPr lvl="1"/>
-            <a:r>
-              <a:rPr lang="en-US" sz="2000" dirty="0"/>
-              <a:t>Lens becomes less flexible with age probably because new cells are being generated but old ones are not being destroyed.</a:t>
-            </a:r>
-          </a:p>
-          <a:p>
-            <a:pPr lvl="1"/>
-            <a:r>
-              <a:rPr lang="en-US" sz="2000" dirty="0"/>
-              <a:t>Near point of vision has increased past 9 inches</a:t>
-            </a:r>
-          </a:p>
-          <a:p>
-            <a:pPr lvl="1"/>
-            <a:r>
-              <a:rPr lang="en-US" sz="2000" dirty="0"/>
-              <a:t>Generally develops after 40 years or in people who do fine, close work.</a:t>
-            </a:r>
-          </a:p>
-          <a:p>
-            <a:pPr lvl="1"/>
-            <a:r>
-              <a:rPr lang="en-US" sz="2000" dirty="0"/>
-              <a:t>What is your near point of vision?</a:t>
-            </a:r>
-          </a:p>
-          <a:p>
-            <a:r>
-              <a:rPr lang="en-US" sz="2400" dirty="0"/>
-              <a:t>Corrected by “reading glasses” or bifocal glasses used only for close work.</a:t>
-            </a:r>
-            <a:endParaRPr lang="en-US" dirty="0"/>
+            <a:pPr>
+              <a:buNone/>
+            </a:pPr>
+            <a:r>
+              <a:rPr lang="en-US" dirty="0"/>
+              <a:t>What is the power (in </a:t>
+            </a:r>
+            <a:r>
+              <a:rPr lang="en-US" dirty="0" err="1"/>
+              <a:t>Diopters</a:t>
+            </a:r>
+            <a:r>
+              <a:rPr lang="en-US" dirty="0"/>
+              <a:t>) of a lens with a focal distance of 0.5m?</a:t>
+            </a:r>
+          </a:p>
+          <a:p>
+            <a:pPr marL="514350" indent="-514350">
+              <a:buFont typeface="+mj-lt"/>
+              <a:buAutoNum type="alphaLcParenR"/>
+            </a:pPr>
+            <a:r>
+              <a:rPr lang="en-US" dirty="0"/>
+              <a:t>5</a:t>
+            </a:r>
+          </a:p>
+          <a:p>
+            <a:pPr marL="514350" indent="-514350">
+              <a:buFont typeface="+mj-lt"/>
+              <a:buAutoNum type="alphaLcParenR"/>
+            </a:pPr>
+            <a:r>
+              <a:rPr lang="en-US" dirty="0"/>
+              <a:t>4</a:t>
+            </a:r>
+          </a:p>
+          <a:p>
+            <a:pPr marL="514350" indent="-514350">
+              <a:buFont typeface="+mj-lt"/>
+              <a:buAutoNum type="alphaLcParenR"/>
+            </a:pPr>
+            <a:r>
+              <a:rPr lang="en-US" dirty="0"/>
+              <a:t>3</a:t>
+            </a:r>
+          </a:p>
+          <a:p>
+            <a:pPr marL="514350" indent="-514350">
+              <a:buFont typeface="+mj-lt"/>
+              <a:buAutoNum type="alphaLcParenR"/>
+            </a:pPr>
+            <a:r>
+              <a:rPr lang="en-US" dirty="0"/>
+              <a:t>2</a:t>
+            </a:r>
+          </a:p>
+          <a:p>
+            <a:pPr marL="514350" indent="-514350">
+              <a:buFont typeface="+mj-lt"/>
+              <a:buAutoNum type="alphaLcParenR"/>
+            </a:pPr>
+            <a:r>
+              <a:rPr lang="en-US" dirty="0"/>
+              <a:t>1</a:t>
+            </a:r>
+          </a:p>
+        </p:txBody>
+      </p:sp>
+      <p:sp>
+        <p:nvSpPr>
+          <p:cNvPr id="2" name="Slide Number Placeholder 1"/>
+          <p:cNvSpPr>
+            <a:spLocks noGrp="1"/>
+          </p:cNvSpPr>
+          <p:nvPr>
+            <p:ph type="sldNum" sz="quarter" idx="12"/>
+          </p:nvPr>
+        </p:nvSpPr>
+        <p:spPr/>
+        <p:txBody>
+          <a:bodyPr/>
+          <a:lstStyle/>
+          <a:p>
+            <a:pPr>
+              <a:defRPr/>
+            </a:pPr>
+            <a:fld id="{7AD10819-D402-4D92-A9F3-11EFF80A1266}" type="slidenum">
+              <a:rPr lang="en-US" smtClean="0"/>
+              <a:pPr>
+                <a:defRPr/>
+              </a:pPr>
+              <a:t>12</a:t>
+            </a:fld>
+            <a:endParaRPr lang="en-US"/>
           </a:p>
         </p:txBody>
       </p:sp>
@@ -12018,7 +8561,7 @@
           <a:p>
             <a:r>
               <a:rPr lang="en-US" dirty="0"/>
-              <a:t>Question 223.18.4</a:t>
+              <a:t>Question 223.18.3</a:t>
             </a:r>
           </a:p>
         </p:txBody>
@@ -12043,15 +8586,7 @@
             </a:pPr>
             <a:r>
               <a:rPr lang="en-US" dirty="0"/>
-              <a:t>What is the power (in </a:t>
-            </a:r>
-            <a:r>
-              <a:rPr lang="en-US" dirty="0" err="1"/>
-              <a:t>Diopters</a:t>
-            </a:r>
-            <a:r>
-              <a:rPr lang="en-US" dirty="0"/>
-              <a:t>) of a lens with a focal distance of 0.5m?</a:t>
+              <a:t>What do we call the position of the closest thing we can see?</a:t>
             </a:r>
           </a:p>
           <a:p>
@@ -12061,7 +8596,7 @@
             </a:pPr>
             <a:r>
               <a:rPr lang="en-US" dirty="0"/>
-              <a:t>5</a:t>
+              <a:t>Near point</a:t>
             </a:r>
           </a:p>
           <a:p>
@@ -12071,7 +8606,7 @@
             </a:pPr>
             <a:r>
               <a:rPr lang="en-US" dirty="0"/>
-              <a:t>4</a:t>
+              <a:t>Far point</a:t>
             </a:r>
           </a:p>
           <a:p>
@@ -12081,7 +8616,7 @@
             </a:pPr>
             <a:r>
               <a:rPr lang="en-US" dirty="0"/>
-              <a:t>3</a:t>
+              <a:t>Squint point</a:t>
             </a:r>
           </a:p>
           <a:p>
@@ -12091,17 +8626,7 @@
             </a:pPr>
             <a:r>
               <a:rPr lang="en-US" dirty="0"/>
-              <a:t>2</a:t>
-            </a:r>
-          </a:p>
-          <a:p>
-            <a:pPr marL="514350" indent="-514350">
-              <a:buFont typeface="+mj-lt"/>
-              <a:buAutoNum type="alphaLcParenR"/>
-            </a:pPr>
-            <a:r>
-              <a:rPr lang="en-US" dirty="0"/>
-              <a:t>1</a:t>
+              <a:t>conjunctiva</a:t>
             </a:r>
           </a:p>
         </p:txBody>
@@ -12162,11 +8687,35 @@
       </p:grpSpPr>
       <p:sp>
         <p:nvSpPr>
-          <p:cNvPr id="3" name="Title 2"/>
+          <p:cNvPr id="9218" name="Footer Placeholder 4"/>
           <p:cNvSpPr>
             <a:spLocks noGrp="1"/>
           </p:cNvSpPr>
           <p:nvPr>
+            <p:ph type="ftr" sz="quarter" idx="11"/>
+          </p:nvPr>
+        </p:nvSpPr>
+        <p:spPr>
+          <a:noFill/>
+        </p:spPr>
+        <p:txBody>
+          <a:bodyPr/>
+          <a:lstStyle/>
+          <a:p>
+            <a:r>
+              <a:rPr lang="en-US"/>
+              <a:t>R. Todd Lines</a:t>
+            </a:r>
+          </a:p>
+        </p:txBody>
+      </p:sp>
+      <p:sp>
+        <p:nvSpPr>
+          <p:cNvPr id="9219" name="Rectangle 2"/>
+          <p:cNvSpPr>
+            <a:spLocks noGrp="1" noChangeArrowheads="1"/>
+          </p:cNvSpPr>
+          <p:nvPr>
             <p:ph type="title"/>
           </p:nvPr>
         </p:nvSpPr>
@@ -12175,21 +8724,22 @@
           <a:bodyPr/>
           <a:lstStyle/>
           <a:p>
-            <a:r>
-              <a:rPr lang="en-US" dirty="0"/>
-              <a:t>Question 223.18.3</a:t>
-            </a:r>
-          </a:p>
-        </p:txBody>
-      </p:sp>
-      <p:sp>
-        <p:nvSpPr>
-          <p:cNvPr id="4" name="Content Placeholder 3"/>
+            <a:pPr eaLnBrk="1" hangingPunct="1"/>
+            <a:r>
+              <a:rPr lang="en-US"/>
+              <a:t>Simple Magnifier</a:t>
+            </a:r>
+          </a:p>
+        </p:txBody>
+      </p:sp>
+      <p:sp>
+        <p:nvSpPr>
+          <p:cNvPr id="9220" name="Rectangle 3"/>
           <p:cNvSpPr>
-            <a:spLocks noGrp="1"/>
+            <a:spLocks noGrp="1" noChangeArrowheads="1"/>
           </p:cNvSpPr>
           <p:nvPr>
-            <p:ph idx="1"/>
+            <p:ph type="body" idx="1"/>
           </p:nvPr>
         </p:nvSpPr>
         <p:spPr/>
@@ -12197,81 +8747,32 @@
           <a:bodyPr/>
           <a:lstStyle/>
           <a:p>
-            <a:pPr>
-              <a:buNone/>
-            </a:pPr>
-            <a:r>
-              <a:rPr lang="en-US" dirty="0"/>
-              <a:t>What do we call the position of the closest thing we can see?</a:t>
-            </a:r>
-          </a:p>
-          <a:p>
-            <a:pPr marL="514350" indent="-514350">
-              <a:buFont typeface="+mj-lt"/>
-              <a:buAutoNum type="alphaLcParenR"/>
-            </a:pPr>
-            <a:r>
-              <a:rPr lang="en-US" dirty="0"/>
-              <a:t>Near point</a:t>
-            </a:r>
-          </a:p>
-          <a:p>
-            <a:pPr marL="514350" indent="-514350">
-              <a:buFont typeface="+mj-lt"/>
-              <a:buAutoNum type="alphaLcParenR"/>
-            </a:pPr>
-            <a:r>
-              <a:rPr lang="en-US" dirty="0"/>
-              <a:t>Far point</a:t>
-            </a:r>
-          </a:p>
-          <a:p>
-            <a:pPr marL="514350" indent="-514350">
-              <a:buFont typeface="+mj-lt"/>
-              <a:buAutoNum type="alphaLcParenR"/>
-            </a:pPr>
-            <a:r>
-              <a:rPr lang="en-US" dirty="0"/>
-              <a:t>Squint point</a:t>
-            </a:r>
-          </a:p>
-          <a:p>
-            <a:pPr marL="514350" indent="-514350">
-              <a:buFont typeface="+mj-lt"/>
-              <a:buAutoNum type="alphaLcParenR"/>
-            </a:pPr>
-            <a:r>
-              <a:rPr lang="en-US" dirty="0"/>
-              <a:t>conjunctiva</a:t>
-            </a:r>
-          </a:p>
-        </p:txBody>
-      </p:sp>
-      <p:sp>
-        <p:nvSpPr>
-          <p:cNvPr id="2" name="Slide Number Placeholder 1"/>
-          <p:cNvSpPr>
-            <a:spLocks noGrp="1"/>
-          </p:cNvSpPr>
-          <p:nvPr>
-            <p:ph type="sldNum" sz="quarter" idx="12"/>
-          </p:nvPr>
-        </p:nvSpPr>
-        <p:spPr/>
-        <p:txBody>
-          <a:bodyPr/>
-          <a:lstStyle/>
-          <a:p>
-            <a:pPr>
-              <a:defRPr/>
-            </a:pPr>
-            <a:fld id="{7AD10819-D402-4D92-A9F3-11EFF80A1266}" type="slidenum">
-              <a:rPr lang="en-US" smtClean="0"/>
-              <a:pPr>
-                <a:defRPr/>
-              </a:pPr>
-              <a:t>14</a:t>
-            </a:fld>
+            <a:pPr eaLnBrk="1" hangingPunct="1"/>
+            <a:r>
+              <a:rPr lang="en-US"/>
+              <a:t>A simple magnifier consists of a single converging lens</a:t>
+            </a:r>
+          </a:p>
+          <a:p>
+            <a:pPr eaLnBrk="1" hangingPunct="1"/>
+            <a:r>
+              <a:rPr lang="en-US"/>
+              <a:t>This device is used to increase the apparent size of an object</a:t>
+            </a:r>
+          </a:p>
+          <a:p>
+            <a:pPr eaLnBrk="1" hangingPunct="1"/>
+            <a:r>
+              <a:rPr lang="en-US"/>
+              <a:t>The size of an image formed on the retina depends on the angle subtended by the eye</a:t>
+            </a:r>
+          </a:p>
+          <a:p>
+            <a:pPr eaLnBrk="1" hangingPunct="1"/>
+            <a:endParaRPr lang="en-US"/>
+          </a:p>
+          <a:p>
+            <a:pPr eaLnBrk="1" hangingPunct="1"/>
             <a:endParaRPr lang="en-US"/>
           </a:p>
         </p:txBody>
@@ -12285,123 +8786,6 @@
 </file>
 
 <file path=ppt/slides/slide15.xml><?xml version="1.0" encoding="utf-8"?>
-<p:sld xmlns:a="http://schemas.openxmlformats.org/drawingml/2006/main" xmlns:r="http://schemas.openxmlformats.org/officeDocument/2006/relationships" xmlns:p="http://schemas.openxmlformats.org/presentationml/2006/main">
-  <p:cSld>
-    <p:spTree>
-      <p:nvGrpSpPr>
-        <p:cNvPr id="1" name=""/>
-        <p:cNvGrpSpPr/>
-        <p:nvPr/>
-      </p:nvGrpSpPr>
-      <p:grpSpPr>
-        <a:xfrm>
-          <a:off x="0" y="0"/>
-          <a:ext cx="0" cy="0"/>
-          <a:chOff x="0" y="0"/>
-          <a:chExt cx="0" cy="0"/>
-        </a:xfrm>
-      </p:grpSpPr>
-      <p:sp>
-        <p:nvSpPr>
-          <p:cNvPr id="9218" name="Footer Placeholder 4"/>
-          <p:cNvSpPr>
-            <a:spLocks noGrp="1"/>
-          </p:cNvSpPr>
-          <p:nvPr>
-            <p:ph type="ftr" sz="quarter" idx="11"/>
-          </p:nvPr>
-        </p:nvSpPr>
-        <p:spPr>
-          <a:noFill/>
-        </p:spPr>
-        <p:txBody>
-          <a:bodyPr/>
-          <a:lstStyle/>
-          <a:p>
-            <a:r>
-              <a:rPr lang="en-US"/>
-              <a:t>R. Todd Lines</a:t>
-            </a:r>
-          </a:p>
-        </p:txBody>
-      </p:sp>
-      <p:sp>
-        <p:nvSpPr>
-          <p:cNvPr id="9219" name="Rectangle 2"/>
-          <p:cNvSpPr>
-            <a:spLocks noGrp="1" noChangeArrowheads="1"/>
-          </p:cNvSpPr>
-          <p:nvPr>
-            <p:ph type="title"/>
-          </p:nvPr>
-        </p:nvSpPr>
-        <p:spPr/>
-        <p:txBody>
-          <a:bodyPr/>
-          <a:lstStyle/>
-          <a:p>
-            <a:pPr eaLnBrk="1" hangingPunct="1"/>
-            <a:r>
-              <a:rPr lang="en-US"/>
-              <a:t>Simple Magnifier</a:t>
-            </a:r>
-          </a:p>
-        </p:txBody>
-      </p:sp>
-      <p:sp>
-        <p:nvSpPr>
-          <p:cNvPr id="9220" name="Rectangle 3"/>
-          <p:cNvSpPr>
-            <a:spLocks noGrp="1" noChangeArrowheads="1"/>
-          </p:cNvSpPr>
-          <p:nvPr>
-            <p:ph type="body" idx="1"/>
-          </p:nvPr>
-        </p:nvSpPr>
-        <p:spPr/>
-        <p:txBody>
-          <a:bodyPr/>
-          <a:lstStyle/>
-          <a:p>
-            <a:pPr eaLnBrk="1" hangingPunct="1"/>
-            <a:r>
-              <a:rPr lang="en-US"/>
-              <a:t>A simple magnifier consists of a single converging lens</a:t>
-            </a:r>
-          </a:p>
-          <a:p>
-            <a:pPr eaLnBrk="1" hangingPunct="1"/>
-            <a:r>
-              <a:rPr lang="en-US"/>
-              <a:t>This device is used to increase the apparent size of an object</a:t>
-            </a:r>
-          </a:p>
-          <a:p>
-            <a:pPr eaLnBrk="1" hangingPunct="1"/>
-            <a:r>
-              <a:rPr lang="en-US"/>
-              <a:t>The size of an image formed on the retina depends on the angle subtended by the eye</a:t>
-            </a:r>
-          </a:p>
-          <a:p>
-            <a:pPr eaLnBrk="1" hangingPunct="1"/>
-            <a:endParaRPr lang="en-US"/>
-          </a:p>
-          <a:p>
-            <a:pPr eaLnBrk="1" hangingPunct="1"/>
-            <a:endParaRPr lang="en-US"/>
-          </a:p>
-        </p:txBody>
-      </p:sp>
-    </p:spTree>
-  </p:cSld>
-  <p:clrMapOvr>
-    <a:masterClrMapping/>
-  </p:clrMapOvr>
-</p:sld>
-</file>
-
-<file path=ppt/slides/slide16.xml><?xml version="1.0" encoding="utf-8"?>
 <p:sld xmlns:a="http://schemas.openxmlformats.org/drawingml/2006/main" xmlns:r="http://schemas.openxmlformats.org/officeDocument/2006/relationships" xmlns:p="http://schemas.openxmlformats.org/presentationml/2006/main">
   <p:cSld>
     <p:spTree>
@@ -12495,7 +8879,7 @@
 </p:sld>
 </file>
 
-<file path=ppt/slides/slide17.xml><?xml version="1.0" encoding="utf-8"?>
+<file path=ppt/slides/slide16.xml><?xml version="1.0" encoding="utf-8"?>
 <p:sld xmlns:a="http://schemas.openxmlformats.org/drawingml/2006/main" xmlns:r="http://schemas.openxmlformats.org/officeDocument/2006/relationships" xmlns:p="http://schemas.openxmlformats.org/presentationml/2006/main">
   <p:cSld>
     <p:spTree>
@@ -12663,7 +9047,7 @@
 </p:sld>
 </file>
 
-<file path=ppt/slides/slide18.xml><?xml version="1.0" encoding="utf-8"?>
+<file path=ppt/slides/slide17.xml><?xml version="1.0" encoding="utf-8"?>
 <p:sld xmlns:a="http://schemas.openxmlformats.org/drawingml/2006/main" xmlns:r="http://schemas.openxmlformats.org/officeDocument/2006/relationships" xmlns:p="http://schemas.openxmlformats.org/presentationml/2006/main">
   <p:cSld>
     <p:spTree>
@@ -12814,7 +9198,7 @@
 </p:sld>
 </file>
 
-<file path=ppt/slides/slide19.xml><?xml version="1.0" encoding="utf-8"?>
+<file path=ppt/slides/slide18.xml><?xml version="1.0" encoding="utf-8"?>
 <p:sld xmlns:a="http://schemas.openxmlformats.org/drawingml/2006/main" xmlns:r="http://schemas.openxmlformats.org/officeDocument/2006/relationships" xmlns:p="http://schemas.openxmlformats.org/presentationml/2006/main">
   <p:cSld>
     <p:spTree>
@@ -13110,6 +9494,192 @@
 </p:sld>
 </file>
 
+<file path=ppt/slides/slide19.xml><?xml version="1.0" encoding="utf-8"?>
+<p:sld xmlns:a="http://schemas.openxmlformats.org/drawingml/2006/main" xmlns:r="http://schemas.openxmlformats.org/officeDocument/2006/relationships" xmlns:p="http://schemas.openxmlformats.org/presentationml/2006/main">
+  <p:cSld>
+    <p:spTree>
+      <p:nvGrpSpPr>
+        <p:cNvPr id="1" name=""/>
+        <p:cNvGrpSpPr/>
+        <p:nvPr/>
+      </p:nvGrpSpPr>
+      <p:grpSpPr>
+        <a:xfrm>
+          <a:off x="0" y="0"/>
+          <a:ext cx="0" cy="0"/>
+          <a:chOff x="0" y="0"/>
+          <a:chExt cx="0" cy="0"/>
+        </a:xfrm>
+      </p:grpSpPr>
+      <p:sp>
+        <p:nvSpPr>
+          <p:cNvPr id="2051" name="Footer Placeholder 4"/>
+          <p:cNvSpPr>
+            <a:spLocks noGrp="1"/>
+          </p:cNvSpPr>
+          <p:nvPr>
+            <p:ph type="ftr" sz="quarter" idx="11"/>
+          </p:nvPr>
+        </p:nvSpPr>
+        <p:spPr>
+          <a:noFill/>
+        </p:spPr>
+        <p:txBody>
+          <a:bodyPr/>
+          <a:lstStyle/>
+          <a:p>
+            <a:r>
+              <a:rPr lang="en-US"/>
+              <a:t>R. Todd Lines</a:t>
+            </a:r>
+          </a:p>
+        </p:txBody>
+      </p:sp>
+      <p:sp>
+        <p:nvSpPr>
+          <p:cNvPr id="2052" name="Rectangle 2"/>
+          <p:cNvSpPr>
+            <a:spLocks noGrp="1" noChangeArrowheads="1"/>
+          </p:cNvSpPr>
+          <p:nvPr>
+            <p:ph type="title"/>
+          </p:nvPr>
+        </p:nvSpPr>
+        <p:spPr/>
+        <p:txBody>
+          <a:bodyPr/>
+          <a:lstStyle/>
+          <a:p>
+            <a:pPr eaLnBrk="1" hangingPunct="1"/>
+            <a:r>
+              <a:rPr lang="en-US"/>
+              <a:t>Angular Magnification, cont.</a:t>
+            </a:r>
+          </a:p>
+        </p:txBody>
+      </p:sp>
+      <p:sp>
+        <p:nvSpPr>
+          <p:cNvPr id="2053" name="Rectangle 3"/>
+          <p:cNvSpPr>
+            <a:spLocks noGrp="1" noChangeArrowheads="1"/>
+          </p:cNvSpPr>
+          <p:nvPr>
+            <p:ph type="body" idx="1"/>
+          </p:nvPr>
+        </p:nvSpPr>
+        <p:spPr/>
+        <p:txBody>
+          <a:bodyPr/>
+          <a:lstStyle/>
+          <a:p>
+            <a:pPr eaLnBrk="1" hangingPunct="1"/>
+            <a:r>
+              <a:rPr lang="en-US" sz="2800"/>
+              <a:t>The eye is most relaxed when the image is at infinity</a:t>
+            </a:r>
+          </a:p>
+          <a:p>
+            <a:pPr lvl="1" eaLnBrk="1" hangingPunct="1"/>
+            <a:r>
+              <a:rPr lang="en-US" sz="2400"/>
+              <a:t>Although the eye can focus on an object anywhere between the near point and infinity</a:t>
+            </a:r>
+          </a:p>
+          <a:p>
+            <a:pPr eaLnBrk="1" hangingPunct="1"/>
+            <a:r>
+              <a:rPr lang="en-US" sz="2800"/>
+              <a:t>For the image formed by a magnifying glass to appear at infinity, the object has to be at the focal point of the lens</a:t>
+            </a:r>
+          </a:p>
+          <a:p>
+            <a:pPr eaLnBrk="1" hangingPunct="1"/>
+            <a:r>
+              <a:rPr lang="en-US" sz="2800"/>
+              <a:t>The angular magnification is </a:t>
+            </a:r>
+          </a:p>
+        </p:txBody>
+      </p:sp>
+      <p:graphicFrame>
+        <p:nvGraphicFramePr>
+          <p:cNvPr id="2050" name="Object 4"/>
+          <p:cNvGraphicFramePr>
+            <a:graphicFrameLocks noChangeAspect="1"/>
+          </p:cNvGraphicFramePr>
+          <p:nvPr/>
+        </p:nvGraphicFramePr>
+        <p:xfrm>
+          <a:off x="5997575" y="4808538"/>
+          <a:ext cx="2781300" cy="974725"/>
+        </p:xfrm>
+        <a:graphic>
+          <a:graphicData uri="http://schemas.openxmlformats.org/presentationml/2006/ole">
+            <mc:AlternateContent xmlns:mc="http://schemas.openxmlformats.org/markup-compatibility/2006">
+              <mc:Choice xmlns:v="urn:schemas-microsoft-com:vml" Requires="v">
+                <p:oleObj name="Equation" r:id="rId2" imgW="1231560" imgH="431640" progId="">
+                  <p:embed/>
+                </p:oleObj>
+              </mc:Choice>
+              <mc:Fallback>
+                <p:oleObj name="Equation" r:id="rId2" imgW="1231560" imgH="431640" progId="">
+                  <p:embed/>
+                  <p:pic>
+                    <p:nvPicPr>
+                      <p:cNvPr id="2050" name="Object 4"/>
+                      <p:cNvPicPr>
+                        <a:picLocks noChangeAspect="1" noChangeArrowheads="1"/>
+                      </p:cNvPicPr>
+                      <p:nvPr/>
+                    </p:nvPicPr>
+                    <p:blipFill>
+                      <a:blip r:embed="rId3">
+                        <a:extLst>
+                          <a:ext uri="{28A0092B-C50C-407E-A947-70E740481C1C}">
+                            <a14:useLocalDpi xmlns:a14="http://schemas.microsoft.com/office/drawing/2010/main" val="0"/>
+                          </a:ext>
+                        </a:extLst>
+                      </a:blip>
+                      <a:srcRect/>
+                      <a:stretch>
+                        <a:fillRect/>
+                      </a:stretch>
+                    </p:blipFill>
+                    <p:spPr bwMode="auto">
+                      <a:xfrm>
+                        <a:off x="5997575" y="4808538"/>
+                        <a:ext cx="2781300" cy="974725"/>
+                      </a:xfrm>
+                      <a:prstGeom prst="rect">
+                        <a:avLst/>
+                      </a:prstGeom>
+                      <a:noFill/>
+                      <a:extLst>
+                        <a:ext uri="{909E8E84-426E-40DD-AFC4-6F175D3DCCD1}">
+                          <a14:hiddenFill xmlns:a14="http://schemas.microsoft.com/office/drawing/2010/main">
+                            <a:solidFill>
+                              <a:srgbClr val="FFFFFF"/>
+                            </a:solidFill>
+                          </a14:hiddenFill>
+                        </a:ext>
+                      </a:extLst>
+                    </p:spPr>
+                  </p:pic>
+                </p:oleObj>
+              </mc:Fallback>
+            </mc:AlternateContent>
+          </a:graphicData>
+        </a:graphic>
+      </p:graphicFrame>
+    </p:spTree>
+  </p:cSld>
+  <p:clrMapOvr>
+    <a:masterClrMapping/>
+  </p:clrMapOvr>
+</p:sld>
+</file>
+
 <file path=ppt/slides/slide2.xml><?xml version="1.0" encoding="utf-8"?>
 <p:sld xmlns:a="http://schemas.openxmlformats.org/drawingml/2006/main" xmlns:r="http://schemas.openxmlformats.org/officeDocument/2006/relationships" xmlns:p="http://schemas.openxmlformats.org/presentationml/2006/main">
   <p:cSld>
@@ -13206,7 +9776,7 @@
       </p:grpSpPr>
       <p:sp>
         <p:nvSpPr>
-          <p:cNvPr id="2051" name="Footer Placeholder 4"/>
+          <p:cNvPr id="11266" name="Footer Placeholder 4"/>
           <p:cNvSpPr>
             <a:spLocks noGrp="1"/>
           </p:cNvSpPr>
@@ -13230,7 +9800,7 @@
       </p:sp>
       <p:sp>
         <p:nvSpPr>
-          <p:cNvPr id="2052" name="Rectangle 2"/>
+          <p:cNvPr id="11267" name="Rectangle 2"/>
           <p:cNvSpPr>
             <a:spLocks noGrp="1" noChangeArrowheads="1"/>
           </p:cNvSpPr>
@@ -13246,14 +9816,14 @@
             <a:pPr eaLnBrk="1" hangingPunct="1"/>
             <a:r>
               <a:rPr lang="en-US"/>
-              <a:t>Angular Magnification, cont.</a:t>
-            </a:r>
-          </a:p>
-        </p:txBody>
-      </p:sp>
-      <p:sp>
-        <p:nvSpPr>
-          <p:cNvPr id="2053" name="Rectangle 3"/>
+              <a:t>Magnification by a Lens</a:t>
+            </a:r>
+          </a:p>
+        </p:txBody>
+      </p:sp>
+      <p:sp>
+        <p:nvSpPr>
+          <p:cNvPr id="11268" name="Rectangle 3"/>
           <p:cNvSpPr>
             <a:spLocks noGrp="1" noChangeArrowheads="1"/>
           </p:cNvSpPr>
@@ -13268,103 +9838,26 @@
           <a:p>
             <a:pPr eaLnBrk="1" hangingPunct="1"/>
             <a:r>
-              <a:rPr lang="en-US" sz="2800"/>
-              <a:t>The eye is most relaxed when the image is at infinity</a:t>
+              <a:rPr lang="en-US"/>
+              <a:t>With a single lens, it is possible to achieve angular magnification up to about 4 without serious aberrations</a:t>
+            </a:r>
+          </a:p>
+          <a:p>
+            <a:pPr eaLnBrk="1" hangingPunct="1"/>
+            <a:r>
+              <a:rPr lang="en-US"/>
+              <a:t>With multiple lenses, magnifications of up to about 20 can be achieved</a:t>
             </a:r>
           </a:p>
           <a:p>
             <a:pPr lvl="1" eaLnBrk="1" hangingPunct="1"/>
             <a:r>
-              <a:rPr lang="en-US" sz="2400"/>
-              <a:t>Although the eye can focus on an object anywhere between the near point and infinity</a:t>
-            </a:r>
-          </a:p>
-          <a:p>
-            <a:pPr eaLnBrk="1" hangingPunct="1"/>
-            <a:r>
-              <a:rPr lang="en-US" sz="2800"/>
-              <a:t>For the image formed by a magnifying glass to appear at infinity, the object has to be at the focal point of the lens</a:t>
-            </a:r>
-          </a:p>
-          <a:p>
-            <a:pPr eaLnBrk="1" hangingPunct="1"/>
-            <a:r>
-              <a:rPr lang="en-US" sz="2800"/>
-              <a:t>The angular magnification is </a:t>
-            </a:r>
-          </a:p>
-        </p:txBody>
-      </p:sp>
-      <p:graphicFrame>
-        <p:nvGraphicFramePr>
-          <p:cNvPr id="2050" name="Object 4"/>
-          <p:cNvGraphicFramePr>
-            <a:graphicFrameLocks noChangeAspect="1"/>
-          </p:cNvGraphicFramePr>
-          <p:nvPr/>
-        </p:nvGraphicFramePr>
-        <p:xfrm>
-          <a:off x="5997575" y="4808538"/>
-          <a:ext cx="2781300" cy="974725"/>
-        </p:xfrm>
-        <a:graphic>
-          <a:graphicData uri="http://schemas.openxmlformats.org/presentationml/2006/ole">
-            <mc:AlternateContent xmlns:mc="http://schemas.openxmlformats.org/markup-compatibility/2006">
-              <mc:Choice xmlns:v="urn:schemas-microsoft-com:vml" Requires="v">
-                <p:oleObj name="Equation" r:id="rId2" imgW="1231560" imgH="431640" progId="">
-                  <p:embed/>
-                </p:oleObj>
-              </mc:Choice>
-              <mc:Fallback>
-                <p:oleObj name="Equation" r:id="rId2" imgW="1231560" imgH="431640" progId="">
-                  <p:embed/>
-                  <p:pic>
-                    <p:nvPicPr>
-                      <p:cNvPr id="2050" name="Object 4"/>
-                      <p:cNvPicPr>
-                        <a:picLocks noChangeAspect="1" noChangeArrowheads="1"/>
-                      </p:cNvPicPr>
-                      <p:nvPr/>
-                    </p:nvPicPr>
-                    <p:blipFill>
-                      <a:blip r:embed="rId3">
-                        <a:extLst>
-                          <a:ext uri="{28A0092B-C50C-407E-A947-70E740481C1C}">
-                            <a14:useLocalDpi xmlns:a14="http://schemas.microsoft.com/office/drawing/2010/main" val="0"/>
-                          </a:ext>
-                        </a:extLst>
-                      </a:blip>
-                      <a:srcRect/>
-                      <a:stretch>
-                        <a:fillRect/>
-                      </a:stretch>
-                    </p:blipFill>
-                    <p:spPr bwMode="auto">
-                      <a:xfrm>
-                        <a:off x="5997575" y="4808538"/>
-                        <a:ext cx="2781300" cy="974725"/>
-                      </a:xfrm>
-                      <a:prstGeom prst="rect">
-                        <a:avLst/>
-                      </a:prstGeom>
-                      <a:noFill/>
-                      <a:extLst>
-                        <a:ext uri="{909E8E84-426E-40DD-AFC4-6F175D3DCCD1}">
-                          <a14:hiddenFill xmlns:a14="http://schemas.microsoft.com/office/drawing/2010/main">
-                            <a:solidFill>
-                              <a:srgbClr val="FFFFFF"/>
-                            </a:solidFill>
-                          </a14:hiddenFill>
-                        </a:ext>
-                      </a:extLst>
-                    </p:spPr>
-                  </p:pic>
-                </p:oleObj>
-              </mc:Fallback>
-            </mc:AlternateContent>
-          </a:graphicData>
-        </a:graphic>
-      </p:graphicFrame>
+              <a:rPr lang="en-US"/>
+              <a:t>The multiple lenses can correct for aberrations</a:t>
+            </a:r>
+          </a:p>
+        </p:txBody>
+      </p:sp>
     </p:spTree>
   </p:cSld>
   <p:clrMapOvr>
@@ -13392,7 +9885,7 @@
       </p:grpSpPr>
       <p:sp>
         <p:nvSpPr>
-          <p:cNvPr id="11266" name="Footer Placeholder 4"/>
+          <p:cNvPr id="12290" name="Footer Placeholder 4"/>
           <p:cNvSpPr>
             <a:spLocks noGrp="1"/>
           </p:cNvSpPr>
@@ -13416,12 +9909,12 @@
       </p:sp>
       <p:sp>
         <p:nvSpPr>
-          <p:cNvPr id="11267" name="Rectangle 2"/>
+          <p:cNvPr id="12291" name="Rectangle 2"/>
           <p:cNvSpPr>
             <a:spLocks noGrp="1" noChangeArrowheads="1"/>
           </p:cNvSpPr>
           <p:nvPr>
-            <p:ph type="title"/>
+            <p:ph type="ctrTitle"/>
           </p:nvPr>
         </p:nvSpPr>
         <p:spPr/>
@@ -13432,19 +9925,19 @@
             <a:pPr eaLnBrk="1" hangingPunct="1"/>
             <a:r>
               <a:rPr lang="en-US"/>
-              <a:t>Magnification by a Lens</a:t>
-            </a:r>
-          </a:p>
-        </p:txBody>
-      </p:sp>
-      <p:sp>
-        <p:nvSpPr>
-          <p:cNvPr id="11268" name="Rectangle 3"/>
+              <a:t>The Compound Microscope</a:t>
+            </a:r>
+          </a:p>
+        </p:txBody>
+      </p:sp>
+      <p:sp>
+        <p:nvSpPr>
+          <p:cNvPr id="12292" name="Rectangle 4"/>
           <p:cNvSpPr>
             <a:spLocks noGrp="1" noChangeArrowheads="1"/>
           </p:cNvSpPr>
           <p:nvPr>
-            <p:ph type="body" idx="1"/>
+            <p:ph type="subTitle" idx="1"/>
           </p:nvPr>
         </p:nvSpPr>
         <p:spPr/>
@@ -13453,24 +9946,7 @@
           <a:lstStyle/>
           <a:p>
             <a:pPr eaLnBrk="1" hangingPunct="1"/>
-            <a:r>
-              <a:rPr lang="en-US"/>
-              <a:t>With a single lens, it is possible to achieve angular magnification up to about 4 without serious aberrations</a:t>
-            </a:r>
-          </a:p>
-          <a:p>
-            <a:pPr eaLnBrk="1" hangingPunct="1"/>
-            <a:r>
-              <a:rPr lang="en-US"/>
-              <a:t>With multiple lenses, magnifications of up to about 20 can be achieved</a:t>
-            </a:r>
-          </a:p>
-          <a:p>
-            <a:pPr lvl="1" eaLnBrk="1" hangingPunct="1"/>
-            <a:r>
-              <a:rPr lang="en-US"/>
-              <a:t>The multiple lenses can correct for aberrations</a:t>
-            </a:r>
+            <a:endParaRPr lang="en-US"/>
           </a:p>
         </p:txBody>
       </p:sp>
@@ -13483,98 +9959,6 @@
 </file>
 
 <file path=ppt/slides/slide22.xml><?xml version="1.0" encoding="utf-8"?>
-<p:sld xmlns:a="http://schemas.openxmlformats.org/drawingml/2006/main" xmlns:r="http://schemas.openxmlformats.org/officeDocument/2006/relationships" xmlns:p="http://schemas.openxmlformats.org/presentationml/2006/main">
-  <p:cSld>
-    <p:spTree>
-      <p:nvGrpSpPr>
-        <p:cNvPr id="1" name=""/>
-        <p:cNvGrpSpPr/>
-        <p:nvPr/>
-      </p:nvGrpSpPr>
-      <p:grpSpPr>
-        <a:xfrm>
-          <a:off x="0" y="0"/>
-          <a:ext cx="0" cy="0"/>
-          <a:chOff x="0" y="0"/>
-          <a:chExt cx="0" cy="0"/>
-        </a:xfrm>
-      </p:grpSpPr>
-      <p:sp>
-        <p:nvSpPr>
-          <p:cNvPr id="12290" name="Footer Placeholder 4"/>
-          <p:cNvSpPr>
-            <a:spLocks noGrp="1"/>
-          </p:cNvSpPr>
-          <p:nvPr>
-            <p:ph type="ftr" sz="quarter" idx="11"/>
-          </p:nvPr>
-        </p:nvSpPr>
-        <p:spPr>
-          <a:noFill/>
-        </p:spPr>
-        <p:txBody>
-          <a:bodyPr/>
-          <a:lstStyle/>
-          <a:p>
-            <a:r>
-              <a:rPr lang="en-US"/>
-              <a:t>R. Todd Lines</a:t>
-            </a:r>
-          </a:p>
-        </p:txBody>
-      </p:sp>
-      <p:sp>
-        <p:nvSpPr>
-          <p:cNvPr id="12291" name="Rectangle 2"/>
-          <p:cNvSpPr>
-            <a:spLocks noGrp="1" noChangeArrowheads="1"/>
-          </p:cNvSpPr>
-          <p:nvPr>
-            <p:ph type="ctrTitle"/>
-          </p:nvPr>
-        </p:nvSpPr>
-        <p:spPr/>
-        <p:txBody>
-          <a:bodyPr/>
-          <a:lstStyle/>
-          <a:p>
-            <a:pPr eaLnBrk="1" hangingPunct="1"/>
-            <a:r>
-              <a:rPr lang="en-US"/>
-              <a:t>The Compound Microscope</a:t>
-            </a:r>
-          </a:p>
-        </p:txBody>
-      </p:sp>
-      <p:sp>
-        <p:nvSpPr>
-          <p:cNvPr id="12292" name="Rectangle 4"/>
-          <p:cNvSpPr>
-            <a:spLocks noGrp="1" noChangeArrowheads="1"/>
-          </p:cNvSpPr>
-          <p:nvPr>
-            <p:ph type="subTitle" idx="1"/>
-          </p:nvPr>
-        </p:nvSpPr>
-        <p:spPr/>
-        <p:txBody>
-          <a:bodyPr/>
-          <a:lstStyle/>
-          <a:p>
-            <a:pPr eaLnBrk="1" hangingPunct="1"/>
-            <a:endParaRPr lang="en-US"/>
-          </a:p>
-        </p:txBody>
-      </p:sp>
-    </p:spTree>
-  </p:cSld>
-  <p:clrMapOvr>
-    <a:masterClrMapping/>
-  </p:clrMapOvr>
-</p:sld>
-</file>
-
-<file path=ppt/slides/slide23.xml><?xml version="1.0" encoding="utf-8"?>
 <p:sld xmlns:a="http://schemas.openxmlformats.org/drawingml/2006/main" xmlns:r="http://schemas.openxmlformats.org/officeDocument/2006/relationships" xmlns:p="http://schemas.openxmlformats.org/presentationml/2006/main">
   <p:cSld>
     <p:spTree>
@@ -13686,7 +10070,7 @@
 </p:sld>
 </file>
 
-<file path=ppt/slides/slide24.xml><?xml version="1.0" encoding="utf-8"?>
+<file path=ppt/slides/slide23.xml><?xml version="1.0" encoding="utf-8"?>
 <p:sld xmlns:a="http://schemas.openxmlformats.org/drawingml/2006/main" xmlns:r="http://schemas.openxmlformats.org/officeDocument/2006/relationships" xmlns:p="http://schemas.openxmlformats.org/presentationml/2006/main">
   <p:cSld>
     <p:spTree>
@@ -13873,7 +10257,7 @@
 </p:sld>
 </file>
 
-<file path=ppt/slides/slide25.xml><?xml version="1.0" encoding="utf-8"?>
+<file path=ppt/slides/slide24.xml><?xml version="1.0" encoding="utf-8"?>
 <p:sld xmlns:a="http://schemas.openxmlformats.org/drawingml/2006/main" xmlns:r="http://schemas.openxmlformats.org/officeDocument/2006/relationships" xmlns:p="http://schemas.openxmlformats.org/presentationml/2006/main">
   <p:cSld>
     <p:spTree>
@@ -14135,6 +10519,135 @@
 </p:sld>
 </file>
 
+<file path=ppt/slides/slide25.xml><?xml version="1.0" encoding="utf-8"?>
+<p:sld xmlns:a="http://schemas.openxmlformats.org/drawingml/2006/main" xmlns:r="http://schemas.openxmlformats.org/officeDocument/2006/relationships" xmlns:p="http://schemas.openxmlformats.org/presentationml/2006/main">
+  <p:cSld>
+    <p:spTree>
+      <p:nvGrpSpPr>
+        <p:cNvPr id="1" name=""/>
+        <p:cNvGrpSpPr/>
+        <p:nvPr/>
+      </p:nvGrpSpPr>
+      <p:grpSpPr>
+        <a:xfrm>
+          <a:off x="0" y="0"/>
+          <a:ext cx="0" cy="0"/>
+          <a:chOff x="0" y="0"/>
+          <a:chExt cx="0" cy="0"/>
+        </a:xfrm>
+      </p:grpSpPr>
+      <p:sp>
+        <p:nvSpPr>
+          <p:cNvPr id="16386" name="Footer Placeholder 4"/>
+          <p:cNvSpPr>
+            <a:spLocks noGrp="1"/>
+          </p:cNvSpPr>
+          <p:nvPr>
+            <p:ph type="ftr" sz="quarter" idx="11"/>
+          </p:nvPr>
+        </p:nvSpPr>
+        <p:spPr>
+          <a:noFill/>
+        </p:spPr>
+        <p:txBody>
+          <a:bodyPr/>
+          <a:lstStyle/>
+          <a:p>
+            <a:r>
+              <a:rPr lang="en-US"/>
+              <a:t>R. Todd Lines</a:t>
+            </a:r>
+          </a:p>
+        </p:txBody>
+      </p:sp>
+      <p:sp>
+        <p:nvSpPr>
+          <p:cNvPr id="16387" name="Rectangle 2"/>
+          <p:cNvSpPr>
+            <a:spLocks noGrp="1" noChangeArrowheads="1"/>
+          </p:cNvSpPr>
+          <p:nvPr>
+            <p:ph type="title"/>
+          </p:nvPr>
+        </p:nvSpPr>
+        <p:spPr>
+          <a:xfrm>
+            <a:off x="1179513" y="0"/>
+            <a:ext cx="7964487" cy="1143000"/>
+          </a:xfrm>
+        </p:spPr>
+        <p:txBody>
+          <a:bodyPr/>
+          <a:lstStyle/>
+          <a:p>
+            <a:pPr eaLnBrk="1" hangingPunct="1"/>
+            <a:r>
+              <a:rPr lang="en-US" sz="3200"/>
+              <a:t>Wavelength and the Microscope</a:t>
+            </a:r>
+          </a:p>
+        </p:txBody>
+      </p:sp>
+      <p:sp>
+        <p:nvSpPr>
+          <p:cNvPr id="16388" name="Rectangle 3"/>
+          <p:cNvSpPr>
+            <a:spLocks noGrp="1" noChangeArrowheads="1"/>
+          </p:cNvSpPr>
+          <p:nvPr>
+            <p:ph type="body" idx="1"/>
+          </p:nvPr>
+        </p:nvSpPr>
+        <p:spPr/>
+        <p:txBody>
+          <a:bodyPr/>
+          <a:lstStyle/>
+          <a:p>
+            <a:pPr eaLnBrk="1" hangingPunct="1"/>
+            <a:r>
+              <a:rPr lang="en-US"/>
+              <a:t>The ability of an optical microscope to view an object depends on the size of the object relative to the wavelength of the light used to observe it</a:t>
+            </a:r>
+          </a:p>
+          <a:p>
+            <a:pPr lvl="1" eaLnBrk="1" hangingPunct="1"/>
+            <a:r>
+              <a:rPr lang="en-US"/>
+              <a:t>For example, you could not observe an atom (</a:t>
+            </a:r>
+            <a:r>
+              <a:rPr lang="en-US" i="1"/>
+              <a:t>d</a:t>
+            </a:r>
+            <a:r>
+              <a:rPr lang="en-US"/>
+              <a:t> </a:t>
+            </a:r>
+            <a:r>
+              <a:rPr lang="en-US">
+                <a:sym typeface="Symbol" pitchFamily="18" charset="2"/>
+              </a:rPr>
+              <a:t> 0.1 nm) with visible light (</a:t>
+            </a:r>
+            <a:r>
+              <a:rPr lang="en-US">
+                <a:cs typeface="Tahoma" pitchFamily="34" charset="0"/>
+                <a:sym typeface="Symbol" pitchFamily="18" charset="2"/>
+              </a:rPr>
+              <a:t>λ  500 nm)</a:t>
+            </a:r>
+            <a:endParaRPr lang="en-US"/>
+          </a:p>
+        </p:txBody>
+      </p:sp>
+    </p:spTree>
+  </p:cSld>
+  <p:clrMapOvr>
+    <a:masterClrMapping/>
+  </p:clrMapOvr>
+</p:sld>
+</file>
+
 <file path=ppt/slides/slide26.xml><?xml version="1.0" encoding="utf-8"?>
 <p:sld xmlns:a="http://schemas.openxmlformats.org/drawingml/2006/main" xmlns:r="http://schemas.openxmlformats.org/officeDocument/2006/relationships" xmlns:p="http://schemas.openxmlformats.org/presentationml/2006/main">
   <p:cSld>
@@ -14154,7 +10667,7 @@
       </p:grpSpPr>
       <p:sp>
         <p:nvSpPr>
-          <p:cNvPr id="16386" name="Footer Placeholder 4"/>
+          <p:cNvPr id="17410" name="Footer Placeholder 4"/>
           <p:cNvSpPr>
             <a:spLocks noGrp="1"/>
           </p:cNvSpPr>
@@ -14178,40 +10691,35 @@
       </p:sp>
       <p:sp>
         <p:nvSpPr>
-          <p:cNvPr id="16387" name="Rectangle 2"/>
+          <p:cNvPr id="17411" name="Rectangle 2"/>
           <p:cNvSpPr>
             <a:spLocks noGrp="1" noChangeArrowheads="1"/>
           </p:cNvSpPr>
           <p:nvPr>
-            <p:ph type="title"/>
+            <p:ph type="ctrTitle"/>
           </p:nvPr>
         </p:nvSpPr>
-        <p:spPr>
-          <a:xfrm>
-            <a:off x="1179513" y="0"/>
-            <a:ext cx="7964487" cy="1143000"/>
-          </a:xfrm>
-        </p:spPr>
+        <p:spPr/>
         <p:txBody>
           <a:bodyPr/>
           <a:lstStyle/>
           <a:p>
             <a:pPr eaLnBrk="1" hangingPunct="1"/>
             <a:r>
-              <a:rPr lang="en-US" sz="3200"/>
-              <a:t>Wavelength and the Microscope</a:t>
-            </a:r>
-          </a:p>
-        </p:txBody>
-      </p:sp>
-      <p:sp>
-        <p:nvSpPr>
-          <p:cNvPr id="16388" name="Rectangle 3"/>
+              <a:rPr lang="en-US"/>
+              <a:t>The telescope</a:t>
+            </a:r>
+          </a:p>
+        </p:txBody>
+      </p:sp>
+      <p:sp>
+        <p:nvSpPr>
+          <p:cNvPr id="17412" name="Rectangle 4"/>
           <p:cNvSpPr>
             <a:spLocks noGrp="1" noChangeArrowheads="1"/>
           </p:cNvSpPr>
           <p:nvPr>
-            <p:ph type="body" idx="1"/>
+            <p:ph type="subTitle" idx="1"/>
           </p:nvPr>
         </p:nvSpPr>
         <p:spPr/>
@@ -14220,38 +10728,6 @@
           <a:lstStyle/>
           <a:p>
             <a:pPr eaLnBrk="1" hangingPunct="1"/>
-            <a:r>
-              <a:rPr lang="en-US"/>
-              <a:t>The ability of an optical microscope to view an object depends on the size of the object relative to the wavelength of the light used to observe it</a:t>
-            </a:r>
-          </a:p>
-          <a:p>
-            <a:pPr lvl="1" eaLnBrk="1" hangingPunct="1"/>
-            <a:r>
-              <a:rPr lang="en-US"/>
-              <a:t>For example, you could not observe an atom (</a:t>
-            </a:r>
-            <a:r>
-              <a:rPr lang="en-US" i="1"/>
-              <a:t>d</a:t>
-            </a:r>
-            <a:r>
-              <a:rPr lang="en-US"/>
-              <a:t> </a:t>
-            </a:r>
-            <a:r>
-              <a:rPr lang="en-US">
-                <a:sym typeface="Symbol" pitchFamily="18" charset="2"/>
-              </a:rPr>
-              <a:t> 0.1 nm) with visible light (</a:t>
-            </a:r>
-            <a:r>
-              <a:rPr lang="en-US">
-                <a:cs typeface="Tahoma" pitchFamily="34" charset="0"/>
-                <a:sym typeface="Symbol" pitchFamily="18" charset="2"/>
-              </a:rPr>
-              <a:t>λ  500 nm)</a:t>
-            </a:r>
             <a:endParaRPr lang="en-US"/>
           </a:p>
         </p:txBody>
@@ -14283,7 +10759,7 @@
       </p:grpSpPr>
       <p:sp>
         <p:nvSpPr>
-          <p:cNvPr id="17410" name="Footer Placeholder 4"/>
+          <p:cNvPr id="18434" name="Footer Placeholder 4"/>
           <p:cNvSpPr>
             <a:spLocks noGrp="1"/>
           </p:cNvSpPr>
@@ -14307,12 +10783,12 @@
       </p:sp>
       <p:sp>
         <p:nvSpPr>
-          <p:cNvPr id="17411" name="Rectangle 2"/>
+          <p:cNvPr id="18435" name="Rectangle 2"/>
           <p:cNvSpPr>
             <a:spLocks noGrp="1" noChangeArrowheads="1"/>
           </p:cNvSpPr>
           <p:nvPr>
-            <p:ph type="ctrTitle"/>
+            <p:ph type="title"/>
           </p:nvPr>
         </p:nvSpPr>
         <p:spPr/>
@@ -14323,28 +10799,95 @@
             <a:pPr eaLnBrk="1" hangingPunct="1"/>
             <a:r>
               <a:rPr lang="en-US"/>
-              <a:t>The telescope</a:t>
-            </a:r>
-          </a:p>
-        </p:txBody>
-      </p:sp>
-      <p:sp>
-        <p:nvSpPr>
-          <p:cNvPr id="17412" name="Rectangle 4"/>
+              <a:t>Telescopes</a:t>
+            </a:r>
+          </a:p>
+        </p:txBody>
+      </p:sp>
+      <p:sp>
+        <p:nvSpPr>
+          <p:cNvPr id="18436" name="Rectangle 3"/>
           <p:cNvSpPr>
             <a:spLocks noGrp="1" noChangeArrowheads="1"/>
           </p:cNvSpPr>
           <p:nvPr>
-            <p:ph type="subTitle" idx="1"/>
+            <p:ph type="body" idx="1"/>
           </p:nvPr>
         </p:nvSpPr>
-        <p:spPr/>
+        <p:spPr>
+          <a:xfrm>
+            <a:off x="758825" y="1343025"/>
+            <a:ext cx="7772400" cy="4419600"/>
+          </a:xfrm>
+        </p:spPr>
         <p:txBody>
           <a:bodyPr/>
           <a:lstStyle/>
           <a:p>
-            <a:pPr eaLnBrk="1" hangingPunct="1"/>
-            <a:endParaRPr lang="en-US"/>
+            <a:pPr eaLnBrk="1" hangingPunct="1">
+              <a:lnSpc>
+                <a:spcPct val="90000"/>
+              </a:lnSpc>
+            </a:pPr>
+            <a:r>
+              <a:rPr lang="en-US" sz="2800"/>
+              <a:t>Telescopes are designed to aid in viewing distant objects</a:t>
+            </a:r>
+          </a:p>
+          <a:p>
+            <a:pPr eaLnBrk="1" hangingPunct="1">
+              <a:lnSpc>
+                <a:spcPct val="90000"/>
+              </a:lnSpc>
+            </a:pPr>
+            <a:r>
+              <a:rPr lang="en-US" sz="2800"/>
+              <a:t>Two fundamental types of telescopes</a:t>
+            </a:r>
+          </a:p>
+          <a:p>
+            <a:pPr lvl="1" eaLnBrk="1" hangingPunct="1">
+              <a:lnSpc>
+                <a:spcPct val="90000"/>
+              </a:lnSpc>
+            </a:pPr>
+            <a:r>
+              <a:rPr lang="en-US" sz="2400"/>
+              <a:t>Refracting telescopes use a combination of lenses to form an image</a:t>
+            </a:r>
+          </a:p>
+          <a:p>
+            <a:pPr lvl="1" eaLnBrk="1" hangingPunct="1">
+              <a:lnSpc>
+                <a:spcPct val="90000"/>
+              </a:lnSpc>
+            </a:pPr>
+            <a:r>
+              <a:rPr lang="en-US" sz="2400"/>
+              <a:t>Reflecting telescopes use a curved mirror and a lens to form an image</a:t>
+            </a:r>
+          </a:p>
+          <a:p>
+            <a:pPr eaLnBrk="1" hangingPunct="1">
+              <a:lnSpc>
+                <a:spcPct val="90000"/>
+              </a:lnSpc>
+            </a:pPr>
+            <a:r>
+              <a:rPr lang="en-US" sz="2800"/>
+              <a:t>Telescopes can be analyzed by considering them to be two optical elements in a row</a:t>
+            </a:r>
+          </a:p>
+          <a:p>
+            <a:pPr lvl="1" eaLnBrk="1" hangingPunct="1">
+              <a:lnSpc>
+                <a:spcPct val="90000"/>
+              </a:lnSpc>
+            </a:pPr>
+            <a:r>
+              <a:rPr lang="en-US" sz="2400"/>
+              <a:t>The image of the first element becomes the object of the second element</a:t>
+            </a:r>
           </a:p>
         </p:txBody>
       </p:sp>
@@ -14357,165 +10900,6 @@
 </file>
 
 <file path=ppt/slides/slide28.xml><?xml version="1.0" encoding="utf-8"?>
-<p:sld xmlns:a="http://schemas.openxmlformats.org/drawingml/2006/main" xmlns:r="http://schemas.openxmlformats.org/officeDocument/2006/relationships" xmlns:p="http://schemas.openxmlformats.org/presentationml/2006/main">
-  <p:cSld>
-    <p:spTree>
-      <p:nvGrpSpPr>
-        <p:cNvPr id="1" name=""/>
-        <p:cNvGrpSpPr/>
-        <p:nvPr/>
-      </p:nvGrpSpPr>
-      <p:grpSpPr>
-        <a:xfrm>
-          <a:off x="0" y="0"/>
-          <a:ext cx="0" cy="0"/>
-          <a:chOff x="0" y="0"/>
-          <a:chExt cx="0" cy="0"/>
-        </a:xfrm>
-      </p:grpSpPr>
-      <p:sp>
-        <p:nvSpPr>
-          <p:cNvPr id="18434" name="Footer Placeholder 4"/>
-          <p:cNvSpPr>
-            <a:spLocks noGrp="1"/>
-          </p:cNvSpPr>
-          <p:nvPr>
-            <p:ph type="ftr" sz="quarter" idx="11"/>
-          </p:nvPr>
-        </p:nvSpPr>
-        <p:spPr>
-          <a:noFill/>
-        </p:spPr>
-        <p:txBody>
-          <a:bodyPr/>
-          <a:lstStyle/>
-          <a:p>
-            <a:r>
-              <a:rPr lang="en-US"/>
-              <a:t>R. Todd Lines</a:t>
-            </a:r>
-          </a:p>
-        </p:txBody>
-      </p:sp>
-      <p:sp>
-        <p:nvSpPr>
-          <p:cNvPr id="18435" name="Rectangle 2"/>
-          <p:cNvSpPr>
-            <a:spLocks noGrp="1" noChangeArrowheads="1"/>
-          </p:cNvSpPr>
-          <p:nvPr>
-            <p:ph type="title"/>
-          </p:nvPr>
-        </p:nvSpPr>
-        <p:spPr/>
-        <p:txBody>
-          <a:bodyPr/>
-          <a:lstStyle/>
-          <a:p>
-            <a:pPr eaLnBrk="1" hangingPunct="1"/>
-            <a:r>
-              <a:rPr lang="en-US"/>
-              <a:t>Telescopes</a:t>
-            </a:r>
-          </a:p>
-        </p:txBody>
-      </p:sp>
-      <p:sp>
-        <p:nvSpPr>
-          <p:cNvPr id="18436" name="Rectangle 3"/>
-          <p:cNvSpPr>
-            <a:spLocks noGrp="1" noChangeArrowheads="1"/>
-          </p:cNvSpPr>
-          <p:nvPr>
-            <p:ph type="body" idx="1"/>
-          </p:nvPr>
-        </p:nvSpPr>
-        <p:spPr>
-          <a:xfrm>
-            <a:off x="758825" y="1343025"/>
-            <a:ext cx="7772400" cy="4419600"/>
-          </a:xfrm>
-        </p:spPr>
-        <p:txBody>
-          <a:bodyPr/>
-          <a:lstStyle/>
-          <a:p>
-            <a:pPr eaLnBrk="1" hangingPunct="1">
-              <a:lnSpc>
-                <a:spcPct val="90000"/>
-              </a:lnSpc>
-            </a:pPr>
-            <a:r>
-              <a:rPr lang="en-US" sz="2800"/>
-              <a:t>Telescopes are designed to aid in viewing distant objects</a:t>
-            </a:r>
-          </a:p>
-          <a:p>
-            <a:pPr eaLnBrk="1" hangingPunct="1">
-              <a:lnSpc>
-                <a:spcPct val="90000"/>
-              </a:lnSpc>
-            </a:pPr>
-            <a:r>
-              <a:rPr lang="en-US" sz="2800"/>
-              <a:t>Two fundamental types of telescopes</a:t>
-            </a:r>
-          </a:p>
-          <a:p>
-            <a:pPr lvl="1" eaLnBrk="1" hangingPunct="1">
-              <a:lnSpc>
-                <a:spcPct val="90000"/>
-              </a:lnSpc>
-            </a:pPr>
-            <a:r>
-              <a:rPr lang="en-US" sz="2400"/>
-              <a:t>Refracting telescopes use a combination of lenses to form an image</a:t>
-            </a:r>
-          </a:p>
-          <a:p>
-            <a:pPr lvl="1" eaLnBrk="1" hangingPunct="1">
-              <a:lnSpc>
-                <a:spcPct val="90000"/>
-              </a:lnSpc>
-            </a:pPr>
-            <a:r>
-              <a:rPr lang="en-US" sz="2400"/>
-              <a:t>Reflecting telescopes use a curved mirror and a lens to form an image</a:t>
-            </a:r>
-          </a:p>
-          <a:p>
-            <a:pPr eaLnBrk="1" hangingPunct="1">
-              <a:lnSpc>
-                <a:spcPct val="90000"/>
-              </a:lnSpc>
-            </a:pPr>
-            <a:r>
-              <a:rPr lang="en-US" sz="2800"/>
-              <a:t>Telescopes can be analyzed by considering them to be two optical elements in a row</a:t>
-            </a:r>
-          </a:p>
-          <a:p>
-            <a:pPr lvl="1" eaLnBrk="1" hangingPunct="1">
-              <a:lnSpc>
-                <a:spcPct val="90000"/>
-              </a:lnSpc>
-            </a:pPr>
-            <a:r>
-              <a:rPr lang="en-US" sz="2400"/>
-              <a:t>The image of the first element becomes the object of the second element</a:t>
-            </a:r>
-          </a:p>
-        </p:txBody>
-      </p:sp>
-    </p:spTree>
-  </p:cSld>
-  <p:clrMapOvr>
-    <a:masterClrMapping/>
-  </p:clrMapOvr>
-</p:sld>
-</file>
-
-<file path=ppt/slides/slide29.xml><?xml version="1.0" encoding="utf-8"?>
 <p:sld xmlns:a="http://schemas.openxmlformats.org/drawingml/2006/main" xmlns:r="http://schemas.openxmlformats.org/officeDocument/2006/relationships" xmlns:p="http://schemas.openxmlformats.org/presentationml/2006/main">
   <p:cSld>
     <p:spTree>
@@ -14620,6 +11004,147 @@
         </p:spPr>
       </p:pic>
     </p:spTree>
+  </p:cSld>
+  <p:clrMapOvr>
+    <a:masterClrMapping/>
+  </p:clrMapOvr>
+</p:sld>
+</file>
+
+<file path=ppt/slides/slide29.xml><?xml version="1.0" encoding="utf-8"?>
+<p:sld xmlns:a="http://schemas.openxmlformats.org/drawingml/2006/main" xmlns:r="http://schemas.openxmlformats.org/officeDocument/2006/relationships" xmlns:p="http://schemas.openxmlformats.org/presentationml/2006/main">
+  <p:cSld>
+    <p:spTree>
+      <p:nvGrpSpPr>
+        <p:cNvPr id="1" name=""/>
+        <p:cNvGrpSpPr/>
+        <p:nvPr/>
+      </p:nvGrpSpPr>
+      <p:grpSpPr>
+        <a:xfrm>
+          <a:off x="0" y="0"/>
+          <a:ext cx="0" cy="0"/>
+          <a:chOff x="0" y="0"/>
+          <a:chExt cx="0" cy="0"/>
+        </a:xfrm>
+      </p:grpSpPr>
+      <p:sp>
+        <p:nvSpPr>
+          <p:cNvPr id="2" name="Title 1">
+            <a:extLst>
+              <a:ext uri="{FF2B5EF4-FFF2-40B4-BE49-F238E27FC236}">
+                <a16:creationId xmlns:a16="http://schemas.microsoft.com/office/drawing/2014/main" id="{117637F7-0A50-85E2-F7D4-9FC549EDB626}"/>
+              </a:ext>
+            </a:extLst>
+          </p:cNvPr>
+          <p:cNvSpPr>
+            <a:spLocks noGrp="1"/>
+          </p:cNvSpPr>
+          <p:nvPr>
+            <p:ph type="title"/>
+          </p:nvPr>
+        </p:nvSpPr>
+        <p:spPr/>
+        <p:txBody>
+          <a:bodyPr/>
+          <a:lstStyle/>
+          <a:p>
+            <a:endParaRPr lang="en-US"/>
+          </a:p>
+        </p:txBody>
+      </p:sp>
+      <p:sp>
+        <p:nvSpPr>
+          <p:cNvPr id="3" name="Text Placeholder 2">
+            <a:extLst>
+              <a:ext uri="{FF2B5EF4-FFF2-40B4-BE49-F238E27FC236}">
+                <a16:creationId xmlns:a16="http://schemas.microsoft.com/office/drawing/2014/main" id="{55DB9AC0-15B9-D7CD-D696-DFC75A08CA49}"/>
+              </a:ext>
+            </a:extLst>
+          </p:cNvPr>
+          <p:cNvSpPr>
+            <a:spLocks noGrp="1"/>
+          </p:cNvSpPr>
+          <p:nvPr>
+            <p:ph type="body" sz="half" idx="1"/>
+          </p:nvPr>
+        </p:nvSpPr>
+        <p:spPr/>
+        <p:txBody>
+          <a:bodyPr/>
+          <a:lstStyle/>
+          <a:p>
+            <a:endParaRPr lang="en-US"/>
+          </a:p>
+        </p:txBody>
+      </p:sp>
+      <p:sp>
+        <p:nvSpPr>
+          <p:cNvPr id="4" name="Online Image Placeholder 3">
+            <a:extLst>
+              <a:ext uri="{FF2B5EF4-FFF2-40B4-BE49-F238E27FC236}">
+                <a16:creationId xmlns:a16="http://schemas.microsoft.com/office/drawing/2014/main" id="{2A084EA0-052A-2245-331C-BD31BF4A329D}"/>
+              </a:ext>
+            </a:extLst>
+          </p:cNvPr>
+          <p:cNvSpPr>
+            <a:spLocks noGrp="1"/>
+          </p:cNvSpPr>
+          <p:nvPr>
+            <p:ph type="clipArt" sz="half" idx="2"/>
+          </p:nvPr>
+        </p:nvSpPr>
+        <p:spPr/>
+        <p:txBody>
+          <a:bodyPr/>
+          <a:lstStyle/>
+          <a:p>
+            <a:endParaRPr lang="en-US"/>
+          </a:p>
+        </p:txBody>
+      </p:sp>
+      <p:pic>
+        <p:nvPicPr>
+          <p:cNvPr id="6" name="Graphic 5">
+            <a:extLst>
+              <a:ext uri="{FF2B5EF4-FFF2-40B4-BE49-F238E27FC236}">
+                <a16:creationId xmlns:a16="http://schemas.microsoft.com/office/drawing/2014/main" id="{4B1591D4-05BF-D9AA-7C1C-2C701FA1581B}"/>
+              </a:ext>
+            </a:extLst>
+          </p:cNvPr>
+          <p:cNvPicPr>
+            <a:picLocks noChangeAspect="1"/>
+          </p:cNvPicPr>
+          <p:nvPr/>
+        </p:nvPicPr>
+        <p:blipFill>
+          <a:blip r:embed="rId2">
+            <a:extLst>
+              <a:ext uri="{96DAC541-7B7A-43D3-8B79-37D633B846F1}">
+                <asvg:svgBlip xmlns:asvg="http://schemas.microsoft.com/office/drawing/2016/SVG/main" r:embed="rId3"/>
+              </a:ext>
+            </a:extLst>
+          </a:blip>
+          <a:stretch>
+            <a:fillRect/>
+          </a:stretch>
+        </p:blipFill>
+        <p:spPr>
+          <a:xfrm>
+            <a:off x="0" y="1255300"/>
+            <a:ext cx="9144000" cy="4347400"/>
+          </a:xfrm>
+          <a:prstGeom prst="rect">
+            <a:avLst/>
+          </a:prstGeom>
+        </p:spPr>
+      </p:pic>
+    </p:spTree>
+    <p:extLst>
+      <p:ext uri="{BB962C8B-B14F-4D97-AF65-F5344CB8AC3E}">
+        <p14:creationId xmlns:p14="http://schemas.microsoft.com/office/powerpoint/2010/main" val="3489617987"/>
+      </p:ext>
+    </p:extLst>
   </p:cSld>
   <p:clrMapOvr>
     <a:masterClrMapping/>
@@ -19425,23 +15950,23 @@
       </p:grpSpPr>
       <p:pic>
         <p:nvPicPr>
-          <p:cNvPr id="29698" name="Picture 4" descr="neuro4e-box-11-a(1)-0"/>
+          <p:cNvPr id="8194" name="Picture 2"/>
           <p:cNvPicPr>
             <a:picLocks noChangeAspect="1" noChangeArrowheads="1"/>
           </p:cNvPicPr>
           <p:nvPr/>
         </p:nvPicPr>
         <p:blipFill>
-          <a:blip r:embed="rId3" cstate="print"/>
-          <a:srcRect l="30489" r="28049" b="6947"/>
+          <a:blip r:embed="rId2" cstate="print"/>
+          <a:srcRect/>
           <a:stretch>
             <a:fillRect/>
           </a:stretch>
         </p:blipFill>
         <p:spPr bwMode="auto">
-          <a:xfrm>
-            <a:off x="5410200" y="1371600"/>
-            <a:ext cx="2971800" cy="5011738"/>
+          <a:xfrm flipH="1">
+            <a:off x="2819400" y="4709160"/>
+            <a:ext cx="266700" cy="1438275"/>
           </a:xfrm>
           <a:prstGeom prst="rect">
             <a:avLst/>
@@ -19453,122 +15978,3611 @@
             <a:headEnd/>
             <a:tailEnd/>
           </a:ln>
+          <a:effectLst/>
         </p:spPr>
       </p:pic>
       <p:sp>
         <p:nvSpPr>
-          <p:cNvPr id="29699" name="Rectangle 2"/>
-          <p:cNvSpPr>
-            <a:spLocks noGrp="1" noChangeArrowheads="1"/>
-          </p:cNvSpPr>
-          <p:nvPr>
-            <p:ph type="title"/>
-          </p:nvPr>
-        </p:nvSpPr>
-        <p:spPr/>
-        <p:txBody>
-          <a:bodyPr/>
-          <a:lstStyle/>
-          <a:p>
-            <a:pPr eaLnBrk="1" hangingPunct="1"/>
-            <a:r>
-              <a:rPr lang="en-US" sz="3200" dirty="0"/>
-              <a:t>Myopia and Other Refractive Errors</a:t>
-            </a:r>
-          </a:p>
-        </p:txBody>
-      </p:sp>
-      <p:sp>
-        <p:nvSpPr>
-          <p:cNvPr id="29700" name="Content Placeholder 3"/>
-          <p:cNvSpPr>
-            <a:spLocks noGrp="1"/>
-          </p:cNvSpPr>
-          <p:nvPr>
-            <p:ph idx="1"/>
-          </p:nvPr>
+          <p:cNvPr id="3" name="Oval 2"/>
+          <p:cNvSpPr/>
+          <p:nvPr/>
         </p:nvSpPr>
         <p:spPr>
           <a:xfrm>
-            <a:off x="228600" y="1295400"/>
-            <a:ext cx="5029200" cy="4724400"/>
+            <a:off x="3369812" y="461065"/>
+            <a:ext cx="1430788" cy="1442525"/>
           </a:xfrm>
+          <a:prstGeom prst="ellipse">
+            <a:avLst/>
+          </a:prstGeom>
+          <a:solidFill>
+            <a:schemeClr val="bg1">
+              <a:lumMod val="95000"/>
+            </a:schemeClr>
+          </a:solidFill>
+          <a:ln w="3175">
+            <a:solidFill>
+              <a:schemeClr val="tx1">
+                <a:lumMod val="50000"/>
+                <a:lumOff val="50000"/>
+              </a:schemeClr>
+            </a:solidFill>
+          </a:ln>
         </p:spPr>
-        <p:txBody>
-          <a:bodyPr/>
+        <p:style>
+          <a:lnRef idx="2">
+            <a:schemeClr val="accent1">
+              <a:shade val="50000"/>
+            </a:schemeClr>
+          </a:lnRef>
+          <a:fillRef idx="1">
+            <a:schemeClr val="accent1"/>
+          </a:fillRef>
+          <a:effectRef idx="0">
+            <a:schemeClr val="accent1"/>
+          </a:effectRef>
+          <a:fontRef idx="minor">
+            <a:schemeClr val="lt1"/>
+          </a:fontRef>
+        </p:style>
+        <p:txBody>
+          <a:bodyPr rtlCol="0" anchor="ctr"/>
           <a:lstStyle/>
           <a:p>
-            <a:r>
-              <a:rPr lang="en-US" sz="2400" dirty="0">
-                <a:solidFill>
-                  <a:srgbClr val="00B050"/>
-                </a:solidFill>
-              </a:rPr>
-              <a:t>Myopia </a:t>
-            </a:r>
-            <a:r>
-              <a:rPr lang="en-US" sz="2400" dirty="0"/>
-              <a:t>– nearsightedness </a:t>
-            </a:r>
-          </a:p>
-          <a:p>
-            <a:pPr lvl="1"/>
-            <a:r>
-              <a:rPr lang="en-US" sz="2000" dirty="0"/>
-              <a:t>The ability to see close objects clearly but distant objects are blurry</a:t>
-            </a:r>
-          </a:p>
-          <a:p>
-            <a:pPr lvl="1"/>
-            <a:r>
-              <a:rPr lang="en-US" sz="2000" dirty="0"/>
-              <a:t>Cornea and lens focus object in front of the retina</a:t>
-            </a:r>
-          </a:p>
-          <a:p>
-            <a:pPr lvl="1"/>
-            <a:r>
-              <a:rPr lang="en-US" sz="2000" dirty="0"/>
-              <a:t>Corrected by concave lens (minus lens), radial keratotomy, laser corneal sculpting.</a:t>
-            </a:r>
-          </a:p>
-          <a:p>
-            <a:r>
-              <a:rPr lang="en-US" sz="2400" dirty="0" err="1">
-                <a:solidFill>
-                  <a:srgbClr val="00B050"/>
-                </a:solidFill>
-              </a:rPr>
-              <a:t>Hyperopia</a:t>
-            </a:r>
-            <a:r>
-              <a:rPr lang="en-US" sz="2400" dirty="0"/>
-              <a:t> - farsightedness</a:t>
-            </a:r>
-          </a:p>
-          <a:p>
-            <a:pPr lvl="1"/>
-            <a:r>
-              <a:rPr lang="en-US" sz="2000" dirty="0"/>
-              <a:t>Ability to see distant objects but close objects are blurry</a:t>
-            </a:r>
-          </a:p>
-          <a:p>
-            <a:pPr lvl="1"/>
-            <a:r>
-              <a:rPr lang="en-US" sz="2000" dirty="0"/>
-              <a:t>Image is focused behind the retina.</a:t>
-            </a:r>
-          </a:p>
-          <a:p>
-            <a:pPr lvl="1"/>
-            <a:r>
-              <a:rPr lang="en-US" sz="2000" dirty="0"/>
-              <a:t>Corrected by convex lenses.</a:t>
-            </a:r>
-          </a:p>
-        </p:txBody>
-      </p:sp>
+            <a:pPr algn="ctr"/>
+            <a:endParaRPr lang="en-US"/>
+          </a:p>
+        </p:txBody>
+      </p:sp>
+      <p:sp>
+        <p:nvSpPr>
+          <p:cNvPr id="105" name="Oval 104"/>
+          <p:cNvSpPr/>
+          <p:nvPr/>
+        </p:nvSpPr>
+        <p:spPr>
+          <a:xfrm>
+            <a:off x="3484294" y="591186"/>
+            <a:ext cx="1240106" cy="1237614"/>
+          </a:xfrm>
+          <a:prstGeom prst="ellipse">
+            <a:avLst/>
+          </a:prstGeom>
+          <a:solidFill>
+            <a:schemeClr val="tx1"/>
+          </a:solidFill>
+          <a:ln>
+            <a:solidFill>
+              <a:schemeClr val="tx1">
+                <a:lumMod val="50000"/>
+                <a:lumOff val="50000"/>
+              </a:schemeClr>
+            </a:solidFill>
+          </a:ln>
+        </p:spPr>
+        <p:style>
+          <a:lnRef idx="2">
+            <a:schemeClr val="accent1">
+              <a:shade val="50000"/>
+            </a:schemeClr>
+          </a:lnRef>
+          <a:fillRef idx="1">
+            <a:schemeClr val="accent1"/>
+          </a:fillRef>
+          <a:effectRef idx="0">
+            <a:schemeClr val="accent1"/>
+          </a:effectRef>
+          <a:fontRef idx="minor">
+            <a:schemeClr val="lt1"/>
+          </a:fontRef>
+        </p:style>
+        <p:txBody>
+          <a:bodyPr rtlCol="0" anchor="ctr"/>
+          <a:lstStyle/>
+          <a:p>
+            <a:pPr algn="ctr"/>
+            <a:endParaRPr lang="en-US"/>
+          </a:p>
+        </p:txBody>
+      </p:sp>
+      <p:sp>
+        <p:nvSpPr>
+          <p:cNvPr id="4" name="Oval 3"/>
+          <p:cNvSpPr/>
+          <p:nvPr/>
+        </p:nvSpPr>
+        <p:spPr>
+          <a:xfrm>
+            <a:off x="3484294" y="576413"/>
+            <a:ext cx="1240106" cy="1237614"/>
+          </a:xfrm>
+          <a:prstGeom prst="ellipse">
+            <a:avLst/>
+          </a:prstGeom>
+          <a:gradFill flip="none" rotWithShape="1">
+            <a:gsLst>
+              <a:gs pos="0">
+                <a:srgbClr val="CC0000">
+                  <a:shade val="30000"/>
+                  <a:satMod val="115000"/>
+                  <a:alpha val="0"/>
+                </a:srgbClr>
+              </a:gs>
+              <a:gs pos="50000">
+                <a:srgbClr val="CC0000">
+                  <a:shade val="67500"/>
+                  <a:satMod val="115000"/>
+                </a:srgbClr>
+              </a:gs>
+              <a:gs pos="100000">
+                <a:srgbClr val="CC0000">
+                  <a:shade val="100000"/>
+                  <a:satMod val="115000"/>
+                </a:srgbClr>
+              </a:gs>
+            </a:gsLst>
+            <a:lin ang="0" scaled="1"/>
+            <a:tileRect/>
+          </a:gradFill>
+          <a:ln>
+            <a:solidFill>
+              <a:schemeClr val="tx1">
+                <a:lumMod val="50000"/>
+                <a:lumOff val="50000"/>
+              </a:schemeClr>
+            </a:solidFill>
+          </a:ln>
+        </p:spPr>
+        <p:style>
+          <a:lnRef idx="2">
+            <a:schemeClr val="accent1">
+              <a:shade val="50000"/>
+            </a:schemeClr>
+          </a:lnRef>
+          <a:fillRef idx="1">
+            <a:schemeClr val="accent1"/>
+          </a:fillRef>
+          <a:effectRef idx="0">
+            <a:schemeClr val="accent1"/>
+          </a:effectRef>
+          <a:fontRef idx="minor">
+            <a:schemeClr val="lt1"/>
+          </a:fontRef>
+        </p:style>
+        <p:txBody>
+          <a:bodyPr rtlCol="0" anchor="ctr"/>
+          <a:lstStyle/>
+          <a:p>
+            <a:pPr algn="ctr"/>
+            <a:endParaRPr lang="en-US"/>
+          </a:p>
+        </p:txBody>
+      </p:sp>
+      <p:sp>
+        <p:nvSpPr>
+          <p:cNvPr id="5" name="Arc 4"/>
+          <p:cNvSpPr/>
+          <p:nvPr/>
+        </p:nvSpPr>
+        <p:spPr>
+          <a:xfrm>
+            <a:off x="3211416" y="731116"/>
+            <a:ext cx="884498" cy="863072"/>
+          </a:xfrm>
+          <a:prstGeom prst="arc">
+            <a:avLst>
+              <a:gd name="adj1" fmla="val 6516941"/>
+              <a:gd name="adj2" fmla="val 15325950"/>
+            </a:avLst>
+          </a:prstGeom>
+          <a:gradFill>
+            <a:gsLst>
+              <a:gs pos="0">
+                <a:srgbClr val="B9CDE5"/>
+              </a:gs>
+              <a:gs pos="50000">
+                <a:srgbClr val="969696">
+                  <a:tint val="44500"/>
+                  <a:satMod val="160000"/>
+                </a:srgbClr>
+              </a:gs>
+              <a:gs pos="100000">
+                <a:srgbClr val="969696">
+                  <a:tint val="23500"/>
+                  <a:satMod val="160000"/>
+                </a:srgbClr>
+              </a:gs>
+            </a:gsLst>
+            <a:lin ang="10800000" scaled="1"/>
+          </a:gradFill>
+          <a:ln>
+            <a:solidFill>
+              <a:schemeClr val="bg1">
+                <a:lumMod val="75000"/>
+              </a:schemeClr>
+            </a:solidFill>
+          </a:ln>
+        </p:spPr>
+        <p:style>
+          <a:lnRef idx="1">
+            <a:schemeClr val="accent1"/>
+          </a:lnRef>
+          <a:fillRef idx="0">
+            <a:schemeClr val="accent1"/>
+          </a:fillRef>
+          <a:effectRef idx="0">
+            <a:schemeClr val="accent1"/>
+          </a:effectRef>
+          <a:fontRef idx="minor">
+            <a:schemeClr val="tx1"/>
+          </a:fontRef>
+        </p:style>
+        <p:txBody>
+          <a:bodyPr rtlCol="0" anchor="ctr"/>
+          <a:lstStyle/>
+          <a:p>
+            <a:pPr algn="ctr"/>
+            <a:endParaRPr lang="en-US"/>
+          </a:p>
+        </p:txBody>
+      </p:sp>
+      <p:sp>
+        <p:nvSpPr>
+          <p:cNvPr id="6" name="Oval 5"/>
+          <p:cNvSpPr/>
+          <p:nvPr/>
+        </p:nvSpPr>
+        <p:spPr>
+          <a:xfrm rot="21414298">
+            <a:off x="3439688" y="909966"/>
+            <a:ext cx="249364" cy="528471"/>
+          </a:xfrm>
+          <a:prstGeom prst="ellipse">
+            <a:avLst/>
+          </a:prstGeom>
+          <a:solidFill>
+            <a:schemeClr val="bg1"/>
+          </a:solidFill>
+          <a:ln w="3175">
+            <a:solidFill>
+              <a:schemeClr val="tx1"/>
+            </a:solidFill>
+          </a:ln>
+        </p:spPr>
+        <p:style>
+          <a:lnRef idx="2">
+            <a:schemeClr val="accent1">
+              <a:shade val="50000"/>
+            </a:schemeClr>
+          </a:lnRef>
+          <a:fillRef idx="1">
+            <a:schemeClr val="accent1"/>
+          </a:fillRef>
+          <a:effectRef idx="0">
+            <a:schemeClr val="accent1"/>
+          </a:effectRef>
+          <a:fontRef idx="minor">
+            <a:schemeClr val="lt1"/>
+          </a:fontRef>
+        </p:style>
+        <p:txBody>
+          <a:bodyPr rtlCol="0" anchor="ctr"/>
+          <a:lstStyle/>
+          <a:p>
+            <a:pPr algn="ctr"/>
+            <a:endParaRPr lang="en-US"/>
+          </a:p>
+        </p:txBody>
+      </p:sp>
+      <p:sp>
+        <p:nvSpPr>
+          <p:cNvPr id="8" name="Oval 7"/>
+          <p:cNvSpPr/>
+          <p:nvPr/>
+        </p:nvSpPr>
+        <p:spPr>
+          <a:xfrm>
+            <a:off x="228601" y="381000"/>
+            <a:ext cx="1627846" cy="1205045"/>
+          </a:xfrm>
+          <a:prstGeom prst="ellipse">
+            <a:avLst/>
+          </a:prstGeom>
+          <a:gradFill flip="none" rotWithShape="1">
+            <a:gsLst>
+              <a:gs pos="32000">
+                <a:srgbClr val="FFFF00">
+                  <a:tint val="66000"/>
+                  <a:satMod val="160000"/>
+                </a:srgbClr>
+              </a:gs>
+              <a:gs pos="50000">
+                <a:srgbClr val="FFFF00">
+                  <a:tint val="44500"/>
+                  <a:satMod val="160000"/>
+                  <a:alpha val="46000"/>
+                </a:srgbClr>
+              </a:gs>
+              <a:gs pos="100000">
+                <a:srgbClr val="FFFF00">
+                  <a:tint val="23500"/>
+                  <a:satMod val="160000"/>
+                  <a:alpha val="0"/>
+                </a:srgbClr>
+              </a:gs>
+              <a:gs pos="66000">
+                <a:srgbClr val="FFFF00">
+                  <a:tint val="23500"/>
+                  <a:satMod val="160000"/>
+                  <a:alpha val="0"/>
+                </a:srgbClr>
+              </a:gs>
+            </a:gsLst>
+            <a:path path="circle">
+              <a:fillToRect l="50000" t="50000" r="50000" b="50000"/>
+            </a:path>
+            <a:tileRect/>
+          </a:gradFill>
+          <a:ln>
+            <a:noFill/>
+          </a:ln>
+        </p:spPr>
+        <p:style>
+          <a:lnRef idx="2">
+            <a:schemeClr val="accent1">
+              <a:shade val="50000"/>
+            </a:schemeClr>
+          </a:lnRef>
+          <a:fillRef idx="1">
+            <a:schemeClr val="accent1"/>
+          </a:fillRef>
+          <a:effectRef idx="0">
+            <a:schemeClr val="accent1"/>
+          </a:effectRef>
+          <a:fontRef idx="minor">
+            <a:schemeClr val="lt1"/>
+          </a:fontRef>
+        </p:style>
+        <p:txBody>
+          <a:bodyPr rtlCol="0" anchor="ctr"/>
+          <a:lstStyle/>
+          <a:p>
+            <a:pPr algn="ctr"/>
+            <a:endParaRPr lang="en-US"/>
+          </a:p>
+        </p:txBody>
+      </p:sp>
+      <p:grpSp>
+        <p:nvGrpSpPr>
+          <p:cNvPr id="2" name="Group 47"/>
+          <p:cNvGrpSpPr/>
+          <p:nvPr/>
+        </p:nvGrpSpPr>
+        <p:grpSpPr>
+          <a:xfrm>
+            <a:off x="623789" y="454283"/>
+            <a:ext cx="828037" cy="1496253"/>
+            <a:chOff x="2045756" y="1999283"/>
+            <a:chExt cx="1363850" cy="2696707"/>
+          </a:xfrm>
+        </p:grpSpPr>
+        <p:sp>
+          <p:nvSpPr>
+            <p:cNvPr id="22" name="Flowchart: Terminator 21"/>
+            <p:cNvSpPr/>
+            <p:nvPr/>
+          </p:nvSpPr>
+          <p:spPr>
+            <a:xfrm rot="5400000">
+              <a:off x="2208487" y="3696347"/>
+              <a:ext cx="976396" cy="557939"/>
+            </a:xfrm>
+            <a:prstGeom prst="flowChartTerminator">
+              <a:avLst/>
+            </a:prstGeom>
+            <a:gradFill flip="none" rotWithShape="1">
+              <a:gsLst>
+                <a:gs pos="0">
+                  <a:schemeClr val="accent1">
+                    <a:shade val="30000"/>
+                    <a:satMod val="115000"/>
+                  </a:schemeClr>
+                </a:gs>
+                <a:gs pos="50000">
+                  <a:schemeClr val="accent1">
+                    <a:shade val="67500"/>
+                    <a:satMod val="115000"/>
+                  </a:schemeClr>
+                </a:gs>
+                <a:gs pos="100000">
+                  <a:schemeClr val="accent1">
+                    <a:shade val="100000"/>
+                    <a:satMod val="115000"/>
+                  </a:schemeClr>
+                </a:gs>
+              </a:gsLst>
+              <a:lin ang="10800000" scaled="1"/>
+              <a:tileRect/>
+            </a:gradFill>
+            <a:ln>
+              <a:noFill/>
+            </a:ln>
+          </p:spPr>
+          <p:style>
+            <a:lnRef idx="2">
+              <a:schemeClr val="accent1">
+                <a:shade val="50000"/>
+              </a:schemeClr>
+            </a:lnRef>
+            <a:fillRef idx="1">
+              <a:schemeClr val="accent1"/>
+            </a:fillRef>
+            <a:effectRef idx="0">
+              <a:schemeClr val="accent1"/>
+            </a:effectRef>
+            <a:fontRef idx="minor">
+              <a:schemeClr val="lt1"/>
+            </a:fontRef>
+          </p:style>
+          <p:txBody>
+            <a:bodyPr rtlCol="0" anchor="ctr"/>
+            <a:lstStyle/>
+            <a:p>
+              <a:pPr algn="ctr"/>
+              <a:endParaRPr lang="en-US"/>
+            </a:p>
+          </p:txBody>
+        </p:sp>
+        <p:sp>
+          <p:nvSpPr>
+            <p:cNvPr id="23" name="Trapezoid 22"/>
+            <p:cNvSpPr/>
+            <p:nvPr/>
+          </p:nvSpPr>
+          <p:spPr>
+            <a:xfrm>
+              <a:off x="2340224" y="4355027"/>
+              <a:ext cx="712922" cy="340963"/>
+            </a:xfrm>
+            <a:prstGeom prst="trapezoid">
+              <a:avLst/>
+            </a:prstGeom>
+            <a:gradFill flip="none" rotWithShape="1">
+              <a:gsLst>
+                <a:gs pos="0">
+                  <a:schemeClr val="accent1">
+                    <a:shade val="30000"/>
+                    <a:satMod val="115000"/>
+                  </a:schemeClr>
+                </a:gs>
+                <a:gs pos="50000">
+                  <a:schemeClr val="accent1">
+                    <a:shade val="67500"/>
+                    <a:satMod val="115000"/>
+                  </a:schemeClr>
+                </a:gs>
+                <a:gs pos="100000">
+                  <a:schemeClr val="accent1">
+                    <a:shade val="100000"/>
+                    <a:satMod val="115000"/>
+                  </a:schemeClr>
+                </a:gs>
+              </a:gsLst>
+              <a:lin ang="5400000" scaled="1"/>
+              <a:tileRect/>
+            </a:gradFill>
+            <a:ln>
+              <a:noFill/>
+            </a:ln>
+          </p:spPr>
+          <p:style>
+            <a:lnRef idx="2">
+              <a:schemeClr val="accent1">
+                <a:shade val="50000"/>
+              </a:schemeClr>
+            </a:lnRef>
+            <a:fillRef idx="1">
+              <a:schemeClr val="accent1"/>
+            </a:fillRef>
+            <a:effectRef idx="0">
+              <a:schemeClr val="accent1"/>
+            </a:effectRef>
+            <a:fontRef idx="minor">
+              <a:schemeClr val="lt1"/>
+            </a:fontRef>
+          </p:style>
+          <p:txBody>
+            <a:bodyPr rtlCol="0" anchor="ctr"/>
+            <a:lstStyle/>
+            <a:p>
+              <a:pPr algn="ctr"/>
+              <a:endParaRPr lang="en-US"/>
+            </a:p>
+          </p:txBody>
+        </p:sp>
+        <p:sp>
+          <p:nvSpPr>
+            <p:cNvPr id="24" name="Double Bracket 23"/>
+            <p:cNvSpPr/>
+            <p:nvPr/>
+          </p:nvSpPr>
+          <p:spPr>
+            <a:xfrm flipH="1">
+              <a:off x="2572700" y="3068664"/>
+              <a:ext cx="247973" cy="402956"/>
+            </a:xfrm>
+            <a:prstGeom prst="bracketPair">
+              <a:avLst/>
+            </a:prstGeom>
+          </p:spPr>
+          <p:style>
+            <a:lnRef idx="1">
+              <a:schemeClr val="accent1"/>
+            </a:lnRef>
+            <a:fillRef idx="0">
+              <a:schemeClr val="accent1"/>
+            </a:fillRef>
+            <a:effectRef idx="0">
+              <a:schemeClr val="accent1"/>
+            </a:effectRef>
+            <a:fontRef idx="minor">
+              <a:schemeClr val="tx1"/>
+            </a:fontRef>
+          </p:style>
+          <p:txBody>
+            <a:bodyPr rtlCol="0" anchor="ctr"/>
+            <a:lstStyle/>
+            <a:p>
+              <a:pPr algn="ctr"/>
+              <a:endParaRPr lang="en-US"/>
+            </a:p>
+          </p:txBody>
+        </p:sp>
+        <p:sp>
+          <p:nvSpPr>
+            <p:cNvPr id="25" name="Trapezoid 24"/>
+            <p:cNvSpPr/>
+            <p:nvPr/>
+          </p:nvSpPr>
+          <p:spPr>
+            <a:xfrm>
+              <a:off x="2045756" y="1999283"/>
+              <a:ext cx="1363850" cy="1301857"/>
+            </a:xfrm>
+            <a:prstGeom prst="trapezoid">
+              <a:avLst/>
+            </a:prstGeom>
+            <a:gradFill flip="none" rotWithShape="1">
+              <a:gsLst>
+                <a:gs pos="0">
+                  <a:srgbClr val="FFC000">
+                    <a:tint val="66000"/>
+                    <a:satMod val="160000"/>
+                  </a:srgbClr>
+                </a:gs>
+                <a:gs pos="50000">
+                  <a:srgbClr val="FFC000">
+                    <a:tint val="44500"/>
+                    <a:satMod val="160000"/>
+                  </a:srgbClr>
+                </a:gs>
+                <a:gs pos="100000">
+                  <a:srgbClr val="FFC000">
+                    <a:tint val="23500"/>
+                    <a:satMod val="160000"/>
+                  </a:srgbClr>
+                </a:gs>
+              </a:gsLst>
+              <a:lin ang="2700000" scaled="1"/>
+              <a:tileRect/>
+            </a:gradFill>
+          </p:spPr>
+          <p:style>
+            <a:lnRef idx="2">
+              <a:schemeClr val="accent1">
+                <a:shade val="50000"/>
+              </a:schemeClr>
+            </a:lnRef>
+            <a:fillRef idx="1">
+              <a:schemeClr val="accent1"/>
+            </a:fillRef>
+            <a:effectRef idx="0">
+              <a:schemeClr val="accent1"/>
+            </a:effectRef>
+            <a:fontRef idx="minor">
+              <a:schemeClr val="lt1"/>
+            </a:fontRef>
+          </p:style>
+          <p:txBody>
+            <a:bodyPr rtlCol="0" anchor="ctr"/>
+            <a:lstStyle/>
+            <a:p>
+              <a:pPr algn="ctr"/>
+              <a:endParaRPr lang="en-US"/>
+            </a:p>
+          </p:txBody>
+        </p:sp>
+      </p:grpSp>
+      <p:grpSp>
+        <p:nvGrpSpPr>
+          <p:cNvPr id="7" name="Group 60"/>
+          <p:cNvGrpSpPr/>
+          <p:nvPr/>
+        </p:nvGrpSpPr>
+        <p:grpSpPr>
+          <a:xfrm>
+            <a:off x="4509939" y="1081231"/>
+            <a:ext cx="254051" cy="276835"/>
+            <a:chOff x="4383429" y="1596327"/>
+            <a:chExt cx="638012" cy="836908"/>
+          </a:xfrm>
+        </p:grpSpPr>
+        <p:sp>
+          <p:nvSpPr>
+            <p:cNvPr id="16" name="Oval 15"/>
+            <p:cNvSpPr/>
+            <p:nvPr/>
+          </p:nvSpPr>
+          <p:spPr>
+            <a:xfrm>
+              <a:off x="4383429" y="1764224"/>
+              <a:ext cx="638012" cy="669011"/>
+            </a:xfrm>
+            <a:prstGeom prst="ellipse">
+              <a:avLst/>
+            </a:prstGeom>
+            <a:gradFill flip="none" rotWithShape="1">
+              <a:gsLst>
+                <a:gs pos="32000">
+                  <a:srgbClr val="FFFF00">
+                    <a:tint val="66000"/>
+                    <a:satMod val="160000"/>
+                  </a:srgbClr>
+                </a:gs>
+                <a:gs pos="50000">
+                  <a:srgbClr val="FFFF00">
+                    <a:tint val="44500"/>
+                    <a:satMod val="160000"/>
+                    <a:alpha val="46000"/>
+                  </a:srgbClr>
+                </a:gs>
+                <a:gs pos="100000">
+                  <a:srgbClr val="FFFF00">
+                    <a:tint val="23500"/>
+                    <a:satMod val="160000"/>
+                    <a:alpha val="0"/>
+                  </a:srgbClr>
+                </a:gs>
+                <a:gs pos="66000">
+                  <a:srgbClr val="FFFF00">
+                    <a:tint val="23500"/>
+                    <a:satMod val="160000"/>
+                    <a:alpha val="0"/>
+                  </a:srgbClr>
+                </a:gs>
+              </a:gsLst>
+              <a:path path="circle">
+                <a:fillToRect l="50000" t="50000" r="50000" b="50000"/>
+              </a:path>
+              <a:tileRect/>
+            </a:gradFill>
+            <a:ln>
+              <a:noFill/>
+            </a:ln>
+          </p:spPr>
+          <p:style>
+            <a:lnRef idx="2">
+              <a:schemeClr val="accent1">
+                <a:shade val="50000"/>
+              </a:schemeClr>
+            </a:lnRef>
+            <a:fillRef idx="1">
+              <a:schemeClr val="accent1"/>
+            </a:fillRef>
+            <a:effectRef idx="0">
+              <a:schemeClr val="accent1"/>
+            </a:effectRef>
+            <a:fontRef idx="minor">
+              <a:schemeClr val="lt1"/>
+            </a:fontRef>
+          </p:style>
+          <p:txBody>
+            <a:bodyPr rtlCol="0" anchor="ctr"/>
+            <a:lstStyle/>
+            <a:p>
+              <a:pPr algn="ctr"/>
+              <a:endParaRPr lang="en-US"/>
+            </a:p>
+          </p:txBody>
+        </p:sp>
+        <p:grpSp>
+          <p:nvGrpSpPr>
+            <p:cNvPr id="9" name="Group 55"/>
+            <p:cNvGrpSpPr/>
+            <p:nvPr/>
+          </p:nvGrpSpPr>
+          <p:grpSpPr>
+            <a:xfrm flipV="1">
+              <a:off x="4571992" y="1596327"/>
+              <a:ext cx="291863" cy="663847"/>
+              <a:chOff x="2045756" y="1999283"/>
+              <a:chExt cx="1363850" cy="2696707"/>
+            </a:xfrm>
+          </p:grpSpPr>
+          <p:sp>
+            <p:nvSpPr>
+              <p:cNvPr id="18" name="Flowchart: Terminator 17"/>
+              <p:cNvSpPr/>
+              <p:nvPr/>
+            </p:nvSpPr>
+            <p:spPr>
+              <a:xfrm rot="5400000">
+                <a:off x="2208487" y="3696347"/>
+                <a:ext cx="976396" cy="557939"/>
+              </a:xfrm>
+              <a:prstGeom prst="flowChartTerminator">
+                <a:avLst/>
+              </a:prstGeom>
+              <a:gradFill flip="none" rotWithShape="1">
+                <a:gsLst>
+                  <a:gs pos="0">
+                    <a:schemeClr val="accent1">
+                      <a:shade val="30000"/>
+                      <a:satMod val="115000"/>
+                    </a:schemeClr>
+                  </a:gs>
+                  <a:gs pos="50000">
+                    <a:schemeClr val="accent1">
+                      <a:shade val="67500"/>
+                      <a:satMod val="115000"/>
+                    </a:schemeClr>
+                  </a:gs>
+                  <a:gs pos="100000">
+                    <a:schemeClr val="accent1">
+                      <a:shade val="100000"/>
+                      <a:satMod val="115000"/>
+                    </a:schemeClr>
+                  </a:gs>
+                </a:gsLst>
+                <a:lin ang="10800000" scaled="1"/>
+                <a:tileRect/>
+              </a:gradFill>
+              <a:ln>
+                <a:noFill/>
+              </a:ln>
+            </p:spPr>
+            <p:style>
+              <a:lnRef idx="2">
+                <a:schemeClr val="accent1">
+                  <a:shade val="50000"/>
+                </a:schemeClr>
+              </a:lnRef>
+              <a:fillRef idx="1">
+                <a:schemeClr val="accent1"/>
+              </a:fillRef>
+              <a:effectRef idx="0">
+                <a:schemeClr val="accent1"/>
+              </a:effectRef>
+              <a:fontRef idx="minor">
+                <a:schemeClr val="lt1"/>
+              </a:fontRef>
+            </p:style>
+            <p:txBody>
+              <a:bodyPr rtlCol="0" anchor="ctr"/>
+              <a:lstStyle/>
+              <a:p>
+                <a:pPr algn="ctr"/>
+                <a:endParaRPr lang="en-US"/>
+              </a:p>
+            </p:txBody>
+          </p:sp>
+          <p:sp>
+            <p:nvSpPr>
+              <p:cNvPr id="19" name="Trapezoid 18"/>
+              <p:cNvSpPr/>
+              <p:nvPr/>
+            </p:nvSpPr>
+            <p:spPr>
+              <a:xfrm>
+                <a:off x="2340224" y="4355027"/>
+                <a:ext cx="712922" cy="340963"/>
+              </a:xfrm>
+              <a:prstGeom prst="trapezoid">
+                <a:avLst/>
+              </a:prstGeom>
+              <a:gradFill flip="none" rotWithShape="1">
+                <a:gsLst>
+                  <a:gs pos="0">
+                    <a:schemeClr val="accent1">
+                      <a:shade val="30000"/>
+                      <a:satMod val="115000"/>
+                    </a:schemeClr>
+                  </a:gs>
+                  <a:gs pos="50000">
+                    <a:schemeClr val="accent1">
+                      <a:shade val="67500"/>
+                      <a:satMod val="115000"/>
+                    </a:schemeClr>
+                  </a:gs>
+                  <a:gs pos="100000">
+                    <a:schemeClr val="accent1">
+                      <a:shade val="100000"/>
+                      <a:satMod val="115000"/>
+                    </a:schemeClr>
+                  </a:gs>
+                </a:gsLst>
+                <a:lin ang="5400000" scaled="1"/>
+                <a:tileRect/>
+              </a:gradFill>
+              <a:ln>
+                <a:noFill/>
+              </a:ln>
+            </p:spPr>
+            <p:style>
+              <a:lnRef idx="2">
+                <a:schemeClr val="accent1">
+                  <a:shade val="50000"/>
+                </a:schemeClr>
+              </a:lnRef>
+              <a:fillRef idx="1">
+                <a:schemeClr val="accent1"/>
+              </a:fillRef>
+              <a:effectRef idx="0">
+                <a:schemeClr val="accent1"/>
+              </a:effectRef>
+              <a:fontRef idx="minor">
+                <a:schemeClr val="lt1"/>
+              </a:fontRef>
+            </p:style>
+            <p:txBody>
+              <a:bodyPr rtlCol="0" anchor="ctr"/>
+              <a:lstStyle/>
+              <a:p>
+                <a:pPr algn="ctr"/>
+                <a:endParaRPr lang="en-US"/>
+              </a:p>
+            </p:txBody>
+          </p:sp>
+          <p:sp>
+            <p:nvSpPr>
+              <p:cNvPr id="20" name="Double Bracket 19"/>
+              <p:cNvSpPr/>
+              <p:nvPr/>
+            </p:nvSpPr>
+            <p:spPr>
+              <a:xfrm flipH="1">
+                <a:off x="2572700" y="3068664"/>
+                <a:ext cx="247973" cy="402956"/>
+              </a:xfrm>
+              <a:prstGeom prst="bracketPair">
+                <a:avLst/>
+              </a:prstGeom>
+            </p:spPr>
+            <p:style>
+              <a:lnRef idx="1">
+                <a:schemeClr val="accent1"/>
+              </a:lnRef>
+              <a:fillRef idx="0">
+                <a:schemeClr val="accent1"/>
+              </a:fillRef>
+              <a:effectRef idx="0">
+                <a:schemeClr val="accent1"/>
+              </a:effectRef>
+              <a:fontRef idx="minor">
+                <a:schemeClr val="tx1"/>
+              </a:fontRef>
+            </p:style>
+            <p:txBody>
+              <a:bodyPr rtlCol="0" anchor="ctr"/>
+              <a:lstStyle/>
+              <a:p>
+                <a:pPr algn="ctr"/>
+                <a:endParaRPr lang="en-US"/>
+              </a:p>
+            </p:txBody>
+          </p:sp>
+          <p:sp>
+            <p:nvSpPr>
+              <p:cNvPr id="21" name="Trapezoid 20"/>
+              <p:cNvSpPr/>
+              <p:nvPr/>
+            </p:nvSpPr>
+            <p:spPr>
+              <a:xfrm>
+                <a:off x="2045756" y="1999283"/>
+                <a:ext cx="1363850" cy="1301857"/>
+              </a:xfrm>
+              <a:prstGeom prst="trapezoid">
+                <a:avLst/>
+              </a:prstGeom>
+              <a:gradFill flip="none" rotWithShape="1">
+                <a:gsLst>
+                  <a:gs pos="0">
+                    <a:srgbClr val="FFC000">
+                      <a:tint val="66000"/>
+                      <a:satMod val="160000"/>
+                    </a:srgbClr>
+                  </a:gs>
+                  <a:gs pos="50000">
+                    <a:srgbClr val="FFC000">
+                      <a:tint val="44500"/>
+                      <a:satMod val="160000"/>
+                    </a:srgbClr>
+                  </a:gs>
+                  <a:gs pos="100000">
+                    <a:srgbClr val="FFC000">
+                      <a:tint val="23500"/>
+                      <a:satMod val="160000"/>
+                    </a:srgbClr>
+                  </a:gs>
+                </a:gsLst>
+                <a:lin ang="2700000" scaled="1"/>
+                <a:tileRect/>
+              </a:gradFill>
+            </p:spPr>
+            <p:style>
+              <a:lnRef idx="2">
+                <a:schemeClr val="accent1">
+                  <a:shade val="50000"/>
+                </a:schemeClr>
+              </a:lnRef>
+              <a:fillRef idx="1">
+                <a:schemeClr val="accent1"/>
+              </a:fillRef>
+              <a:effectRef idx="0">
+                <a:schemeClr val="accent1"/>
+              </a:effectRef>
+              <a:fontRef idx="minor">
+                <a:schemeClr val="lt1"/>
+              </a:fontRef>
+            </p:style>
+            <p:txBody>
+              <a:bodyPr rtlCol="0" anchor="ctr"/>
+              <a:lstStyle/>
+              <a:p>
+                <a:pPr algn="ctr"/>
+                <a:endParaRPr lang="en-US"/>
+              </a:p>
+            </p:txBody>
+          </p:sp>
+        </p:grpSp>
+      </p:grpSp>
+      <p:grpSp>
+        <p:nvGrpSpPr>
+          <p:cNvPr id="10" name="Group 56"/>
+          <p:cNvGrpSpPr/>
+          <p:nvPr/>
+        </p:nvGrpSpPr>
+        <p:grpSpPr>
+          <a:xfrm>
+            <a:off x="1263649" y="456825"/>
+            <a:ext cx="3339643" cy="850690"/>
+            <a:chOff x="1828800" y="1771650"/>
+            <a:chExt cx="5500688" cy="1619250"/>
+          </a:xfrm>
+        </p:grpSpPr>
+        <p:cxnSp>
+          <p:nvCxnSpPr>
+            <p:cNvPr id="27" name="Straight Connector 26"/>
+            <p:cNvCxnSpPr/>
+            <p:nvPr/>
+          </p:nvCxnSpPr>
+          <p:spPr>
+            <a:xfrm>
+              <a:off x="1828800" y="1771650"/>
+              <a:ext cx="3390900" cy="804863"/>
+            </a:xfrm>
+            <a:prstGeom prst="line">
+              <a:avLst/>
+            </a:prstGeom>
+            <a:ln>
+              <a:solidFill>
+                <a:srgbClr val="FF0000"/>
+              </a:solidFill>
+            </a:ln>
+          </p:spPr>
+          <p:style>
+            <a:lnRef idx="1">
+              <a:schemeClr val="accent1"/>
+            </a:lnRef>
+            <a:fillRef idx="0">
+              <a:schemeClr val="accent1"/>
+            </a:fillRef>
+            <a:effectRef idx="0">
+              <a:schemeClr val="accent1"/>
+            </a:effectRef>
+            <a:fontRef idx="minor">
+              <a:schemeClr val="tx1"/>
+            </a:fontRef>
+          </p:style>
+        </p:cxnSp>
+        <p:cxnSp>
+          <p:nvCxnSpPr>
+            <p:cNvPr id="28" name="Straight Connector 27"/>
+            <p:cNvCxnSpPr/>
+            <p:nvPr/>
+          </p:nvCxnSpPr>
+          <p:spPr>
+            <a:xfrm>
+              <a:off x="5226962" y="2579821"/>
+              <a:ext cx="265226" cy="124311"/>
+            </a:xfrm>
+            <a:prstGeom prst="line">
+              <a:avLst/>
+            </a:prstGeom>
+            <a:ln>
+              <a:solidFill>
+                <a:srgbClr val="FF0000"/>
+              </a:solidFill>
+            </a:ln>
+          </p:spPr>
+          <p:style>
+            <a:lnRef idx="1">
+              <a:schemeClr val="accent1"/>
+            </a:lnRef>
+            <a:fillRef idx="0">
+              <a:schemeClr val="accent1"/>
+            </a:fillRef>
+            <a:effectRef idx="0">
+              <a:schemeClr val="accent1"/>
+            </a:effectRef>
+            <a:fontRef idx="minor">
+              <a:schemeClr val="tx1"/>
+            </a:fontRef>
+          </p:style>
+        </p:cxnSp>
+        <p:cxnSp>
+          <p:nvCxnSpPr>
+            <p:cNvPr id="30" name="Straight Connector 29"/>
+            <p:cNvCxnSpPr/>
+            <p:nvPr/>
+          </p:nvCxnSpPr>
+          <p:spPr>
+            <a:xfrm>
+              <a:off x="5505450" y="2709883"/>
+              <a:ext cx="261933" cy="133328"/>
+            </a:xfrm>
+            <a:prstGeom prst="line">
+              <a:avLst/>
+            </a:prstGeom>
+            <a:ln>
+              <a:solidFill>
+                <a:srgbClr val="FF0000"/>
+              </a:solidFill>
+            </a:ln>
+          </p:spPr>
+          <p:style>
+            <a:lnRef idx="1">
+              <a:schemeClr val="accent1"/>
+            </a:lnRef>
+            <a:fillRef idx="0">
+              <a:schemeClr val="accent1"/>
+            </a:fillRef>
+            <a:effectRef idx="0">
+              <a:schemeClr val="accent1"/>
+            </a:effectRef>
+            <a:fontRef idx="minor">
+              <a:schemeClr val="tx1"/>
+            </a:fontRef>
+          </p:style>
+        </p:cxnSp>
+        <p:cxnSp>
+          <p:nvCxnSpPr>
+            <p:cNvPr id="50" name="Straight Connector 49"/>
+            <p:cNvCxnSpPr/>
+            <p:nvPr/>
+          </p:nvCxnSpPr>
+          <p:spPr>
+            <a:xfrm>
+              <a:off x="5772151" y="2852759"/>
+              <a:ext cx="1557337" cy="538141"/>
+            </a:xfrm>
+            <a:prstGeom prst="line">
+              <a:avLst/>
+            </a:prstGeom>
+            <a:ln>
+              <a:solidFill>
+                <a:srgbClr val="FF0000"/>
+              </a:solidFill>
+            </a:ln>
+          </p:spPr>
+          <p:style>
+            <a:lnRef idx="1">
+              <a:schemeClr val="accent1"/>
+            </a:lnRef>
+            <a:fillRef idx="0">
+              <a:schemeClr val="accent1"/>
+            </a:fillRef>
+            <a:effectRef idx="0">
+              <a:schemeClr val="accent1"/>
+            </a:effectRef>
+            <a:fontRef idx="minor">
+              <a:schemeClr val="tx1"/>
+            </a:fontRef>
+          </p:style>
+        </p:cxnSp>
+      </p:grpSp>
+      <p:grpSp>
+        <p:nvGrpSpPr>
+          <p:cNvPr id="11" name="Group 57"/>
+          <p:cNvGrpSpPr/>
+          <p:nvPr/>
+        </p:nvGrpSpPr>
+        <p:grpSpPr>
+          <a:xfrm flipV="1">
+            <a:off x="1278106" y="1062316"/>
+            <a:ext cx="3339643" cy="850690"/>
+            <a:chOff x="1828800" y="1771650"/>
+            <a:chExt cx="5500688" cy="1619250"/>
+          </a:xfrm>
+        </p:grpSpPr>
+        <p:cxnSp>
+          <p:nvCxnSpPr>
+            <p:cNvPr id="59" name="Straight Connector 58"/>
+            <p:cNvCxnSpPr/>
+            <p:nvPr/>
+          </p:nvCxnSpPr>
+          <p:spPr>
+            <a:xfrm>
+              <a:off x="1828800" y="1771650"/>
+              <a:ext cx="3390900" cy="804863"/>
+            </a:xfrm>
+            <a:prstGeom prst="line">
+              <a:avLst/>
+            </a:prstGeom>
+            <a:ln>
+              <a:solidFill>
+                <a:srgbClr val="FF0000"/>
+              </a:solidFill>
+            </a:ln>
+          </p:spPr>
+          <p:style>
+            <a:lnRef idx="1">
+              <a:schemeClr val="accent1"/>
+            </a:lnRef>
+            <a:fillRef idx="0">
+              <a:schemeClr val="accent1"/>
+            </a:fillRef>
+            <a:effectRef idx="0">
+              <a:schemeClr val="accent1"/>
+            </a:effectRef>
+            <a:fontRef idx="minor">
+              <a:schemeClr val="tx1"/>
+            </a:fontRef>
+          </p:style>
+        </p:cxnSp>
+        <p:cxnSp>
+          <p:nvCxnSpPr>
+            <p:cNvPr id="60" name="Straight Connector 59"/>
+            <p:cNvCxnSpPr/>
+            <p:nvPr/>
+          </p:nvCxnSpPr>
+          <p:spPr>
+            <a:xfrm>
+              <a:off x="5226962" y="2579821"/>
+              <a:ext cx="265226" cy="124311"/>
+            </a:xfrm>
+            <a:prstGeom prst="line">
+              <a:avLst/>
+            </a:prstGeom>
+            <a:ln>
+              <a:solidFill>
+                <a:srgbClr val="FF0000"/>
+              </a:solidFill>
+            </a:ln>
+          </p:spPr>
+          <p:style>
+            <a:lnRef idx="1">
+              <a:schemeClr val="accent1"/>
+            </a:lnRef>
+            <a:fillRef idx="0">
+              <a:schemeClr val="accent1"/>
+            </a:fillRef>
+            <a:effectRef idx="0">
+              <a:schemeClr val="accent1"/>
+            </a:effectRef>
+            <a:fontRef idx="minor">
+              <a:schemeClr val="tx1"/>
+            </a:fontRef>
+          </p:style>
+        </p:cxnSp>
+        <p:cxnSp>
+          <p:nvCxnSpPr>
+            <p:cNvPr id="61" name="Straight Connector 60"/>
+            <p:cNvCxnSpPr/>
+            <p:nvPr/>
+          </p:nvCxnSpPr>
+          <p:spPr>
+            <a:xfrm>
+              <a:off x="5505450" y="2709883"/>
+              <a:ext cx="261933" cy="133328"/>
+            </a:xfrm>
+            <a:prstGeom prst="line">
+              <a:avLst/>
+            </a:prstGeom>
+            <a:ln>
+              <a:solidFill>
+                <a:srgbClr val="FF0000"/>
+              </a:solidFill>
+            </a:ln>
+          </p:spPr>
+          <p:style>
+            <a:lnRef idx="1">
+              <a:schemeClr val="accent1"/>
+            </a:lnRef>
+            <a:fillRef idx="0">
+              <a:schemeClr val="accent1"/>
+            </a:fillRef>
+            <a:effectRef idx="0">
+              <a:schemeClr val="accent1"/>
+            </a:effectRef>
+            <a:fontRef idx="minor">
+              <a:schemeClr val="tx1"/>
+            </a:fontRef>
+          </p:style>
+        </p:cxnSp>
+        <p:cxnSp>
+          <p:nvCxnSpPr>
+            <p:cNvPr id="62" name="Straight Connector 61"/>
+            <p:cNvCxnSpPr/>
+            <p:nvPr/>
+          </p:nvCxnSpPr>
+          <p:spPr>
+            <a:xfrm>
+              <a:off x="5772151" y="2852759"/>
+              <a:ext cx="1557337" cy="538141"/>
+            </a:xfrm>
+            <a:prstGeom prst="line">
+              <a:avLst/>
+            </a:prstGeom>
+            <a:ln>
+              <a:solidFill>
+                <a:srgbClr val="FF0000"/>
+              </a:solidFill>
+            </a:ln>
+          </p:spPr>
+          <p:style>
+            <a:lnRef idx="1">
+              <a:schemeClr val="accent1"/>
+            </a:lnRef>
+            <a:fillRef idx="0">
+              <a:schemeClr val="accent1"/>
+            </a:fillRef>
+            <a:effectRef idx="0">
+              <a:schemeClr val="accent1"/>
+            </a:effectRef>
+            <a:fontRef idx="minor">
+              <a:schemeClr val="tx1"/>
+            </a:fontRef>
+          </p:style>
+        </p:cxnSp>
+      </p:grpSp>
+      <p:sp>
+        <p:nvSpPr>
+          <p:cNvPr id="34" name="Oval 33"/>
+          <p:cNvSpPr/>
+          <p:nvPr/>
+        </p:nvSpPr>
+        <p:spPr>
+          <a:xfrm>
+            <a:off x="3293612" y="2463920"/>
+            <a:ext cx="2192788" cy="1442526"/>
+          </a:xfrm>
+          <a:prstGeom prst="ellipse">
+            <a:avLst/>
+          </a:prstGeom>
+          <a:solidFill>
+            <a:schemeClr val="bg1">
+              <a:lumMod val="95000"/>
+            </a:schemeClr>
+          </a:solidFill>
+          <a:ln w="3175">
+            <a:solidFill>
+              <a:schemeClr val="tx1">
+                <a:lumMod val="50000"/>
+                <a:lumOff val="50000"/>
+              </a:schemeClr>
+            </a:solidFill>
+          </a:ln>
+        </p:spPr>
+        <p:style>
+          <a:lnRef idx="2">
+            <a:schemeClr val="accent1">
+              <a:shade val="50000"/>
+            </a:schemeClr>
+          </a:lnRef>
+          <a:fillRef idx="1">
+            <a:schemeClr val="accent1"/>
+          </a:fillRef>
+          <a:effectRef idx="0">
+            <a:schemeClr val="accent1"/>
+          </a:effectRef>
+          <a:fontRef idx="minor">
+            <a:schemeClr val="lt1"/>
+          </a:fontRef>
+        </p:style>
+        <p:txBody>
+          <a:bodyPr rtlCol="0" anchor="ctr"/>
+          <a:lstStyle/>
+          <a:p>
+            <a:pPr algn="ctr"/>
+            <a:endParaRPr lang="en-US"/>
+          </a:p>
+        </p:txBody>
+      </p:sp>
+      <p:sp>
+        <p:nvSpPr>
+          <p:cNvPr id="106" name="Oval 105"/>
+          <p:cNvSpPr/>
+          <p:nvPr/>
+        </p:nvSpPr>
+        <p:spPr>
+          <a:xfrm>
+            <a:off x="3408094" y="2590800"/>
+            <a:ext cx="2002106" cy="1219200"/>
+          </a:xfrm>
+          <a:prstGeom prst="ellipse">
+            <a:avLst/>
+          </a:prstGeom>
+          <a:solidFill>
+            <a:schemeClr val="tx1"/>
+          </a:solidFill>
+          <a:ln>
+            <a:solidFill>
+              <a:schemeClr val="tx1">
+                <a:lumMod val="50000"/>
+                <a:lumOff val="50000"/>
+              </a:schemeClr>
+            </a:solidFill>
+          </a:ln>
+        </p:spPr>
+        <p:style>
+          <a:lnRef idx="2">
+            <a:schemeClr val="accent1">
+              <a:shade val="50000"/>
+            </a:schemeClr>
+          </a:lnRef>
+          <a:fillRef idx="1">
+            <a:schemeClr val="accent1"/>
+          </a:fillRef>
+          <a:effectRef idx="0">
+            <a:schemeClr val="accent1"/>
+          </a:effectRef>
+          <a:fontRef idx="minor">
+            <a:schemeClr val="lt1"/>
+          </a:fontRef>
+        </p:style>
+        <p:txBody>
+          <a:bodyPr rtlCol="0" anchor="ctr"/>
+          <a:lstStyle/>
+          <a:p>
+            <a:pPr algn="ctr"/>
+            <a:endParaRPr lang="en-US"/>
+          </a:p>
+        </p:txBody>
+      </p:sp>
+      <p:sp>
+        <p:nvSpPr>
+          <p:cNvPr id="35" name="Oval 34"/>
+          <p:cNvSpPr/>
+          <p:nvPr/>
+        </p:nvSpPr>
+        <p:spPr>
+          <a:xfrm>
+            <a:off x="3408094" y="2590800"/>
+            <a:ext cx="2002106" cy="1219200"/>
+          </a:xfrm>
+          <a:prstGeom prst="ellipse">
+            <a:avLst/>
+          </a:prstGeom>
+          <a:gradFill flip="none" rotWithShape="1">
+            <a:gsLst>
+              <a:gs pos="0">
+                <a:srgbClr val="CC0000">
+                  <a:shade val="30000"/>
+                  <a:satMod val="115000"/>
+                  <a:alpha val="0"/>
+                </a:srgbClr>
+              </a:gs>
+              <a:gs pos="50000">
+                <a:srgbClr val="CC0000">
+                  <a:shade val="67500"/>
+                  <a:satMod val="115000"/>
+                </a:srgbClr>
+              </a:gs>
+              <a:gs pos="100000">
+                <a:srgbClr val="CC0000">
+                  <a:shade val="100000"/>
+                  <a:satMod val="115000"/>
+                </a:srgbClr>
+              </a:gs>
+            </a:gsLst>
+            <a:lin ang="0" scaled="1"/>
+            <a:tileRect/>
+          </a:gradFill>
+          <a:ln>
+            <a:solidFill>
+              <a:schemeClr val="tx1">
+                <a:lumMod val="50000"/>
+                <a:lumOff val="50000"/>
+              </a:schemeClr>
+            </a:solidFill>
+          </a:ln>
+        </p:spPr>
+        <p:style>
+          <a:lnRef idx="2">
+            <a:schemeClr val="accent1">
+              <a:shade val="50000"/>
+            </a:schemeClr>
+          </a:lnRef>
+          <a:fillRef idx="1">
+            <a:schemeClr val="accent1"/>
+          </a:fillRef>
+          <a:effectRef idx="0">
+            <a:schemeClr val="accent1"/>
+          </a:effectRef>
+          <a:fontRef idx="minor">
+            <a:schemeClr val="lt1"/>
+          </a:fontRef>
+        </p:style>
+        <p:txBody>
+          <a:bodyPr rtlCol="0" anchor="ctr"/>
+          <a:lstStyle/>
+          <a:p>
+            <a:pPr algn="ctr"/>
+            <a:endParaRPr lang="en-US"/>
+          </a:p>
+        </p:txBody>
+      </p:sp>
+      <p:sp>
+        <p:nvSpPr>
+          <p:cNvPr id="36" name="Arc 35"/>
+          <p:cNvSpPr/>
+          <p:nvPr/>
+        </p:nvSpPr>
+        <p:spPr>
+          <a:xfrm>
+            <a:off x="3230302" y="2733971"/>
+            <a:ext cx="884498" cy="863072"/>
+          </a:xfrm>
+          <a:prstGeom prst="arc">
+            <a:avLst>
+              <a:gd name="adj1" fmla="val 6516941"/>
+              <a:gd name="adj2" fmla="val 15325950"/>
+            </a:avLst>
+          </a:prstGeom>
+          <a:gradFill>
+            <a:gsLst>
+              <a:gs pos="0">
+                <a:srgbClr val="B9CDE5"/>
+              </a:gs>
+              <a:gs pos="50000">
+                <a:srgbClr val="969696">
+                  <a:tint val="44500"/>
+                  <a:satMod val="160000"/>
+                </a:srgbClr>
+              </a:gs>
+              <a:gs pos="100000">
+                <a:srgbClr val="969696">
+                  <a:tint val="23500"/>
+                  <a:satMod val="160000"/>
+                </a:srgbClr>
+              </a:gs>
+            </a:gsLst>
+            <a:lin ang="10800000" scaled="1"/>
+          </a:gradFill>
+          <a:ln>
+            <a:solidFill>
+              <a:schemeClr val="bg1">
+                <a:lumMod val="75000"/>
+              </a:schemeClr>
+            </a:solidFill>
+          </a:ln>
+        </p:spPr>
+        <p:style>
+          <a:lnRef idx="1">
+            <a:schemeClr val="accent1"/>
+          </a:lnRef>
+          <a:fillRef idx="0">
+            <a:schemeClr val="accent1"/>
+          </a:fillRef>
+          <a:effectRef idx="0">
+            <a:schemeClr val="accent1"/>
+          </a:effectRef>
+          <a:fontRef idx="minor">
+            <a:schemeClr val="tx1"/>
+          </a:fontRef>
+        </p:style>
+        <p:txBody>
+          <a:bodyPr rtlCol="0" anchor="ctr"/>
+          <a:lstStyle/>
+          <a:p>
+            <a:pPr algn="ctr"/>
+            <a:endParaRPr lang="en-US"/>
+          </a:p>
+        </p:txBody>
+      </p:sp>
+      <p:sp>
+        <p:nvSpPr>
+          <p:cNvPr id="37" name="Oval 36"/>
+          <p:cNvSpPr/>
+          <p:nvPr/>
+        </p:nvSpPr>
+        <p:spPr>
+          <a:xfrm rot="21414298">
+            <a:off x="3470351" y="2912821"/>
+            <a:ext cx="249364" cy="528471"/>
+          </a:xfrm>
+          <a:prstGeom prst="ellipse">
+            <a:avLst/>
+          </a:prstGeom>
+          <a:solidFill>
+            <a:schemeClr val="bg1"/>
+          </a:solidFill>
+          <a:ln w="3175">
+            <a:solidFill>
+              <a:schemeClr val="tx1"/>
+            </a:solidFill>
+          </a:ln>
+        </p:spPr>
+        <p:style>
+          <a:lnRef idx="2">
+            <a:schemeClr val="accent1">
+              <a:shade val="50000"/>
+            </a:schemeClr>
+          </a:lnRef>
+          <a:fillRef idx="1">
+            <a:schemeClr val="accent1"/>
+          </a:fillRef>
+          <a:effectRef idx="0">
+            <a:schemeClr val="accent1"/>
+          </a:effectRef>
+          <a:fontRef idx="minor">
+            <a:schemeClr val="lt1"/>
+          </a:fontRef>
+        </p:style>
+        <p:txBody>
+          <a:bodyPr rtlCol="0" anchor="ctr"/>
+          <a:lstStyle/>
+          <a:p>
+            <a:pPr algn="ctr"/>
+            <a:endParaRPr lang="en-US"/>
+          </a:p>
+        </p:txBody>
+      </p:sp>
+      <p:sp>
+        <p:nvSpPr>
+          <p:cNvPr id="39" name="Oval 38"/>
+          <p:cNvSpPr/>
+          <p:nvPr/>
+        </p:nvSpPr>
+        <p:spPr>
+          <a:xfrm>
+            <a:off x="228601" y="2383855"/>
+            <a:ext cx="1627846" cy="1205045"/>
+          </a:xfrm>
+          <a:prstGeom prst="ellipse">
+            <a:avLst/>
+          </a:prstGeom>
+          <a:gradFill flip="none" rotWithShape="1">
+            <a:gsLst>
+              <a:gs pos="32000">
+                <a:srgbClr val="FFFF00">
+                  <a:tint val="66000"/>
+                  <a:satMod val="160000"/>
+                </a:srgbClr>
+              </a:gs>
+              <a:gs pos="50000">
+                <a:srgbClr val="FFFF00">
+                  <a:tint val="44500"/>
+                  <a:satMod val="160000"/>
+                  <a:alpha val="46000"/>
+                </a:srgbClr>
+              </a:gs>
+              <a:gs pos="100000">
+                <a:srgbClr val="FFFF00">
+                  <a:tint val="23500"/>
+                  <a:satMod val="160000"/>
+                  <a:alpha val="0"/>
+                </a:srgbClr>
+              </a:gs>
+              <a:gs pos="66000">
+                <a:srgbClr val="FFFF00">
+                  <a:tint val="23500"/>
+                  <a:satMod val="160000"/>
+                  <a:alpha val="0"/>
+                </a:srgbClr>
+              </a:gs>
+            </a:gsLst>
+            <a:path path="circle">
+              <a:fillToRect l="50000" t="50000" r="50000" b="50000"/>
+            </a:path>
+            <a:tileRect/>
+          </a:gradFill>
+          <a:ln>
+            <a:noFill/>
+          </a:ln>
+        </p:spPr>
+        <p:style>
+          <a:lnRef idx="2">
+            <a:schemeClr val="accent1">
+              <a:shade val="50000"/>
+            </a:schemeClr>
+          </a:lnRef>
+          <a:fillRef idx="1">
+            <a:schemeClr val="accent1"/>
+          </a:fillRef>
+          <a:effectRef idx="0">
+            <a:schemeClr val="accent1"/>
+          </a:effectRef>
+          <a:fontRef idx="minor">
+            <a:schemeClr val="lt1"/>
+          </a:fontRef>
+        </p:style>
+        <p:txBody>
+          <a:bodyPr rtlCol="0" anchor="ctr"/>
+          <a:lstStyle/>
+          <a:p>
+            <a:pPr algn="ctr"/>
+            <a:endParaRPr lang="en-US"/>
+          </a:p>
+        </p:txBody>
+      </p:sp>
+      <p:grpSp>
+        <p:nvGrpSpPr>
+          <p:cNvPr id="12" name="Group 47"/>
+          <p:cNvGrpSpPr/>
+          <p:nvPr/>
+        </p:nvGrpSpPr>
+        <p:grpSpPr>
+          <a:xfrm>
+            <a:off x="623788" y="2457139"/>
+            <a:ext cx="828037" cy="1496253"/>
+            <a:chOff x="2045756" y="1999283"/>
+            <a:chExt cx="1363850" cy="2696707"/>
+          </a:xfrm>
+        </p:grpSpPr>
+        <p:sp>
+          <p:nvSpPr>
+            <p:cNvPr id="65" name="Flowchart: Terminator 64"/>
+            <p:cNvSpPr/>
+            <p:nvPr/>
+          </p:nvSpPr>
+          <p:spPr>
+            <a:xfrm rot="5400000">
+              <a:off x="2208487" y="3696347"/>
+              <a:ext cx="976396" cy="557939"/>
+            </a:xfrm>
+            <a:prstGeom prst="flowChartTerminator">
+              <a:avLst/>
+            </a:prstGeom>
+            <a:gradFill flip="none" rotWithShape="1">
+              <a:gsLst>
+                <a:gs pos="0">
+                  <a:schemeClr val="accent1">
+                    <a:shade val="30000"/>
+                    <a:satMod val="115000"/>
+                  </a:schemeClr>
+                </a:gs>
+                <a:gs pos="50000">
+                  <a:schemeClr val="accent1">
+                    <a:shade val="67500"/>
+                    <a:satMod val="115000"/>
+                  </a:schemeClr>
+                </a:gs>
+                <a:gs pos="100000">
+                  <a:schemeClr val="accent1">
+                    <a:shade val="100000"/>
+                    <a:satMod val="115000"/>
+                  </a:schemeClr>
+                </a:gs>
+              </a:gsLst>
+              <a:lin ang="10800000" scaled="1"/>
+              <a:tileRect/>
+            </a:gradFill>
+            <a:ln>
+              <a:noFill/>
+            </a:ln>
+          </p:spPr>
+          <p:style>
+            <a:lnRef idx="2">
+              <a:schemeClr val="accent1">
+                <a:shade val="50000"/>
+              </a:schemeClr>
+            </a:lnRef>
+            <a:fillRef idx="1">
+              <a:schemeClr val="accent1"/>
+            </a:fillRef>
+            <a:effectRef idx="0">
+              <a:schemeClr val="accent1"/>
+            </a:effectRef>
+            <a:fontRef idx="minor">
+              <a:schemeClr val="lt1"/>
+            </a:fontRef>
+          </p:style>
+          <p:txBody>
+            <a:bodyPr rtlCol="0" anchor="ctr"/>
+            <a:lstStyle/>
+            <a:p>
+              <a:pPr algn="ctr"/>
+              <a:endParaRPr lang="en-US"/>
+            </a:p>
+          </p:txBody>
+        </p:sp>
+        <p:sp>
+          <p:nvSpPr>
+            <p:cNvPr id="66" name="Trapezoid 65"/>
+            <p:cNvSpPr/>
+            <p:nvPr/>
+          </p:nvSpPr>
+          <p:spPr>
+            <a:xfrm>
+              <a:off x="2340224" y="4355027"/>
+              <a:ext cx="712922" cy="340963"/>
+            </a:xfrm>
+            <a:prstGeom prst="trapezoid">
+              <a:avLst/>
+            </a:prstGeom>
+            <a:gradFill flip="none" rotWithShape="1">
+              <a:gsLst>
+                <a:gs pos="0">
+                  <a:schemeClr val="accent1">
+                    <a:shade val="30000"/>
+                    <a:satMod val="115000"/>
+                  </a:schemeClr>
+                </a:gs>
+                <a:gs pos="50000">
+                  <a:schemeClr val="accent1">
+                    <a:shade val="67500"/>
+                    <a:satMod val="115000"/>
+                  </a:schemeClr>
+                </a:gs>
+                <a:gs pos="100000">
+                  <a:schemeClr val="accent1">
+                    <a:shade val="100000"/>
+                    <a:satMod val="115000"/>
+                  </a:schemeClr>
+                </a:gs>
+              </a:gsLst>
+              <a:lin ang="5400000" scaled="1"/>
+              <a:tileRect/>
+            </a:gradFill>
+            <a:ln>
+              <a:noFill/>
+            </a:ln>
+          </p:spPr>
+          <p:style>
+            <a:lnRef idx="2">
+              <a:schemeClr val="accent1">
+                <a:shade val="50000"/>
+              </a:schemeClr>
+            </a:lnRef>
+            <a:fillRef idx="1">
+              <a:schemeClr val="accent1"/>
+            </a:fillRef>
+            <a:effectRef idx="0">
+              <a:schemeClr val="accent1"/>
+            </a:effectRef>
+            <a:fontRef idx="minor">
+              <a:schemeClr val="lt1"/>
+            </a:fontRef>
+          </p:style>
+          <p:txBody>
+            <a:bodyPr rtlCol="0" anchor="ctr"/>
+            <a:lstStyle/>
+            <a:p>
+              <a:pPr algn="ctr"/>
+              <a:endParaRPr lang="en-US"/>
+            </a:p>
+          </p:txBody>
+        </p:sp>
+        <p:sp>
+          <p:nvSpPr>
+            <p:cNvPr id="67" name="Double Bracket 23"/>
+            <p:cNvSpPr/>
+            <p:nvPr/>
+          </p:nvSpPr>
+          <p:spPr>
+            <a:xfrm flipH="1">
+              <a:off x="2572700" y="3068664"/>
+              <a:ext cx="247973" cy="402956"/>
+            </a:xfrm>
+            <a:prstGeom prst="bracketPair">
+              <a:avLst/>
+            </a:prstGeom>
+          </p:spPr>
+          <p:style>
+            <a:lnRef idx="1">
+              <a:schemeClr val="accent1"/>
+            </a:lnRef>
+            <a:fillRef idx="0">
+              <a:schemeClr val="accent1"/>
+            </a:fillRef>
+            <a:effectRef idx="0">
+              <a:schemeClr val="accent1"/>
+            </a:effectRef>
+            <a:fontRef idx="minor">
+              <a:schemeClr val="tx1"/>
+            </a:fontRef>
+          </p:style>
+          <p:txBody>
+            <a:bodyPr rtlCol="0" anchor="ctr"/>
+            <a:lstStyle/>
+            <a:p>
+              <a:pPr algn="ctr"/>
+              <a:endParaRPr lang="en-US"/>
+            </a:p>
+          </p:txBody>
+        </p:sp>
+        <p:sp>
+          <p:nvSpPr>
+            <p:cNvPr id="68" name="Trapezoid 67"/>
+            <p:cNvSpPr/>
+            <p:nvPr/>
+          </p:nvSpPr>
+          <p:spPr>
+            <a:xfrm>
+              <a:off x="2045756" y="1999283"/>
+              <a:ext cx="1363850" cy="1301857"/>
+            </a:xfrm>
+            <a:prstGeom prst="trapezoid">
+              <a:avLst/>
+            </a:prstGeom>
+            <a:gradFill flip="none" rotWithShape="1">
+              <a:gsLst>
+                <a:gs pos="0">
+                  <a:srgbClr val="FFC000">
+                    <a:tint val="66000"/>
+                    <a:satMod val="160000"/>
+                  </a:srgbClr>
+                </a:gs>
+                <a:gs pos="50000">
+                  <a:srgbClr val="FFC000">
+                    <a:tint val="44500"/>
+                    <a:satMod val="160000"/>
+                  </a:srgbClr>
+                </a:gs>
+                <a:gs pos="100000">
+                  <a:srgbClr val="FFC000">
+                    <a:tint val="23500"/>
+                    <a:satMod val="160000"/>
+                  </a:srgbClr>
+                </a:gs>
+              </a:gsLst>
+              <a:lin ang="2700000" scaled="1"/>
+              <a:tileRect/>
+            </a:gradFill>
+          </p:spPr>
+          <p:style>
+            <a:lnRef idx="2">
+              <a:schemeClr val="accent1">
+                <a:shade val="50000"/>
+              </a:schemeClr>
+            </a:lnRef>
+            <a:fillRef idx="1">
+              <a:schemeClr val="accent1"/>
+            </a:fillRef>
+            <a:effectRef idx="0">
+              <a:schemeClr val="accent1"/>
+            </a:effectRef>
+            <a:fontRef idx="minor">
+              <a:schemeClr val="lt1"/>
+            </a:fontRef>
+          </p:style>
+          <p:txBody>
+            <a:bodyPr rtlCol="0" anchor="ctr"/>
+            <a:lstStyle/>
+            <a:p>
+              <a:pPr algn="ctr"/>
+              <a:endParaRPr lang="en-US"/>
+            </a:p>
+          </p:txBody>
+        </p:sp>
+      </p:grpSp>
+      <p:grpSp>
+        <p:nvGrpSpPr>
+          <p:cNvPr id="13" name="Group 60"/>
+          <p:cNvGrpSpPr/>
+          <p:nvPr/>
+        </p:nvGrpSpPr>
+        <p:grpSpPr>
+          <a:xfrm>
+            <a:off x="4433740" y="3084085"/>
+            <a:ext cx="254050" cy="276835"/>
+            <a:chOff x="4383429" y="1596327"/>
+            <a:chExt cx="638012" cy="836908"/>
+          </a:xfrm>
+        </p:grpSpPr>
+        <p:sp>
+          <p:nvSpPr>
+            <p:cNvPr id="55" name="Oval 15"/>
+            <p:cNvSpPr/>
+            <p:nvPr/>
+          </p:nvSpPr>
+          <p:spPr>
+            <a:xfrm>
+              <a:off x="4383429" y="1764224"/>
+              <a:ext cx="638012" cy="669011"/>
+            </a:xfrm>
+            <a:prstGeom prst="ellipse">
+              <a:avLst/>
+            </a:prstGeom>
+            <a:gradFill flip="none" rotWithShape="1">
+              <a:gsLst>
+                <a:gs pos="32000">
+                  <a:srgbClr val="FFFF00">
+                    <a:tint val="66000"/>
+                    <a:satMod val="160000"/>
+                  </a:srgbClr>
+                </a:gs>
+                <a:gs pos="50000">
+                  <a:srgbClr val="FFFF00">
+                    <a:tint val="44500"/>
+                    <a:satMod val="160000"/>
+                    <a:alpha val="46000"/>
+                  </a:srgbClr>
+                </a:gs>
+                <a:gs pos="100000">
+                  <a:srgbClr val="FFFF00">
+                    <a:tint val="23500"/>
+                    <a:satMod val="160000"/>
+                    <a:alpha val="0"/>
+                  </a:srgbClr>
+                </a:gs>
+                <a:gs pos="66000">
+                  <a:srgbClr val="FFFF00">
+                    <a:tint val="23500"/>
+                    <a:satMod val="160000"/>
+                    <a:alpha val="0"/>
+                  </a:srgbClr>
+                </a:gs>
+              </a:gsLst>
+              <a:path path="circle">
+                <a:fillToRect l="50000" t="50000" r="50000" b="50000"/>
+              </a:path>
+              <a:tileRect/>
+            </a:gradFill>
+            <a:ln>
+              <a:noFill/>
+            </a:ln>
+          </p:spPr>
+          <p:style>
+            <a:lnRef idx="2">
+              <a:schemeClr val="accent1">
+                <a:shade val="50000"/>
+              </a:schemeClr>
+            </a:lnRef>
+            <a:fillRef idx="1">
+              <a:schemeClr val="accent1"/>
+            </a:fillRef>
+            <a:effectRef idx="0">
+              <a:schemeClr val="accent1"/>
+            </a:effectRef>
+            <a:fontRef idx="minor">
+              <a:schemeClr val="lt1"/>
+            </a:fontRef>
+          </p:style>
+          <p:txBody>
+            <a:bodyPr rtlCol="0" anchor="ctr"/>
+            <a:lstStyle/>
+            <a:p>
+              <a:pPr algn="ctr"/>
+              <a:endParaRPr lang="en-US"/>
+            </a:p>
+          </p:txBody>
+        </p:sp>
+        <p:grpSp>
+          <p:nvGrpSpPr>
+            <p:cNvPr id="14" name="Group 55"/>
+            <p:cNvGrpSpPr/>
+            <p:nvPr/>
+          </p:nvGrpSpPr>
+          <p:grpSpPr>
+            <a:xfrm flipV="1">
+              <a:off x="4571994" y="1596327"/>
+              <a:ext cx="291863" cy="663847"/>
+              <a:chOff x="2045756" y="1999283"/>
+              <a:chExt cx="1363850" cy="2696707"/>
+            </a:xfrm>
+          </p:grpSpPr>
+          <p:sp>
+            <p:nvSpPr>
+              <p:cNvPr id="57" name="Flowchart: Terminator 56"/>
+              <p:cNvSpPr/>
+              <p:nvPr/>
+            </p:nvSpPr>
+            <p:spPr>
+              <a:xfrm rot="5400000">
+                <a:off x="2208487" y="3696347"/>
+                <a:ext cx="976396" cy="557939"/>
+              </a:xfrm>
+              <a:prstGeom prst="flowChartTerminator">
+                <a:avLst/>
+              </a:prstGeom>
+              <a:gradFill flip="none" rotWithShape="1">
+                <a:gsLst>
+                  <a:gs pos="0">
+                    <a:schemeClr val="accent1">
+                      <a:shade val="30000"/>
+                      <a:satMod val="115000"/>
+                    </a:schemeClr>
+                  </a:gs>
+                  <a:gs pos="50000">
+                    <a:schemeClr val="accent1">
+                      <a:shade val="67500"/>
+                      <a:satMod val="115000"/>
+                    </a:schemeClr>
+                  </a:gs>
+                  <a:gs pos="100000">
+                    <a:schemeClr val="accent1">
+                      <a:shade val="100000"/>
+                      <a:satMod val="115000"/>
+                    </a:schemeClr>
+                  </a:gs>
+                </a:gsLst>
+                <a:lin ang="10800000" scaled="1"/>
+                <a:tileRect/>
+              </a:gradFill>
+              <a:ln>
+                <a:noFill/>
+              </a:ln>
+            </p:spPr>
+            <p:style>
+              <a:lnRef idx="2">
+                <a:schemeClr val="accent1">
+                  <a:shade val="50000"/>
+                </a:schemeClr>
+              </a:lnRef>
+              <a:fillRef idx="1">
+                <a:schemeClr val="accent1"/>
+              </a:fillRef>
+              <a:effectRef idx="0">
+                <a:schemeClr val="accent1"/>
+              </a:effectRef>
+              <a:fontRef idx="minor">
+                <a:schemeClr val="lt1"/>
+              </a:fontRef>
+            </p:style>
+            <p:txBody>
+              <a:bodyPr rtlCol="0" anchor="ctr"/>
+              <a:lstStyle/>
+              <a:p>
+                <a:pPr algn="ctr"/>
+                <a:endParaRPr lang="en-US"/>
+              </a:p>
+            </p:txBody>
+          </p:sp>
+          <p:sp>
+            <p:nvSpPr>
+              <p:cNvPr id="58" name="Trapezoid 57"/>
+              <p:cNvSpPr/>
+              <p:nvPr/>
+            </p:nvSpPr>
+            <p:spPr>
+              <a:xfrm>
+                <a:off x="2340224" y="4355027"/>
+                <a:ext cx="712922" cy="340963"/>
+              </a:xfrm>
+              <a:prstGeom prst="trapezoid">
+                <a:avLst/>
+              </a:prstGeom>
+              <a:gradFill flip="none" rotWithShape="1">
+                <a:gsLst>
+                  <a:gs pos="0">
+                    <a:schemeClr val="accent1">
+                      <a:shade val="30000"/>
+                      <a:satMod val="115000"/>
+                    </a:schemeClr>
+                  </a:gs>
+                  <a:gs pos="50000">
+                    <a:schemeClr val="accent1">
+                      <a:shade val="67500"/>
+                      <a:satMod val="115000"/>
+                    </a:schemeClr>
+                  </a:gs>
+                  <a:gs pos="100000">
+                    <a:schemeClr val="accent1">
+                      <a:shade val="100000"/>
+                      <a:satMod val="115000"/>
+                    </a:schemeClr>
+                  </a:gs>
+                </a:gsLst>
+                <a:lin ang="5400000" scaled="1"/>
+                <a:tileRect/>
+              </a:gradFill>
+              <a:ln>
+                <a:noFill/>
+              </a:ln>
+            </p:spPr>
+            <p:style>
+              <a:lnRef idx="2">
+                <a:schemeClr val="accent1">
+                  <a:shade val="50000"/>
+                </a:schemeClr>
+              </a:lnRef>
+              <a:fillRef idx="1">
+                <a:schemeClr val="accent1"/>
+              </a:fillRef>
+              <a:effectRef idx="0">
+                <a:schemeClr val="accent1"/>
+              </a:effectRef>
+              <a:fontRef idx="minor">
+                <a:schemeClr val="lt1"/>
+              </a:fontRef>
+            </p:style>
+            <p:txBody>
+              <a:bodyPr rtlCol="0" anchor="ctr"/>
+              <a:lstStyle/>
+              <a:p>
+                <a:pPr algn="ctr"/>
+                <a:endParaRPr lang="en-US"/>
+              </a:p>
+            </p:txBody>
+          </p:sp>
+          <p:sp>
+            <p:nvSpPr>
+              <p:cNvPr id="63" name="Double Bracket 62"/>
+              <p:cNvSpPr/>
+              <p:nvPr/>
+            </p:nvSpPr>
+            <p:spPr>
+              <a:xfrm flipH="1">
+                <a:off x="2572700" y="3068664"/>
+                <a:ext cx="247973" cy="402956"/>
+              </a:xfrm>
+              <a:prstGeom prst="bracketPair">
+                <a:avLst/>
+              </a:prstGeom>
+            </p:spPr>
+            <p:style>
+              <a:lnRef idx="1">
+                <a:schemeClr val="accent1"/>
+              </a:lnRef>
+              <a:fillRef idx="0">
+                <a:schemeClr val="accent1"/>
+              </a:fillRef>
+              <a:effectRef idx="0">
+                <a:schemeClr val="accent1"/>
+              </a:effectRef>
+              <a:fontRef idx="minor">
+                <a:schemeClr val="tx1"/>
+              </a:fontRef>
+            </p:style>
+            <p:txBody>
+              <a:bodyPr rtlCol="0" anchor="ctr"/>
+              <a:lstStyle/>
+              <a:p>
+                <a:pPr algn="ctr"/>
+                <a:endParaRPr lang="en-US"/>
+              </a:p>
+            </p:txBody>
+          </p:sp>
+          <p:sp>
+            <p:nvSpPr>
+              <p:cNvPr id="64" name="Trapezoid 63"/>
+              <p:cNvSpPr/>
+              <p:nvPr/>
+            </p:nvSpPr>
+            <p:spPr>
+              <a:xfrm>
+                <a:off x="2045756" y="1999283"/>
+                <a:ext cx="1363850" cy="1301857"/>
+              </a:xfrm>
+              <a:prstGeom prst="trapezoid">
+                <a:avLst/>
+              </a:prstGeom>
+              <a:gradFill flip="none" rotWithShape="1">
+                <a:gsLst>
+                  <a:gs pos="0">
+                    <a:srgbClr val="FFC000">
+                      <a:tint val="66000"/>
+                      <a:satMod val="160000"/>
+                    </a:srgbClr>
+                  </a:gs>
+                  <a:gs pos="50000">
+                    <a:srgbClr val="FFC000">
+                      <a:tint val="44500"/>
+                      <a:satMod val="160000"/>
+                    </a:srgbClr>
+                  </a:gs>
+                  <a:gs pos="100000">
+                    <a:srgbClr val="FFC000">
+                      <a:tint val="23500"/>
+                      <a:satMod val="160000"/>
+                    </a:srgbClr>
+                  </a:gs>
+                </a:gsLst>
+                <a:lin ang="2700000" scaled="1"/>
+                <a:tileRect/>
+              </a:gradFill>
+            </p:spPr>
+            <p:style>
+              <a:lnRef idx="2">
+                <a:schemeClr val="accent1">
+                  <a:shade val="50000"/>
+                </a:schemeClr>
+              </a:lnRef>
+              <a:fillRef idx="1">
+                <a:schemeClr val="accent1"/>
+              </a:fillRef>
+              <a:effectRef idx="0">
+                <a:schemeClr val="accent1"/>
+              </a:effectRef>
+              <a:fontRef idx="minor">
+                <a:schemeClr val="lt1"/>
+              </a:fontRef>
+            </p:style>
+            <p:txBody>
+              <a:bodyPr rtlCol="0" anchor="ctr"/>
+              <a:lstStyle/>
+              <a:p>
+                <a:pPr algn="ctr"/>
+                <a:endParaRPr lang="en-US"/>
+              </a:p>
+            </p:txBody>
+          </p:sp>
+        </p:grpSp>
+      </p:grpSp>
+      <p:sp>
+        <p:nvSpPr>
+          <p:cNvPr id="100" name="Rectangle 99"/>
+          <p:cNvSpPr/>
+          <p:nvPr/>
+        </p:nvSpPr>
+        <p:spPr>
+          <a:xfrm>
+            <a:off x="5791200" y="2895600"/>
+            <a:ext cx="2941831" cy="369332"/>
+          </a:xfrm>
+          <a:prstGeom prst="rect">
+            <a:avLst/>
+          </a:prstGeom>
+        </p:spPr>
+        <p:txBody>
+          <a:bodyPr wrap="none">
+            <a:spAutoFit/>
+          </a:bodyPr>
+          <a:lstStyle/>
+          <a:p>
+            <a:r>
+              <a:rPr lang="en-US" dirty="0"/>
+              <a:t>Myopia – nearsightedness </a:t>
+            </a:r>
+          </a:p>
+        </p:txBody>
+      </p:sp>
+      <p:sp>
+        <p:nvSpPr>
+          <p:cNvPr id="101" name="Rectangle 100"/>
+          <p:cNvSpPr/>
+          <p:nvPr/>
+        </p:nvSpPr>
+        <p:spPr>
+          <a:xfrm>
+            <a:off x="5791200" y="5410200"/>
+            <a:ext cx="1853713" cy="369332"/>
+          </a:xfrm>
+          <a:prstGeom prst="rect">
+            <a:avLst/>
+          </a:prstGeom>
+        </p:spPr>
+        <p:txBody>
+          <a:bodyPr wrap="none">
+            <a:spAutoFit/>
+          </a:bodyPr>
+          <a:lstStyle/>
+          <a:p>
+            <a:r>
+              <a:rPr lang="en-US" dirty="0"/>
+              <a:t>Corrected myopia</a:t>
+            </a:r>
+          </a:p>
+        </p:txBody>
+      </p:sp>
+      <p:sp>
+        <p:nvSpPr>
+          <p:cNvPr id="102" name="Rectangle 101"/>
+          <p:cNvSpPr/>
+          <p:nvPr/>
+        </p:nvSpPr>
+        <p:spPr>
+          <a:xfrm>
+            <a:off x="5791200" y="1066800"/>
+            <a:ext cx="928459" cy="369332"/>
+          </a:xfrm>
+          <a:prstGeom prst="rect">
+            <a:avLst/>
+          </a:prstGeom>
+        </p:spPr>
+        <p:txBody>
+          <a:bodyPr wrap="none">
+            <a:spAutoFit/>
+          </a:bodyPr>
+          <a:lstStyle/>
+          <a:p>
+            <a:r>
+              <a:rPr lang="en-US" dirty="0"/>
+              <a:t>Normal</a:t>
+            </a:r>
+          </a:p>
+        </p:txBody>
+      </p:sp>
+      <p:sp>
+        <p:nvSpPr>
+          <p:cNvPr id="90" name="Oval 89"/>
+          <p:cNvSpPr/>
+          <p:nvPr/>
+        </p:nvSpPr>
+        <p:spPr>
+          <a:xfrm>
+            <a:off x="3352800" y="4648200"/>
+            <a:ext cx="2192788" cy="1442526"/>
+          </a:xfrm>
+          <a:prstGeom prst="ellipse">
+            <a:avLst/>
+          </a:prstGeom>
+          <a:solidFill>
+            <a:schemeClr val="bg1">
+              <a:lumMod val="95000"/>
+            </a:schemeClr>
+          </a:solidFill>
+          <a:ln w="3175">
+            <a:solidFill>
+              <a:schemeClr val="tx1">
+                <a:lumMod val="50000"/>
+                <a:lumOff val="50000"/>
+              </a:schemeClr>
+            </a:solidFill>
+          </a:ln>
+        </p:spPr>
+        <p:style>
+          <a:lnRef idx="2">
+            <a:schemeClr val="accent1">
+              <a:shade val="50000"/>
+            </a:schemeClr>
+          </a:lnRef>
+          <a:fillRef idx="1">
+            <a:schemeClr val="accent1"/>
+          </a:fillRef>
+          <a:effectRef idx="0">
+            <a:schemeClr val="accent1"/>
+          </a:effectRef>
+          <a:fontRef idx="minor">
+            <a:schemeClr val="lt1"/>
+          </a:fontRef>
+        </p:style>
+        <p:txBody>
+          <a:bodyPr rtlCol="0" anchor="ctr"/>
+          <a:lstStyle/>
+          <a:p>
+            <a:pPr algn="ctr"/>
+            <a:endParaRPr lang="en-US"/>
+          </a:p>
+        </p:txBody>
+      </p:sp>
+      <p:sp>
+        <p:nvSpPr>
+          <p:cNvPr id="95" name="Oval 94"/>
+          <p:cNvSpPr/>
+          <p:nvPr/>
+        </p:nvSpPr>
+        <p:spPr>
+          <a:xfrm>
+            <a:off x="3467282" y="4775080"/>
+            <a:ext cx="2002106" cy="1219200"/>
+          </a:xfrm>
+          <a:prstGeom prst="ellipse">
+            <a:avLst/>
+          </a:prstGeom>
+          <a:solidFill>
+            <a:schemeClr val="tx1"/>
+          </a:solidFill>
+          <a:ln>
+            <a:solidFill>
+              <a:schemeClr val="tx1">
+                <a:lumMod val="50000"/>
+                <a:lumOff val="50000"/>
+              </a:schemeClr>
+            </a:solidFill>
+          </a:ln>
+        </p:spPr>
+        <p:style>
+          <a:lnRef idx="2">
+            <a:schemeClr val="accent1">
+              <a:shade val="50000"/>
+            </a:schemeClr>
+          </a:lnRef>
+          <a:fillRef idx="1">
+            <a:schemeClr val="accent1"/>
+          </a:fillRef>
+          <a:effectRef idx="0">
+            <a:schemeClr val="accent1"/>
+          </a:effectRef>
+          <a:fontRef idx="minor">
+            <a:schemeClr val="lt1"/>
+          </a:fontRef>
+        </p:style>
+        <p:txBody>
+          <a:bodyPr rtlCol="0" anchor="ctr"/>
+          <a:lstStyle/>
+          <a:p>
+            <a:pPr algn="ctr"/>
+            <a:endParaRPr lang="en-US"/>
+          </a:p>
+        </p:txBody>
+      </p:sp>
+      <p:sp>
+        <p:nvSpPr>
+          <p:cNvPr id="107" name="Oval 106"/>
+          <p:cNvSpPr/>
+          <p:nvPr/>
+        </p:nvSpPr>
+        <p:spPr>
+          <a:xfrm>
+            <a:off x="3467282" y="4775080"/>
+            <a:ext cx="2002106" cy="1219200"/>
+          </a:xfrm>
+          <a:prstGeom prst="ellipse">
+            <a:avLst/>
+          </a:prstGeom>
+          <a:gradFill flip="none" rotWithShape="1">
+            <a:gsLst>
+              <a:gs pos="0">
+                <a:srgbClr val="CC0000">
+                  <a:shade val="30000"/>
+                  <a:satMod val="115000"/>
+                  <a:alpha val="0"/>
+                </a:srgbClr>
+              </a:gs>
+              <a:gs pos="50000">
+                <a:srgbClr val="CC0000">
+                  <a:shade val="67500"/>
+                  <a:satMod val="115000"/>
+                </a:srgbClr>
+              </a:gs>
+              <a:gs pos="100000">
+                <a:srgbClr val="CC0000">
+                  <a:shade val="100000"/>
+                  <a:satMod val="115000"/>
+                </a:srgbClr>
+              </a:gs>
+            </a:gsLst>
+            <a:lin ang="0" scaled="1"/>
+            <a:tileRect/>
+          </a:gradFill>
+          <a:ln>
+            <a:solidFill>
+              <a:schemeClr val="tx1">
+                <a:lumMod val="50000"/>
+                <a:lumOff val="50000"/>
+              </a:schemeClr>
+            </a:solidFill>
+          </a:ln>
+        </p:spPr>
+        <p:style>
+          <a:lnRef idx="2">
+            <a:schemeClr val="accent1">
+              <a:shade val="50000"/>
+            </a:schemeClr>
+          </a:lnRef>
+          <a:fillRef idx="1">
+            <a:schemeClr val="accent1"/>
+          </a:fillRef>
+          <a:effectRef idx="0">
+            <a:schemeClr val="accent1"/>
+          </a:effectRef>
+          <a:fontRef idx="minor">
+            <a:schemeClr val="lt1"/>
+          </a:fontRef>
+        </p:style>
+        <p:txBody>
+          <a:bodyPr rtlCol="0" anchor="ctr"/>
+          <a:lstStyle/>
+          <a:p>
+            <a:pPr algn="ctr"/>
+            <a:endParaRPr lang="en-US"/>
+          </a:p>
+        </p:txBody>
+      </p:sp>
+      <p:sp>
+        <p:nvSpPr>
+          <p:cNvPr id="108" name="Arc 107"/>
+          <p:cNvSpPr/>
+          <p:nvPr/>
+        </p:nvSpPr>
+        <p:spPr>
+          <a:xfrm>
+            <a:off x="3289490" y="4918251"/>
+            <a:ext cx="884498" cy="863072"/>
+          </a:xfrm>
+          <a:prstGeom prst="arc">
+            <a:avLst>
+              <a:gd name="adj1" fmla="val 6516941"/>
+              <a:gd name="adj2" fmla="val 15325950"/>
+            </a:avLst>
+          </a:prstGeom>
+          <a:gradFill>
+            <a:gsLst>
+              <a:gs pos="0">
+                <a:srgbClr val="B9CDE5"/>
+              </a:gs>
+              <a:gs pos="50000">
+                <a:srgbClr val="969696">
+                  <a:tint val="44500"/>
+                  <a:satMod val="160000"/>
+                </a:srgbClr>
+              </a:gs>
+              <a:gs pos="100000">
+                <a:srgbClr val="969696">
+                  <a:tint val="23500"/>
+                  <a:satMod val="160000"/>
+                </a:srgbClr>
+              </a:gs>
+            </a:gsLst>
+            <a:lin ang="10800000" scaled="1"/>
+          </a:gradFill>
+          <a:ln>
+            <a:solidFill>
+              <a:schemeClr val="bg1">
+                <a:lumMod val="75000"/>
+              </a:schemeClr>
+            </a:solidFill>
+          </a:ln>
+        </p:spPr>
+        <p:style>
+          <a:lnRef idx="1">
+            <a:schemeClr val="accent1"/>
+          </a:lnRef>
+          <a:fillRef idx="0">
+            <a:schemeClr val="accent1"/>
+          </a:fillRef>
+          <a:effectRef idx="0">
+            <a:schemeClr val="accent1"/>
+          </a:effectRef>
+          <a:fontRef idx="minor">
+            <a:schemeClr val="tx1"/>
+          </a:fontRef>
+        </p:style>
+        <p:txBody>
+          <a:bodyPr rtlCol="0" anchor="ctr"/>
+          <a:lstStyle/>
+          <a:p>
+            <a:pPr algn="ctr"/>
+            <a:endParaRPr lang="en-US"/>
+          </a:p>
+        </p:txBody>
+      </p:sp>
+      <p:sp>
+        <p:nvSpPr>
+          <p:cNvPr id="109" name="Oval 108"/>
+          <p:cNvSpPr/>
+          <p:nvPr/>
+        </p:nvSpPr>
+        <p:spPr>
+          <a:xfrm rot="21414298">
+            <a:off x="3529539" y="5097101"/>
+            <a:ext cx="249364" cy="528471"/>
+          </a:xfrm>
+          <a:prstGeom prst="ellipse">
+            <a:avLst/>
+          </a:prstGeom>
+          <a:solidFill>
+            <a:schemeClr val="bg1"/>
+          </a:solidFill>
+          <a:ln w="3175">
+            <a:solidFill>
+              <a:schemeClr val="tx1"/>
+            </a:solidFill>
+          </a:ln>
+        </p:spPr>
+        <p:style>
+          <a:lnRef idx="2">
+            <a:schemeClr val="accent1">
+              <a:shade val="50000"/>
+            </a:schemeClr>
+          </a:lnRef>
+          <a:fillRef idx="1">
+            <a:schemeClr val="accent1"/>
+          </a:fillRef>
+          <a:effectRef idx="0">
+            <a:schemeClr val="accent1"/>
+          </a:effectRef>
+          <a:fontRef idx="minor">
+            <a:schemeClr val="lt1"/>
+          </a:fontRef>
+        </p:style>
+        <p:txBody>
+          <a:bodyPr rtlCol="0" anchor="ctr"/>
+          <a:lstStyle/>
+          <a:p>
+            <a:pPr algn="ctr"/>
+            <a:endParaRPr lang="en-US"/>
+          </a:p>
+        </p:txBody>
+      </p:sp>
+      <p:sp>
+        <p:nvSpPr>
+          <p:cNvPr id="110" name="Oval 109"/>
+          <p:cNvSpPr/>
+          <p:nvPr/>
+        </p:nvSpPr>
+        <p:spPr>
+          <a:xfrm>
+            <a:off x="287789" y="4568135"/>
+            <a:ext cx="1627846" cy="1205045"/>
+          </a:xfrm>
+          <a:prstGeom prst="ellipse">
+            <a:avLst/>
+          </a:prstGeom>
+          <a:gradFill flip="none" rotWithShape="1">
+            <a:gsLst>
+              <a:gs pos="32000">
+                <a:srgbClr val="FFFF00">
+                  <a:tint val="66000"/>
+                  <a:satMod val="160000"/>
+                </a:srgbClr>
+              </a:gs>
+              <a:gs pos="50000">
+                <a:srgbClr val="FFFF00">
+                  <a:tint val="44500"/>
+                  <a:satMod val="160000"/>
+                  <a:alpha val="46000"/>
+                </a:srgbClr>
+              </a:gs>
+              <a:gs pos="100000">
+                <a:srgbClr val="FFFF00">
+                  <a:tint val="23500"/>
+                  <a:satMod val="160000"/>
+                  <a:alpha val="0"/>
+                </a:srgbClr>
+              </a:gs>
+              <a:gs pos="66000">
+                <a:srgbClr val="FFFF00">
+                  <a:tint val="23500"/>
+                  <a:satMod val="160000"/>
+                  <a:alpha val="0"/>
+                </a:srgbClr>
+              </a:gs>
+            </a:gsLst>
+            <a:path path="circle">
+              <a:fillToRect l="50000" t="50000" r="50000" b="50000"/>
+            </a:path>
+            <a:tileRect/>
+          </a:gradFill>
+          <a:ln>
+            <a:noFill/>
+          </a:ln>
+        </p:spPr>
+        <p:style>
+          <a:lnRef idx="2">
+            <a:schemeClr val="accent1">
+              <a:shade val="50000"/>
+            </a:schemeClr>
+          </a:lnRef>
+          <a:fillRef idx="1">
+            <a:schemeClr val="accent1"/>
+          </a:fillRef>
+          <a:effectRef idx="0">
+            <a:schemeClr val="accent1"/>
+          </a:effectRef>
+          <a:fontRef idx="minor">
+            <a:schemeClr val="lt1"/>
+          </a:fontRef>
+        </p:style>
+        <p:txBody>
+          <a:bodyPr rtlCol="0" anchor="ctr"/>
+          <a:lstStyle/>
+          <a:p>
+            <a:pPr algn="ctr"/>
+            <a:endParaRPr lang="en-US"/>
+          </a:p>
+        </p:txBody>
+      </p:sp>
+      <p:grpSp>
+        <p:nvGrpSpPr>
+          <p:cNvPr id="111" name="Group 47"/>
+          <p:cNvGrpSpPr/>
+          <p:nvPr/>
+        </p:nvGrpSpPr>
+        <p:grpSpPr>
+          <a:xfrm>
+            <a:off x="682976" y="4641419"/>
+            <a:ext cx="828037" cy="1496253"/>
+            <a:chOff x="2045756" y="1999283"/>
+            <a:chExt cx="1363850" cy="2696707"/>
+          </a:xfrm>
+        </p:grpSpPr>
+        <p:sp>
+          <p:nvSpPr>
+            <p:cNvPr id="112" name="Flowchart: Terminator 111"/>
+            <p:cNvSpPr/>
+            <p:nvPr/>
+          </p:nvSpPr>
+          <p:spPr>
+            <a:xfrm rot="5400000">
+              <a:off x="2208487" y="3696347"/>
+              <a:ext cx="976396" cy="557939"/>
+            </a:xfrm>
+            <a:prstGeom prst="flowChartTerminator">
+              <a:avLst/>
+            </a:prstGeom>
+            <a:gradFill flip="none" rotWithShape="1">
+              <a:gsLst>
+                <a:gs pos="0">
+                  <a:schemeClr val="accent1">
+                    <a:shade val="30000"/>
+                    <a:satMod val="115000"/>
+                  </a:schemeClr>
+                </a:gs>
+                <a:gs pos="50000">
+                  <a:schemeClr val="accent1">
+                    <a:shade val="67500"/>
+                    <a:satMod val="115000"/>
+                  </a:schemeClr>
+                </a:gs>
+                <a:gs pos="100000">
+                  <a:schemeClr val="accent1">
+                    <a:shade val="100000"/>
+                    <a:satMod val="115000"/>
+                  </a:schemeClr>
+                </a:gs>
+              </a:gsLst>
+              <a:lin ang="10800000" scaled="1"/>
+              <a:tileRect/>
+            </a:gradFill>
+            <a:ln>
+              <a:noFill/>
+            </a:ln>
+          </p:spPr>
+          <p:style>
+            <a:lnRef idx="2">
+              <a:schemeClr val="accent1">
+                <a:shade val="50000"/>
+              </a:schemeClr>
+            </a:lnRef>
+            <a:fillRef idx="1">
+              <a:schemeClr val="accent1"/>
+            </a:fillRef>
+            <a:effectRef idx="0">
+              <a:schemeClr val="accent1"/>
+            </a:effectRef>
+            <a:fontRef idx="minor">
+              <a:schemeClr val="lt1"/>
+            </a:fontRef>
+          </p:style>
+          <p:txBody>
+            <a:bodyPr rtlCol="0" anchor="ctr"/>
+            <a:lstStyle/>
+            <a:p>
+              <a:pPr algn="ctr"/>
+              <a:endParaRPr lang="en-US"/>
+            </a:p>
+          </p:txBody>
+        </p:sp>
+        <p:sp>
+          <p:nvSpPr>
+            <p:cNvPr id="113" name="Trapezoid 112"/>
+            <p:cNvSpPr/>
+            <p:nvPr/>
+          </p:nvSpPr>
+          <p:spPr>
+            <a:xfrm>
+              <a:off x="2340224" y="4355027"/>
+              <a:ext cx="712922" cy="340963"/>
+            </a:xfrm>
+            <a:prstGeom prst="trapezoid">
+              <a:avLst/>
+            </a:prstGeom>
+            <a:gradFill flip="none" rotWithShape="1">
+              <a:gsLst>
+                <a:gs pos="0">
+                  <a:schemeClr val="accent1">
+                    <a:shade val="30000"/>
+                    <a:satMod val="115000"/>
+                  </a:schemeClr>
+                </a:gs>
+                <a:gs pos="50000">
+                  <a:schemeClr val="accent1">
+                    <a:shade val="67500"/>
+                    <a:satMod val="115000"/>
+                  </a:schemeClr>
+                </a:gs>
+                <a:gs pos="100000">
+                  <a:schemeClr val="accent1">
+                    <a:shade val="100000"/>
+                    <a:satMod val="115000"/>
+                  </a:schemeClr>
+                </a:gs>
+              </a:gsLst>
+              <a:lin ang="5400000" scaled="1"/>
+              <a:tileRect/>
+            </a:gradFill>
+            <a:ln>
+              <a:noFill/>
+            </a:ln>
+          </p:spPr>
+          <p:style>
+            <a:lnRef idx="2">
+              <a:schemeClr val="accent1">
+                <a:shade val="50000"/>
+              </a:schemeClr>
+            </a:lnRef>
+            <a:fillRef idx="1">
+              <a:schemeClr val="accent1"/>
+            </a:fillRef>
+            <a:effectRef idx="0">
+              <a:schemeClr val="accent1"/>
+            </a:effectRef>
+            <a:fontRef idx="minor">
+              <a:schemeClr val="lt1"/>
+            </a:fontRef>
+          </p:style>
+          <p:txBody>
+            <a:bodyPr rtlCol="0" anchor="ctr"/>
+            <a:lstStyle/>
+            <a:p>
+              <a:pPr algn="ctr"/>
+              <a:endParaRPr lang="en-US"/>
+            </a:p>
+          </p:txBody>
+        </p:sp>
+        <p:sp>
+          <p:nvSpPr>
+            <p:cNvPr id="114" name="Double Bracket 23"/>
+            <p:cNvSpPr/>
+            <p:nvPr/>
+          </p:nvSpPr>
+          <p:spPr>
+            <a:xfrm flipH="1">
+              <a:off x="2572700" y="3068664"/>
+              <a:ext cx="247973" cy="402956"/>
+            </a:xfrm>
+            <a:prstGeom prst="bracketPair">
+              <a:avLst/>
+            </a:prstGeom>
+          </p:spPr>
+          <p:style>
+            <a:lnRef idx="1">
+              <a:schemeClr val="accent1"/>
+            </a:lnRef>
+            <a:fillRef idx="0">
+              <a:schemeClr val="accent1"/>
+            </a:fillRef>
+            <a:effectRef idx="0">
+              <a:schemeClr val="accent1"/>
+            </a:effectRef>
+            <a:fontRef idx="minor">
+              <a:schemeClr val="tx1"/>
+            </a:fontRef>
+          </p:style>
+          <p:txBody>
+            <a:bodyPr rtlCol="0" anchor="ctr"/>
+            <a:lstStyle/>
+            <a:p>
+              <a:pPr algn="ctr"/>
+              <a:endParaRPr lang="en-US"/>
+            </a:p>
+          </p:txBody>
+        </p:sp>
+        <p:sp>
+          <p:nvSpPr>
+            <p:cNvPr id="115" name="Trapezoid 114"/>
+            <p:cNvSpPr/>
+            <p:nvPr/>
+          </p:nvSpPr>
+          <p:spPr>
+            <a:xfrm>
+              <a:off x="2045756" y="1999283"/>
+              <a:ext cx="1363850" cy="1301857"/>
+            </a:xfrm>
+            <a:prstGeom prst="trapezoid">
+              <a:avLst/>
+            </a:prstGeom>
+            <a:gradFill flip="none" rotWithShape="1">
+              <a:gsLst>
+                <a:gs pos="0">
+                  <a:srgbClr val="FFC000">
+                    <a:tint val="66000"/>
+                    <a:satMod val="160000"/>
+                  </a:srgbClr>
+                </a:gs>
+                <a:gs pos="50000">
+                  <a:srgbClr val="FFC000">
+                    <a:tint val="44500"/>
+                    <a:satMod val="160000"/>
+                  </a:srgbClr>
+                </a:gs>
+                <a:gs pos="100000">
+                  <a:srgbClr val="FFC000">
+                    <a:tint val="23500"/>
+                    <a:satMod val="160000"/>
+                  </a:srgbClr>
+                </a:gs>
+              </a:gsLst>
+              <a:lin ang="2700000" scaled="1"/>
+              <a:tileRect/>
+            </a:gradFill>
+          </p:spPr>
+          <p:style>
+            <a:lnRef idx="2">
+              <a:schemeClr val="accent1">
+                <a:shade val="50000"/>
+              </a:schemeClr>
+            </a:lnRef>
+            <a:fillRef idx="1">
+              <a:schemeClr val="accent1"/>
+            </a:fillRef>
+            <a:effectRef idx="0">
+              <a:schemeClr val="accent1"/>
+            </a:effectRef>
+            <a:fontRef idx="minor">
+              <a:schemeClr val="lt1"/>
+            </a:fontRef>
+          </p:style>
+          <p:txBody>
+            <a:bodyPr rtlCol="0" anchor="ctr"/>
+            <a:lstStyle/>
+            <a:p>
+              <a:pPr algn="ctr"/>
+              <a:endParaRPr lang="en-US"/>
+            </a:p>
+          </p:txBody>
+        </p:sp>
+      </p:grpSp>
+      <p:grpSp>
+        <p:nvGrpSpPr>
+          <p:cNvPr id="116" name="Group 60"/>
+          <p:cNvGrpSpPr/>
+          <p:nvPr/>
+        </p:nvGrpSpPr>
+        <p:grpSpPr>
+          <a:xfrm>
+            <a:off x="5285408" y="5268365"/>
+            <a:ext cx="254050" cy="276835"/>
+            <a:chOff x="4383429" y="1596327"/>
+            <a:chExt cx="638012" cy="836908"/>
+          </a:xfrm>
+        </p:grpSpPr>
+        <p:sp>
+          <p:nvSpPr>
+            <p:cNvPr id="117" name="Oval 15"/>
+            <p:cNvSpPr/>
+            <p:nvPr/>
+          </p:nvSpPr>
+          <p:spPr>
+            <a:xfrm>
+              <a:off x="4383429" y="1764224"/>
+              <a:ext cx="638012" cy="669011"/>
+            </a:xfrm>
+            <a:prstGeom prst="ellipse">
+              <a:avLst/>
+            </a:prstGeom>
+            <a:gradFill flip="none" rotWithShape="1">
+              <a:gsLst>
+                <a:gs pos="32000">
+                  <a:srgbClr val="FFFF00">
+                    <a:tint val="66000"/>
+                    <a:satMod val="160000"/>
+                  </a:srgbClr>
+                </a:gs>
+                <a:gs pos="50000">
+                  <a:srgbClr val="FFFF00">
+                    <a:tint val="44500"/>
+                    <a:satMod val="160000"/>
+                    <a:alpha val="46000"/>
+                  </a:srgbClr>
+                </a:gs>
+                <a:gs pos="100000">
+                  <a:srgbClr val="FFFF00">
+                    <a:tint val="23500"/>
+                    <a:satMod val="160000"/>
+                    <a:alpha val="0"/>
+                  </a:srgbClr>
+                </a:gs>
+                <a:gs pos="66000">
+                  <a:srgbClr val="FFFF00">
+                    <a:tint val="23500"/>
+                    <a:satMod val="160000"/>
+                    <a:alpha val="0"/>
+                  </a:srgbClr>
+                </a:gs>
+              </a:gsLst>
+              <a:path path="circle">
+                <a:fillToRect l="50000" t="50000" r="50000" b="50000"/>
+              </a:path>
+              <a:tileRect/>
+            </a:gradFill>
+            <a:ln>
+              <a:noFill/>
+            </a:ln>
+          </p:spPr>
+          <p:style>
+            <a:lnRef idx="2">
+              <a:schemeClr val="accent1">
+                <a:shade val="50000"/>
+              </a:schemeClr>
+            </a:lnRef>
+            <a:fillRef idx="1">
+              <a:schemeClr val="accent1"/>
+            </a:fillRef>
+            <a:effectRef idx="0">
+              <a:schemeClr val="accent1"/>
+            </a:effectRef>
+            <a:fontRef idx="minor">
+              <a:schemeClr val="lt1"/>
+            </a:fontRef>
+          </p:style>
+          <p:txBody>
+            <a:bodyPr rtlCol="0" anchor="ctr"/>
+            <a:lstStyle/>
+            <a:p>
+              <a:pPr algn="ctr"/>
+              <a:endParaRPr lang="en-US"/>
+            </a:p>
+          </p:txBody>
+        </p:sp>
+        <p:grpSp>
+          <p:nvGrpSpPr>
+            <p:cNvPr id="118" name="Group 55"/>
+            <p:cNvGrpSpPr/>
+            <p:nvPr/>
+          </p:nvGrpSpPr>
+          <p:grpSpPr>
+            <a:xfrm flipV="1">
+              <a:off x="4571994" y="1596327"/>
+              <a:ext cx="291863" cy="663847"/>
+              <a:chOff x="2045756" y="1999283"/>
+              <a:chExt cx="1363850" cy="2696707"/>
+            </a:xfrm>
+          </p:grpSpPr>
+          <p:sp>
+            <p:nvSpPr>
+              <p:cNvPr id="119" name="Flowchart: Terminator 118"/>
+              <p:cNvSpPr/>
+              <p:nvPr/>
+            </p:nvSpPr>
+            <p:spPr>
+              <a:xfrm rot="5400000">
+                <a:off x="2208487" y="3696347"/>
+                <a:ext cx="976396" cy="557939"/>
+              </a:xfrm>
+              <a:prstGeom prst="flowChartTerminator">
+                <a:avLst/>
+              </a:prstGeom>
+              <a:gradFill flip="none" rotWithShape="1">
+                <a:gsLst>
+                  <a:gs pos="0">
+                    <a:schemeClr val="accent1">
+                      <a:shade val="30000"/>
+                      <a:satMod val="115000"/>
+                    </a:schemeClr>
+                  </a:gs>
+                  <a:gs pos="50000">
+                    <a:schemeClr val="accent1">
+                      <a:shade val="67500"/>
+                      <a:satMod val="115000"/>
+                    </a:schemeClr>
+                  </a:gs>
+                  <a:gs pos="100000">
+                    <a:schemeClr val="accent1">
+                      <a:shade val="100000"/>
+                      <a:satMod val="115000"/>
+                    </a:schemeClr>
+                  </a:gs>
+                </a:gsLst>
+                <a:lin ang="10800000" scaled="1"/>
+                <a:tileRect/>
+              </a:gradFill>
+              <a:ln>
+                <a:noFill/>
+              </a:ln>
+            </p:spPr>
+            <p:style>
+              <a:lnRef idx="2">
+                <a:schemeClr val="accent1">
+                  <a:shade val="50000"/>
+                </a:schemeClr>
+              </a:lnRef>
+              <a:fillRef idx="1">
+                <a:schemeClr val="accent1"/>
+              </a:fillRef>
+              <a:effectRef idx="0">
+                <a:schemeClr val="accent1"/>
+              </a:effectRef>
+              <a:fontRef idx="minor">
+                <a:schemeClr val="lt1"/>
+              </a:fontRef>
+            </p:style>
+            <p:txBody>
+              <a:bodyPr rtlCol="0" anchor="ctr"/>
+              <a:lstStyle/>
+              <a:p>
+                <a:pPr algn="ctr"/>
+                <a:endParaRPr lang="en-US"/>
+              </a:p>
+            </p:txBody>
+          </p:sp>
+          <p:sp>
+            <p:nvSpPr>
+              <p:cNvPr id="120" name="Trapezoid 119"/>
+              <p:cNvSpPr/>
+              <p:nvPr/>
+            </p:nvSpPr>
+            <p:spPr>
+              <a:xfrm>
+                <a:off x="2340224" y="4355027"/>
+                <a:ext cx="712922" cy="340963"/>
+              </a:xfrm>
+              <a:prstGeom prst="trapezoid">
+                <a:avLst/>
+              </a:prstGeom>
+              <a:gradFill flip="none" rotWithShape="1">
+                <a:gsLst>
+                  <a:gs pos="0">
+                    <a:schemeClr val="accent1">
+                      <a:shade val="30000"/>
+                      <a:satMod val="115000"/>
+                    </a:schemeClr>
+                  </a:gs>
+                  <a:gs pos="50000">
+                    <a:schemeClr val="accent1">
+                      <a:shade val="67500"/>
+                      <a:satMod val="115000"/>
+                    </a:schemeClr>
+                  </a:gs>
+                  <a:gs pos="100000">
+                    <a:schemeClr val="accent1">
+                      <a:shade val="100000"/>
+                      <a:satMod val="115000"/>
+                    </a:schemeClr>
+                  </a:gs>
+                </a:gsLst>
+                <a:lin ang="5400000" scaled="1"/>
+                <a:tileRect/>
+              </a:gradFill>
+              <a:ln>
+                <a:noFill/>
+              </a:ln>
+            </p:spPr>
+            <p:style>
+              <a:lnRef idx="2">
+                <a:schemeClr val="accent1">
+                  <a:shade val="50000"/>
+                </a:schemeClr>
+              </a:lnRef>
+              <a:fillRef idx="1">
+                <a:schemeClr val="accent1"/>
+              </a:fillRef>
+              <a:effectRef idx="0">
+                <a:schemeClr val="accent1"/>
+              </a:effectRef>
+              <a:fontRef idx="minor">
+                <a:schemeClr val="lt1"/>
+              </a:fontRef>
+            </p:style>
+            <p:txBody>
+              <a:bodyPr rtlCol="0" anchor="ctr"/>
+              <a:lstStyle/>
+              <a:p>
+                <a:pPr algn="ctr"/>
+                <a:endParaRPr lang="en-US"/>
+              </a:p>
+            </p:txBody>
+          </p:sp>
+          <p:sp>
+            <p:nvSpPr>
+              <p:cNvPr id="121" name="Double Bracket 120"/>
+              <p:cNvSpPr/>
+              <p:nvPr/>
+            </p:nvSpPr>
+            <p:spPr>
+              <a:xfrm flipH="1">
+                <a:off x="2572700" y="3068664"/>
+                <a:ext cx="247973" cy="402956"/>
+              </a:xfrm>
+              <a:prstGeom prst="bracketPair">
+                <a:avLst/>
+              </a:prstGeom>
+            </p:spPr>
+            <p:style>
+              <a:lnRef idx="1">
+                <a:schemeClr val="accent1"/>
+              </a:lnRef>
+              <a:fillRef idx="0">
+                <a:schemeClr val="accent1"/>
+              </a:fillRef>
+              <a:effectRef idx="0">
+                <a:schemeClr val="accent1"/>
+              </a:effectRef>
+              <a:fontRef idx="minor">
+                <a:schemeClr val="tx1"/>
+              </a:fontRef>
+            </p:style>
+            <p:txBody>
+              <a:bodyPr rtlCol="0" anchor="ctr"/>
+              <a:lstStyle/>
+              <a:p>
+                <a:pPr algn="ctr"/>
+                <a:endParaRPr lang="en-US"/>
+              </a:p>
+            </p:txBody>
+          </p:sp>
+          <p:sp>
+            <p:nvSpPr>
+              <p:cNvPr id="122" name="Trapezoid 121"/>
+              <p:cNvSpPr/>
+              <p:nvPr/>
+            </p:nvSpPr>
+            <p:spPr>
+              <a:xfrm>
+                <a:off x="2045756" y="1999283"/>
+                <a:ext cx="1363850" cy="1301857"/>
+              </a:xfrm>
+              <a:prstGeom prst="trapezoid">
+                <a:avLst/>
+              </a:prstGeom>
+              <a:gradFill flip="none" rotWithShape="1">
+                <a:gsLst>
+                  <a:gs pos="0">
+                    <a:srgbClr val="FFC000">
+                      <a:tint val="66000"/>
+                      <a:satMod val="160000"/>
+                    </a:srgbClr>
+                  </a:gs>
+                  <a:gs pos="50000">
+                    <a:srgbClr val="FFC000">
+                      <a:tint val="44500"/>
+                      <a:satMod val="160000"/>
+                    </a:srgbClr>
+                  </a:gs>
+                  <a:gs pos="100000">
+                    <a:srgbClr val="FFC000">
+                      <a:tint val="23500"/>
+                      <a:satMod val="160000"/>
+                    </a:srgbClr>
+                  </a:gs>
+                </a:gsLst>
+                <a:lin ang="2700000" scaled="1"/>
+                <a:tileRect/>
+              </a:gradFill>
+            </p:spPr>
+            <p:style>
+              <a:lnRef idx="2">
+                <a:schemeClr val="accent1">
+                  <a:shade val="50000"/>
+                </a:schemeClr>
+              </a:lnRef>
+              <a:fillRef idx="1">
+                <a:schemeClr val="accent1"/>
+              </a:fillRef>
+              <a:effectRef idx="0">
+                <a:schemeClr val="accent1"/>
+              </a:effectRef>
+              <a:fontRef idx="minor">
+                <a:schemeClr val="lt1"/>
+              </a:fontRef>
+            </p:style>
+            <p:txBody>
+              <a:bodyPr rtlCol="0" anchor="ctr"/>
+              <a:lstStyle/>
+              <a:p>
+                <a:pPr algn="ctr"/>
+                <a:endParaRPr lang="en-US"/>
+              </a:p>
+            </p:txBody>
+          </p:sp>
+        </p:grpSp>
+      </p:grpSp>
+      <p:cxnSp>
+        <p:nvCxnSpPr>
+          <p:cNvPr id="137" name="Straight Connector 136"/>
+          <p:cNvCxnSpPr/>
+          <p:nvPr/>
+        </p:nvCxnSpPr>
+        <p:spPr>
+          <a:xfrm>
+            <a:off x="1280160" y="2499360"/>
+            <a:ext cx="3931920" cy="960120"/>
+          </a:xfrm>
+          <a:prstGeom prst="line">
+            <a:avLst/>
+          </a:prstGeom>
+          <a:ln>
+            <a:solidFill>
+              <a:srgbClr val="FF0000"/>
+            </a:solidFill>
+          </a:ln>
+        </p:spPr>
+        <p:style>
+          <a:lnRef idx="1">
+            <a:schemeClr val="accent1"/>
+          </a:lnRef>
+          <a:fillRef idx="0">
+            <a:schemeClr val="accent1"/>
+          </a:fillRef>
+          <a:effectRef idx="0">
+            <a:schemeClr val="accent1"/>
+          </a:effectRef>
+          <a:fontRef idx="minor">
+            <a:schemeClr val="tx1"/>
+          </a:fontRef>
+        </p:style>
+      </p:cxnSp>
+      <p:cxnSp>
+        <p:nvCxnSpPr>
+          <p:cNvPr id="140" name="Straight Connector 139"/>
+          <p:cNvCxnSpPr/>
+          <p:nvPr/>
+        </p:nvCxnSpPr>
+        <p:spPr>
+          <a:xfrm flipV="1">
+            <a:off x="1280160" y="2865120"/>
+            <a:ext cx="3992880" cy="1082040"/>
+          </a:xfrm>
+          <a:prstGeom prst="line">
+            <a:avLst/>
+          </a:prstGeom>
+          <a:ln>
+            <a:solidFill>
+              <a:srgbClr val="FF0000"/>
+            </a:solidFill>
+          </a:ln>
+        </p:spPr>
+        <p:style>
+          <a:lnRef idx="1">
+            <a:schemeClr val="accent1"/>
+          </a:lnRef>
+          <a:fillRef idx="0">
+            <a:schemeClr val="accent1"/>
+          </a:fillRef>
+          <a:effectRef idx="0">
+            <a:schemeClr val="accent1"/>
+          </a:effectRef>
+          <a:fontRef idx="minor">
+            <a:schemeClr val="tx1"/>
+          </a:fontRef>
+        </p:style>
+      </p:cxnSp>
+      <p:grpSp>
+        <p:nvGrpSpPr>
+          <p:cNvPr id="152" name="Group 151"/>
+          <p:cNvGrpSpPr/>
+          <p:nvPr/>
+        </p:nvGrpSpPr>
+        <p:grpSpPr>
+          <a:xfrm>
+            <a:off x="1325880" y="4632960"/>
+            <a:ext cx="4069080" cy="853440"/>
+            <a:chOff x="1371600" y="4663440"/>
+            <a:chExt cx="4069080" cy="853440"/>
+          </a:xfrm>
+        </p:grpSpPr>
+        <p:cxnSp>
+          <p:nvCxnSpPr>
+            <p:cNvPr id="134" name="Straight Connector 133"/>
+            <p:cNvCxnSpPr/>
+            <p:nvPr/>
+          </p:nvCxnSpPr>
+          <p:spPr>
+            <a:xfrm>
+              <a:off x="2852738" y="5005388"/>
+              <a:ext cx="561022" cy="84772"/>
+            </a:xfrm>
+            <a:prstGeom prst="line">
+              <a:avLst/>
+            </a:prstGeom>
+            <a:ln>
+              <a:solidFill>
+                <a:srgbClr val="FF0000"/>
+              </a:solidFill>
+            </a:ln>
+          </p:spPr>
+          <p:style>
+            <a:lnRef idx="1">
+              <a:schemeClr val="accent1"/>
+            </a:lnRef>
+            <a:fillRef idx="0">
+              <a:schemeClr val="accent1"/>
+            </a:fillRef>
+            <a:effectRef idx="0">
+              <a:schemeClr val="accent1"/>
+            </a:effectRef>
+            <a:fontRef idx="minor">
+              <a:schemeClr val="tx1"/>
+            </a:fontRef>
+          </p:style>
+        </p:cxnSp>
+        <p:cxnSp>
+          <p:nvCxnSpPr>
+            <p:cNvPr id="144" name="Straight Connector 143"/>
+            <p:cNvCxnSpPr/>
+            <p:nvPr/>
+          </p:nvCxnSpPr>
+          <p:spPr>
+            <a:xfrm>
+              <a:off x="1371600" y="4663440"/>
+              <a:ext cx="1508760" cy="350520"/>
+            </a:xfrm>
+            <a:prstGeom prst="line">
+              <a:avLst/>
+            </a:prstGeom>
+            <a:ln>
+              <a:solidFill>
+                <a:srgbClr val="FF0000"/>
+              </a:solidFill>
+            </a:ln>
+          </p:spPr>
+          <p:style>
+            <a:lnRef idx="1">
+              <a:schemeClr val="accent1"/>
+            </a:lnRef>
+            <a:fillRef idx="0">
+              <a:schemeClr val="accent1"/>
+            </a:fillRef>
+            <a:effectRef idx="0">
+              <a:schemeClr val="accent1"/>
+            </a:effectRef>
+            <a:fontRef idx="minor">
+              <a:schemeClr val="tx1"/>
+            </a:fontRef>
+          </p:style>
+        </p:cxnSp>
+        <p:cxnSp>
+          <p:nvCxnSpPr>
+            <p:cNvPr id="148" name="Straight Connector 147"/>
+            <p:cNvCxnSpPr/>
+            <p:nvPr/>
+          </p:nvCxnSpPr>
+          <p:spPr>
+            <a:xfrm>
+              <a:off x="3386138" y="5081588"/>
+              <a:ext cx="2054542" cy="435292"/>
+            </a:xfrm>
+            <a:prstGeom prst="line">
+              <a:avLst/>
+            </a:prstGeom>
+            <a:ln>
+              <a:solidFill>
+                <a:srgbClr val="FF0000"/>
+              </a:solidFill>
+            </a:ln>
+          </p:spPr>
+          <p:style>
+            <a:lnRef idx="1">
+              <a:schemeClr val="accent1"/>
+            </a:lnRef>
+            <a:fillRef idx="0">
+              <a:schemeClr val="accent1"/>
+            </a:fillRef>
+            <a:effectRef idx="0">
+              <a:schemeClr val="accent1"/>
+            </a:effectRef>
+            <a:fontRef idx="minor">
+              <a:schemeClr val="tx1"/>
+            </a:fontRef>
+          </p:style>
+        </p:cxnSp>
+      </p:grpSp>
+      <p:grpSp>
+        <p:nvGrpSpPr>
+          <p:cNvPr id="153" name="Group 152"/>
+          <p:cNvGrpSpPr/>
+          <p:nvPr/>
+        </p:nvGrpSpPr>
+        <p:grpSpPr>
+          <a:xfrm flipV="1">
+            <a:off x="1302068" y="5241608"/>
+            <a:ext cx="4069080" cy="853440"/>
+            <a:chOff x="1371600" y="4663440"/>
+            <a:chExt cx="4069080" cy="853440"/>
+          </a:xfrm>
+        </p:grpSpPr>
+        <p:cxnSp>
+          <p:nvCxnSpPr>
+            <p:cNvPr id="154" name="Straight Connector 153"/>
+            <p:cNvCxnSpPr/>
+            <p:nvPr/>
+          </p:nvCxnSpPr>
+          <p:spPr>
+            <a:xfrm>
+              <a:off x="2852738" y="5005388"/>
+              <a:ext cx="561022" cy="84772"/>
+            </a:xfrm>
+            <a:prstGeom prst="line">
+              <a:avLst/>
+            </a:prstGeom>
+            <a:ln>
+              <a:solidFill>
+                <a:srgbClr val="FF0000"/>
+              </a:solidFill>
+            </a:ln>
+          </p:spPr>
+          <p:style>
+            <a:lnRef idx="1">
+              <a:schemeClr val="accent1"/>
+            </a:lnRef>
+            <a:fillRef idx="0">
+              <a:schemeClr val="accent1"/>
+            </a:fillRef>
+            <a:effectRef idx="0">
+              <a:schemeClr val="accent1"/>
+            </a:effectRef>
+            <a:fontRef idx="minor">
+              <a:schemeClr val="tx1"/>
+            </a:fontRef>
+          </p:style>
+        </p:cxnSp>
+        <p:cxnSp>
+          <p:nvCxnSpPr>
+            <p:cNvPr id="155" name="Straight Connector 154"/>
+            <p:cNvCxnSpPr/>
+            <p:nvPr/>
+          </p:nvCxnSpPr>
+          <p:spPr>
+            <a:xfrm>
+              <a:off x="1371600" y="4663440"/>
+              <a:ext cx="1508760" cy="350520"/>
+            </a:xfrm>
+            <a:prstGeom prst="line">
+              <a:avLst/>
+            </a:prstGeom>
+            <a:ln>
+              <a:solidFill>
+                <a:srgbClr val="FF0000"/>
+              </a:solidFill>
+            </a:ln>
+          </p:spPr>
+          <p:style>
+            <a:lnRef idx="1">
+              <a:schemeClr val="accent1"/>
+            </a:lnRef>
+            <a:fillRef idx="0">
+              <a:schemeClr val="accent1"/>
+            </a:fillRef>
+            <a:effectRef idx="0">
+              <a:schemeClr val="accent1"/>
+            </a:effectRef>
+            <a:fontRef idx="minor">
+              <a:schemeClr val="tx1"/>
+            </a:fontRef>
+          </p:style>
+        </p:cxnSp>
+        <p:cxnSp>
+          <p:nvCxnSpPr>
+            <p:cNvPr id="156" name="Straight Connector 155"/>
+            <p:cNvCxnSpPr/>
+            <p:nvPr/>
+          </p:nvCxnSpPr>
+          <p:spPr>
+            <a:xfrm>
+              <a:off x="3386138" y="5081588"/>
+              <a:ext cx="2054542" cy="435292"/>
+            </a:xfrm>
+            <a:prstGeom prst="line">
+              <a:avLst/>
+            </a:prstGeom>
+            <a:ln>
+              <a:solidFill>
+                <a:srgbClr val="FF0000"/>
+              </a:solidFill>
+            </a:ln>
+          </p:spPr>
+          <p:style>
+            <a:lnRef idx="1">
+              <a:schemeClr val="accent1"/>
+            </a:lnRef>
+            <a:fillRef idx="0">
+              <a:schemeClr val="accent1"/>
+            </a:fillRef>
+            <a:effectRef idx="0">
+              <a:schemeClr val="accent1"/>
+            </a:effectRef>
+            <a:fontRef idx="minor">
+              <a:schemeClr val="tx1"/>
+            </a:fontRef>
+          </p:style>
+        </p:cxnSp>
+      </p:grpSp>
     </p:spTree>
   </p:cSld>
   <p:clrMapOvr>
@@ -19584,12 +19598,6 @@
 </file>
 
 <file path=ppt/tags/tag2.xml><?xml version="1.0" encoding="utf-8"?>
-<p:tagLst xmlns:a="http://schemas.openxmlformats.org/drawingml/2006/main" xmlns:r="http://schemas.openxmlformats.org/officeDocument/2006/relationships" xmlns:p="http://schemas.openxmlformats.org/presentationml/2006/main">
-  <p:tag name="IIW_NOTES_FOOTER" val="1"/>
-</p:tagLst>
-</file>
-
-<file path=ppt/tags/tag3.xml><?xml version="1.0" encoding="utf-8"?>
 <p:tagLst xmlns:a="http://schemas.openxmlformats.org/drawingml/2006/main" xmlns:r="http://schemas.openxmlformats.org/officeDocument/2006/relationships" xmlns:p="http://schemas.openxmlformats.org/presentationml/2006/main">
   <p:tag name="IIW_NOTES_FOOTER" val="1"/>
 </p:tagLst>

--- a/Slides/PH223_Lecture_18.pptx
+++ b/Slides/PH223_Lecture_18.pptx
@@ -161,6 +161,90 @@
 
 <file path=ppt/changesInfos/changesInfo1.xml><?xml version="1.0" encoding="utf-8"?>
 <pc:chgInfo xmlns:a="http://schemas.openxmlformats.org/drawingml/2006/main" xmlns:r="http://schemas.openxmlformats.org/officeDocument/2006/relationships" xmlns:ac="http://schemas.microsoft.com/office/drawing/2013/main/command" xmlns:pc="http://schemas.microsoft.com/office/powerpoint/2013/main/command">
+  <pc:docChgLst>
+    <pc:chgData name="Lines, Todd" userId="afaf7c3a-e8aa-4568-882a-02ad8f9e19b0" providerId="ADAL" clId="{D634F455-9A15-44EC-A151-981EED0D943E}"/>
+    <pc:docChg chg="custSel modSld">
+      <pc:chgData name="Lines, Todd" userId="afaf7c3a-e8aa-4568-882a-02ad8f9e19b0" providerId="ADAL" clId="{D634F455-9A15-44EC-A151-981EED0D943E}" dt="2024-11-27T22:47:07.528" v="9" actId="21"/>
+      <pc:docMkLst>
+        <pc:docMk/>
+      </pc:docMkLst>
+      <pc:sldChg chg="delSp modSp mod">
+        <pc:chgData name="Lines, Todd" userId="afaf7c3a-e8aa-4568-882a-02ad8f9e19b0" providerId="ADAL" clId="{D634F455-9A15-44EC-A151-981EED0D943E}" dt="2024-11-27T21:17:02.678" v="5" actId="21"/>
+        <pc:sldMkLst>
+          <pc:docMk/>
+          <pc:sldMk cId="0" sldId="259"/>
+        </pc:sldMkLst>
+        <pc:picChg chg="del mod">
+          <ac:chgData name="Lines, Todd" userId="afaf7c3a-e8aa-4568-882a-02ad8f9e19b0" providerId="ADAL" clId="{D634F455-9A15-44EC-A151-981EED0D943E}" dt="2024-11-27T21:17:02.678" v="5" actId="21"/>
+          <ac:picMkLst>
+            <pc:docMk/>
+            <pc:sldMk cId="0" sldId="259"/>
+            <ac:picMk id="3" creationId="{12AEEE7A-E045-8A42-270E-DAF94DDFBB35}"/>
+          </ac:picMkLst>
+        </pc:picChg>
+      </pc:sldChg>
+      <pc:sldChg chg="delSp modSp mod">
+        <pc:chgData name="Lines, Todd" userId="afaf7c3a-e8aa-4568-882a-02ad8f9e19b0" providerId="ADAL" clId="{D634F455-9A15-44EC-A151-981EED0D943E}" dt="2024-11-27T21:15:46.348" v="1" actId="21"/>
+        <pc:sldMkLst>
+          <pc:docMk/>
+          <pc:sldMk cId="0" sldId="264"/>
+        </pc:sldMkLst>
+        <pc:picChg chg="del mod">
+          <ac:chgData name="Lines, Todd" userId="afaf7c3a-e8aa-4568-882a-02ad8f9e19b0" providerId="ADAL" clId="{D634F455-9A15-44EC-A151-981EED0D943E}" dt="2024-11-27T21:15:46.348" v="1" actId="21"/>
+          <ac:picMkLst>
+            <pc:docMk/>
+            <pc:sldMk cId="0" sldId="264"/>
+            <ac:picMk id="15" creationId="{1E176B35-A420-1A9B-76D8-FD12645E7F95}"/>
+          </ac:picMkLst>
+        </pc:picChg>
+      </pc:sldChg>
+      <pc:sldChg chg="delSp modSp mod">
+        <pc:chgData name="Lines, Todd" userId="afaf7c3a-e8aa-4568-882a-02ad8f9e19b0" providerId="ADAL" clId="{D634F455-9A15-44EC-A151-981EED0D943E}" dt="2024-11-27T22:47:07.528" v="9" actId="21"/>
+        <pc:sldMkLst>
+          <pc:docMk/>
+          <pc:sldMk cId="0" sldId="284"/>
+        </pc:sldMkLst>
+        <pc:picChg chg="del mod">
+          <ac:chgData name="Lines, Todd" userId="afaf7c3a-e8aa-4568-882a-02ad8f9e19b0" providerId="ADAL" clId="{D634F455-9A15-44EC-A151-981EED0D943E}" dt="2024-11-27T22:47:07.528" v="9" actId="21"/>
+          <ac:picMkLst>
+            <pc:docMk/>
+            <pc:sldMk cId="0" sldId="284"/>
+            <ac:picMk id="2" creationId="{3DAC9E42-6A29-08F3-1BD9-369F6AE7BCE4}"/>
+          </ac:picMkLst>
+        </pc:picChg>
+      </pc:sldChg>
+      <pc:sldChg chg="delSp modSp mod">
+        <pc:chgData name="Lines, Todd" userId="afaf7c3a-e8aa-4568-882a-02ad8f9e19b0" providerId="ADAL" clId="{D634F455-9A15-44EC-A151-981EED0D943E}" dt="2024-11-27T21:16:18.843" v="3" actId="21"/>
+        <pc:sldMkLst>
+          <pc:docMk/>
+          <pc:sldMk cId="0" sldId="286"/>
+        </pc:sldMkLst>
+        <pc:picChg chg="del mod">
+          <ac:chgData name="Lines, Todd" userId="afaf7c3a-e8aa-4568-882a-02ad8f9e19b0" providerId="ADAL" clId="{D634F455-9A15-44EC-A151-981EED0D943E}" dt="2024-11-27T21:16:18.843" v="3" actId="21"/>
+          <ac:picMkLst>
+            <pc:docMk/>
+            <pc:sldMk cId="0" sldId="286"/>
+            <ac:picMk id="12" creationId="{123BD4BE-9257-46B3-1D4D-06F5AFFC8126}"/>
+          </ac:picMkLst>
+        </pc:picChg>
+      </pc:sldChg>
+      <pc:sldChg chg="delSp modSp mod">
+        <pc:chgData name="Lines, Todd" userId="afaf7c3a-e8aa-4568-882a-02ad8f9e19b0" providerId="ADAL" clId="{D634F455-9A15-44EC-A151-981EED0D943E}" dt="2024-11-27T21:18:11.559" v="7" actId="21"/>
+        <pc:sldMkLst>
+          <pc:docMk/>
+          <pc:sldMk cId="2638549162" sldId="288"/>
+        </pc:sldMkLst>
+        <pc:picChg chg="del mod">
+          <ac:chgData name="Lines, Todd" userId="afaf7c3a-e8aa-4568-882a-02ad8f9e19b0" providerId="ADAL" clId="{D634F455-9A15-44EC-A151-981EED0D943E}" dt="2024-11-27T21:18:11.559" v="7" actId="21"/>
+          <ac:picMkLst>
+            <pc:docMk/>
+            <pc:sldMk cId="2638549162" sldId="288"/>
+            <ac:picMk id="6" creationId="{7A4FAB69-E75C-32AA-0235-1743CDB44902}"/>
+          </ac:picMkLst>
+        </pc:picChg>
+      </pc:sldChg>
+    </pc:docChg>
+  </pc:docChgLst>
   <pc:docChgLst>
     <pc:chgData name="Lines, Todd" userId="afaf7c3a-e8aa-4568-882a-02ad8f9e19b0" providerId="ADAL" clId="{207BB9A6-BF4F-4626-B172-241AE60031F5}"/>
     <pc:docChg chg="undo custSel addSld modSld">
@@ -426,7 +510,7 @@
             <a:fld id="{8A977141-E80A-4924-B68E-B85276B8724E}" type="datetimeFigureOut">
               <a:rPr lang="en-US" smtClean="0"/>
               <a:pPr/>
-              <a:t>10/14/2024</a:t>
+              <a:t>11/27/2024</a:t>
             </a:fld>
             <a:endParaRPr lang="en-US"/>
           </a:p>
@@ -1070,7 +1154,7 @@
             <a:fld id="{B04593DB-0AFC-4F2B-A4D0-CF7E97484DFF}" type="datetimeFigureOut">
               <a:rPr lang="en-US" smtClean="0"/>
               <a:pPr/>
-              <a:t>10/14/2024</a:t>
+              <a:t>11/27/2024</a:t>
             </a:fld>
             <a:endParaRPr lang="en-US"/>
           </a:p>
@@ -1235,7 +1319,7 @@
             <a:fld id="{B04593DB-0AFC-4F2B-A4D0-CF7E97484DFF}" type="datetimeFigureOut">
               <a:rPr lang="en-US" smtClean="0"/>
               <a:pPr/>
-              <a:t>10/14/2024</a:t>
+              <a:t>11/27/2024</a:t>
             </a:fld>
             <a:endParaRPr lang="en-US"/>
           </a:p>
@@ -1410,7 +1494,7 @@
             <a:fld id="{B04593DB-0AFC-4F2B-A4D0-CF7E97484DFF}" type="datetimeFigureOut">
               <a:rPr lang="en-US" smtClean="0"/>
               <a:pPr/>
-              <a:t>10/14/2024</a:t>
+              <a:t>11/27/2024</a:t>
             </a:fld>
             <a:endParaRPr lang="en-US"/>
           </a:p>
@@ -1802,7 +1886,7 @@
             <a:fld id="{B04593DB-0AFC-4F2B-A4D0-CF7E97484DFF}" type="datetimeFigureOut">
               <a:rPr lang="en-US" smtClean="0"/>
               <a:pPr/>
-              <a:t>10/14/2024</a:t>
+              <a:t>11/27/2024</a:t>
             </a:fld>
             <a:endParaRPr lang="en-US"/>
           </a:p>
@@ -2044,7 +2128,7 @@
             <a:fld id="{B04593DB-0AFC-4F2B-A4D0-CF7E97484DFF}" type="datetimeFigureOut">
               <a:rPr lang="en-US" smtClean="0"/>
               <a:pPr/>
-              <a:t>10/14/2024</a:t>
+              <a:t>11/27/2024</a:t>
             </a:fld>
             <a:endParaRPr lang="en-US"/>
           </a:p>
@@ -2326,7 +2410,7 @@
             <a:fld id="{B04593DB-0AFC-4F2B-A4D0-CF7E97484DFF}" type="datetimeFigureOut">
               <a:rPr lang="en-US" smtClean="0"/>
               <a:pPr/>
-              <a:t>10/14/2024</a:t>
+              <a:t>11/27/2024</a:t>
             </a:fld>
             <a:endParaRPr lang="en-US"/>
           </a:p>
@@ -2742,7 +2826,7 @@
             <a:fld id="{B04593DB-0AFC-4F2B-A4D0-CF7E97484DFF}" type="datetimeFigureOut">
               <a:rPr lang="en-US" smtClean="0"/>
               <a:pPr/>
-              <a:t>10/14/2024</a:t>
+              <a:t>11/27/2024</a:t>
             </a:fld>
             <a:endParaRPr lang="en-US"/>
           </a:p>
@@ -2856,7 +2940,7 @@
             <a:fld id="{B04593DB-0AFC-4F2B-A4D0-CF7E97484DFF}" type="datetimeFigureOut">
               <a:rPr lang="en-US" smtClean="0"/>
               <a:pPr/>
-              <a:t>10/14/2024</a:t>
+              <a:t>11/27/2024</a:t>
             </a:fld>
             <a:endParaRPr lang="en-US"/>
           </a:p>
@@ -2948,7 +3032,7 @@
             <a:fld id="{B04593DB-0AFC-4F2B-A4D0-CF7E97484DFF}" type="datetimeFigureOut">
               <a:rPr lang="en-US" smtClean="0"/>
               <a:pPr/>
-              <a:t>10/14/2024</a:t>
+              <a:t>11/27/2024</a:t>
             </a:fld>
             <a:endParaRPr lang="en-US"/>
           </a:p>
@@ -3220,7 +3304,7 @@
             <a:fld id="{B04593DB-0AFC-4F2B-A4D0-CF7E97484DFF}" type="datetimeFigureOut">
               <a:rPr lang="en-US" smtClean="0"/>
               <a:pPr/>
-              <a:t>10/14/2024</a:t>
+              <a:t>11/27/2024</a:t>
             </a:fld>
             <a:endParaRPr lang="en-US"/>
           </a:p>
@@ -3469,7 +3553,7 @@
             <a:fld id="{B04593DB-0AFC-4F2B-A4D0-CF7E97484DFF}" type="datetimeFigureOut">
               <a:rPr lang="en-US" smtClean="0"/>
               <a:pPr/>
-              <a:t>10/14/2024</a:t>
+              <a:t>11/27/2024</a:t>
             </a:fld>
             <a:endParaRPr lang="en-US"/>
           </a:p>
@@ -3677,7 +3761,7 @@
             <a:fld id="{B04593DB-0AFC-4F2B-A4D0-CF7E97484DFF}" type="datetimeFigureOut">
               <a:rPr lang="en-US" smtClean="0"/>
               <a:pPr/>
-              <a:t>10/14/2024</a:t>
+              <a:t>11/27/2024</a:t>
             </a:fld>
             <a:endParaRPr lang="en-US"/>
           </a:p>
